--- a/Northwest hunt .pptx
+++ b/Northwest hunt .pptx
@@ -2,7 +2,7 @@
 <file path=ppt/presentation.xml><?xml version="1.0" encoding="utf-8"?>
 <p:presentation xmlns:a="http://schemas.openxmlformats.org/drawingml/2006/main" xmlns:r="http://schemas.openxmlformats.org/officeDocument/2006/relationships" xmlns:p="http://schemas.openxmlformats.org/presentationml/2006/main" autoCompressPictures="0">
   <p:sldMasterIdLst>
-    <p:sldMasterId id="2147484030" r:id="rId1"/>
+    <p:sldMasterId id="2147484405" r:id="rId1"/>
   </p:sldMasterIdLst>
   <p:sldIdLst>
     <p:sldId id="256" r:id="rId2"/>
@@ -140,36 +140,6 @@
           <a:chExt cx="0" cy="0"/>
         </a:xfrm>
       </p:grpSpPr>
-      <p:pic>
-        <p:nvPicPr>
-          <p:cNvPr id="7" name="Picture 6" descr="Droplets-HD-Title-R1d.png"/>
-          <p:cNvPicPr>
-            <a:picLocks noChangeAspect="1"/>
-          </p:cNvPicPr>
-          <p:nvPr/>
-        </p:nvPicPr>
-        <p:blipFill>
-          <a:blip r:embed="rId2">
-            <a:extLst>
-              <a:ext uri="{28A0092B-C50C-407E-A947-70E740481C1C}">
-                <a14:useLocalDpi xmlns:a14="http://schemas.microsoft.com/office/drawing/2010/main" val="0"/>
-              </a:ext>
-            </a:extLst>
-          </a:blip>
-          <a:stretch>
-            <a:fillRect/>
-          </a:stretch>
-        </p:blipFill>
-        <p:spPr>
-          <a:xfrm>
-            <a:off x="0" y="0"/>
-            <a:ext cx="12192000" cy="6858000"/>
-          </a:xfrm>
-          <a:prstGeom prst="rect">
-            <a:avLst/>
-          </a:prstGeom>
-        </p:spPr>
-      </p:pic>
       <p:sp>
         <p:nvSpPr>
           <p:cNvPr id="2" name="Title 1"/>
@@ -182,17 +152,15 @@
         </p:nvSpPr>
         <p:spPr>
           <a:xfrm>
-            <a:off x="1751012" y="1300785"/>
-            <a:ext cx="8689976" cy="2509213"/>
-          </a:xfrm>
-        </p:spPr>
-        <p:txBody>
-          <a:bodyPr anchor="b">
-            <a:normAutofit/>
-          </a:bodyPr>
+            <a:off x="1154955" y="1447800"/>
+            <a:ext cx="8825658" cy="3329581"/>
+          </a:xfrm>
+        </p:spPr>
+        <p:txBody>
+          <a:bodyPr anchor="b"/>
           <a:lstStyle>
-            <a:lvl1pPr algn="ctr">
-              <a:defRPr sz="4800"/>
+            <a:lvl1pPr>
+              <a:defRPr sz="7200"/>
             </a:lvl1pPr>
           </a:lstStyle>
           <a:p>
@@ -216,56 +184,103 @@
         </p:nvSpPr>
         <p:spPr>
           <a:xfrm>
-            <a:off x="1751012" y="3886200"/>
-            <a:ext cx="8689976" cy="1371599"/>
-          </a:xfrm>
-        </p:spPr>
-        <p:txBody>
-          <a:bodyPr>
-            <a:normAutofit/>
-          </a:bodyPr>
+            <a:off x="1154955" y="4777380"/>
+            <a:ext cx="8825658" cy="861420"/>
+          </a:xfrm>
+        </p:spPr>
+        <p:txBody>
+          <a:bodyPr anchor="t"/>
           <a:lstStyle>
-            <a:lvl1pPr marL="0" indent="0" algn="ctr">
-              <a:buNone/>
-              <a:defRPr sz="2200">
+            <a:lvl1pPr marL="0" indent="0" algn="l">
+              <a:buNone/>
+              <a:defRPr cap="all">
                 <a:solidFill>
-                  <a:schemeClr val="bg1">
-                    <a:lumMod val="50000"/>
+                  <a:schemeClr val="bg2">
+                    <a:lumMod val="40000"/>
+                    <a:lumOff val="60000"/>
                   </a:schemeClr>
                 </a:solidFill>
               </a:defRPr>
             </a:lvl1pPr>
             <a:lvl2pPr marL="457200" indent="0" algn="ctr">
               <a:buNone/>
-              <a:defRPr sz="2000"/>
+              <a:defRPr>
+                <a:solidFill>
+                  <a:schemeClr val="tx1">
+                    <a:tint val="75000"/>
+                  </a:schemeClr>
+                </a:solidFill>
+              </a:defRPr>
             </a:lvl2pPr>
             <a:lvl3pPr marL="914400" indent="0" algn="ctr">
               <a:buNone/>
-              <a:defRPr sz="1800"/>
+              <a:defRPr>
+                <a:solidFill>
+                  <a:schemeClr val="tx1">
+                    <a:tint val="75000"/>
+                  </a:schemeClr>
+                </a:solidFill>
+              </a:defRPr>
             </a:lvl3pPr>
             <a:lvl4pPr marL="1371600" indent="0" algn="ctr">
               <a:buNone/>
-              <a:defRPr sz="1600"/>
+              <a:defRPr>
+                <a:solidFill>
+                  <a:schemeClr val="tx1">
+                    <a:tint val="75000"/>
+                  </a:schemeClr>
+                </a:solidFill>
+              </a:defRPr>
             </a:lvl4pPr>
             <a:lvl5pPr marL="1828800" indent="0" algn="ctr">
               <a:buNone/>
-              <a:defRPr sz="1600"/>
+              <a:defRPr>
+                <a:solidFill>
+                  <a:schemeClr val="tx1">
+                    <a:tint val="75000"/>
+                  </a:schemeClr>
+                </a:solidFill>
+              </a:defRPr>
             </a:lvl5pPr>
             <a:lvl6pPr marL="2286000" indent="0" algn="ctr">
               <a:buNone/>
-              <a:defRPr sz="1600"/>
+              <a:defRPr>
+                <a:solidFill>
+                  <a:schemeClr val="tx1">
+                    <a:tint val="75000"/>
+                  </a:schemeClr>
+                </a:solidFill>
+              </a:defRPr>
             </a:lvl6pPr>
             <a:lvl7pPr marL="2743200" indent="0" algn="ctr">
               <a:buNone/>
-              <a:defRPr sz="1600"/>
+              <a:defRPr>
+                <a:solidFill>
+                  <a:schemeClr val="tx1">
+                    <a:tint val="75000"/>
+                  </a:schemeClr>
+                </a:solidFill>
+              </a:defRPr>
             </a:lvl7pPr>
             <a:lvl8pPr marL="3200400" indent="0" algn="ctr">
               <a:buNone/>
-              <a:defRPr sz="1600"/>
+              <a:defRPr>
+                <a:solidFill>
+                  <a:schemeClr val="tx1">
+                    <a:tint val="75000"/>
+                  </a:schemeClr>
+                </a:solidFill>
+              </a:defRPr>
             </a:lvl8pPr>
             <a:lvl9pPr marL="3657600" indent="0" algn="ctr">
               <a:buNone/>
-              <a:defRPr sz="1600"/>
+              <a:defRPr>
+                <a:solidFill>
+                  <a:schemeClr val="tx1">
+                    <a:tint val="75000"/>
+                  </a:schemeClr>
+                </a:solidFill>
+              </a:defRPr>
             </a:lvl9pPr>
           </a:lstStyle>
           <a:p>
@@ -294,7 +309,7 @@
           <a:p>
             <a:fld id="{48A87A34-81AB-432B-8DAE-1953F412C126}" type="datetimeFigureOut">
               <a:rPr lang="en-US" smtClean="0"/>
-              <a:t>4/15/2021</a:t>
+              <a:t>4/18/2021</a:t>
             </a:fld>
             <a:endParaRPr lang="en-US" dirty="0"/>
           </a:p>
@@ -345,7 +360,7 @@
     </p:spTree>
     <p:extLst>
       <p:ext uri="{BB962C8B-B14F-4D97-AF65-F5344CB8AC3E}">
-        <p14:creationId xmlns:p14="http://schemas.microsoft.com/office/powerpoint/2010/main" val="140301476"/>
+        <p14:creationId xmlns:p14="http://schemas.microsoft.com/office/powerpoint/2010/main" val="3185968285"/>
       </p:ext>
     </p:extLst>
   </p:cSld>
@@ -372,36 +387,6 @@
           <a:chExt cx="0" cy="0"/>
         </a:xfrm>
       </p:grpSpPr>
-      <p:pic>
-        <p:nvPicPr>
-          <p:cNvPr id="10" name="Picture 9" descr="Droplets-HD-Content-R1d.png"/>
-          <p:cNvPicPr>
-            <a:picLocks noChangeAspect="1"/>
-          </p:cNvPicPr>
-          <p:nvPr/>
-        </p:nvPicPr>
-        <p:blipFill>
-          <a:blip r:embed="rId2">
-            <a:extLst>
-              <a:ext uri="{28A0092B-C50C-407E-A947-70E740481C1C}">
-                <a14:useLocalDpi xmlns:a14="http://schemas.microsoft.com/office/drawing/2010/main" val="0"/>
-              </a:ext>
-            </a:extLst>
-          </a:blip>
-          <a:stretch>
-            <a:fillRect/>
-          </a:stretch>
-        </p:blipFill>
-        <p:spPr>
-          <a:xfrm>
-            <a:off x="0" y="0"/>
-            <a:ext cx="12192000" cy="6858000"/>
-          </a:xfrm>
-          <a:prstGeom prst="rect">
-            <a:avLst/>
-          </a:prstGeom>
-        </p:spPr>
-      </p:pic>
       <p:sp>
         <p:nvSpPr>
           <p:cNvPr id="2" name="Title 1"/>
@@ -414,15 +399,17 @@
         </p:nvSpPr>
         <p:spPr>
           <a:xfrm>
-            <a:off x="913794" y="4289374"/>
-            <a:ext cx="10364432" cy="811610"/>
-          </a:xfrm>
-        </p:spPr>
-        <p:txBody>
-          <a:bodyPr anchor="b"/>
+            <a:off x="1154956" y="4800587"/>
+            <a:ext cx="8825657" cy="566738"/>
+          </a:xfrm>
+        </p:spPr>
+        <p:txBody>
+          <a:bodyPr anchor="b">
+            <a:normAutofit/>
+          </a:bodyPr>
           <a:lstStyle>
-            <a:lvl1pPr>
-              <a:defRPr sz="3200"/>
+            <a:lvl1pPr algn="l">
+              <a:defRPr sz="2400" b="0"/>
             </a:lvl1pPr>
           </a:lstStyle>
           <a:p>
@@ -446,102 +433,26 @@
         </p:nvSpPr>
         <p:spPr>
           <a:xfrm>
-            <a:off x="1184744" y="698261"/>
-            <a:ext cx="9822532" cy="3214136"/>
+            <a:off x="1154955" y="685800"/>
+            <a:ext cx="8825658" cy="3640666"/>
           </a:xfrm>
           <a:prstGeom prst="roundRect">
             <a:avLst>
-              <a:gd name="adj" fmla="val 4944"/>
+              <a:gd name="adj" fmla="val 1858"/>
             </a:avLst>
           </a:prstGeom>
-          <a:noFill/>
-          <a:ln w="82550" cap="sq">
-            <a:solidFill>
-              <a:srgbClr val="EAEAEA"/>
-            </a:solidFill>
-            <a:miter lim="800000"/>
-          </a:ln>
-          <a:effectLst/>
-          <a:scene3d>
-            <a:camera prst="orthographicFront"/>
-            <a:lightRig rig="threePt" dir="t">
-              <a:rot lat="0" lon="0" rev="2700000"/>
-            </a:lightRig>
-          </a:scene3d>
-          <a:sp3d contourW="6350">
-            <a:bevelT h="38100"/>
-            <a:contourClr>
-              <a:srgbClr val="C0C0C0"/>
-            </a:contourClr>
-          </a:sp3d>
-        </p:spPr>
-        <p:txBody>
-          <a:bodyPr anchor="t"/>
-          <a:lstStyle>
-            <a:lvl1pPr marL="0" indent="0" algn="ctr">
-              <a:buNone/>
-              <a:defRPr sz="3200"/>
-            </a:lvl1pPr>
-            <a:lvl2pPr marL="457200" indent="0">
-              <a:buNone/>
-              <a:defRPr sz="2800"/>
-            </a:lvl2pPr>
-            <a:lvl3pPr marL="914400" indent="0">
-              <a:buNone/>
-              <a:defRPr sz="2400"/>
-            </a:lvl3pPr>
-            <a:lvl4pPr marL="1371600" indent="0">
-              <a:buNone/>
-              <a:defRPr sz="2000"/>
-            </a:lvl4pPr>
-            <a:lvl5pPr marL="1828800" indent="0">
-              <a:buNone/>
-              <a:defRPr sz="2000"/>
-            </a:lvl5pPr>
-            <a:lvl6pPr marL="2286000" indent="0">
-              <a:buNone/>
-              <a:defRPr sz="2000"/>
-            </a:lvl6pPr>
-            <a:lvl7pPr marL="2743200" indent="0">
-              <a:buNone/>
-              <a:defRPr sz="2000"/>
-            </a:lvl7pPr>
-            <a:lvl8pPr marL="3200400" indent="0">
-              <a:buNone/>
-              <a:defRPr sz="2000"/>
-            </a:lvl8pPr>
-            <a:lvl9pPr marL="3657600" indent="0">
-              <a:buNone/>
-              <a:defRPr sz="2000"/>
-            </a:lvl9pPr>
-          </a:lstStyle>
-          <a:p>
-            <a:r>
-              <a:rPr lang="en-US" smtClean="0"/>
-              <a:t>Click icon to add picture</a:t>
-            </a:r>
-            <a:endParaRPr lang="en-US" dirty="0"/>
-          </a:p>
-        </p:txBody>
-      </p:sp>
-      <p:sp>
-        <p:nvSpPr>
-          <p:cNvPr id="4" name="Text Placeholder 3"/>
-          <p:cNvSpPr>
-            <a:spLocks noGrp="1"/>
-          </p:cNvSpPr>
-          <p:nvPr>
-            <p:ph type="body" sz="half" idx="2"/>
-          </p:nvPr>
-        </p:nvSpPr>
-        <p:spPr>
-          <a:xfrm>
-            <a:off x="913774" y="5108728"/>
-            <a:ext cx="10364452" cy="682472"/>
-          </a:xfrm>
-        </p:spPr>
-        <p:txBody>
-          <a:bodyPr/>
+          <a:effectLst>
+            <a:outerShdw blurRad="50800" dist="50800" dir="5400000" algn="tl" rotWithShape="0">
+              <a:srgbClr val="000000">
+                <a:alpha val="43000"/>
+              </a:srgbClr>
+            </a:outerShdw>
+          </a:effectLst>
+        </p:spPr>
+        <p:txBody>
+          <a:bodyPr anchor="t">
+            <a:normAutofit/>
+          </a:bodyPr>
           <a:lstStyle>
             <a:lvl1pPr marL="0" indent="0" algn="ctr">
               <a:buNone/>
@@ -549,38 +460,105 @@
             </a:lvl1pPr>
             <a:lvl2pPr marL="457200" indent="0">
               <a:buNone/>
-              <a:defRPr sz="1400"/>
+              <a:defRPr sz="1600"/>
             </a:lvl2pPr>
             <a:lvl3pPr marL="914400" indent="0">
               <a:buNone/>
-              <a:defRPr sz="1200"/>
+              <a:defRPr sz="1600"/>
             </a:lvl3pPr>
             <a:lvl4pPr marL="1371600" indent="0">
               <a:buNone/>
-              <a:defRPr sz="1000"/>
+              <a:defRPr sz="1600"/>
             </a:lvl4pPr>
             <a:lvl5pPr marL="1828800" indent="0">
               <a:buNone/>
-              <a:defRPr sz="1000"/>
+              <a:defRPr sz="1600"/>
             </a:lvl5pPr>
             <a:lvl6pPr marL="2286000" indent="0">
               <a:buNone/>
-              <a:defRPr sz="1000"/>
+              <a:defRPr sz="1600"/>
             </a:lvl6pPr>
             <a:lvl7pPr marL="2743200" indent="0">
               <a:buNone/>
-              <a:defRPr sz="1000"/>
+              <a:defRPr sz="1600"/>
             </a:lvl7pPr>
             <a:lvl8pPr marL="3200400" indent="0">
               <a:buNone/>
-              <a:defRPr sz="1000"/>
+              <a:defRPr sz="1600"/>
             </a:lvl8pPr>
             <a:lvl9pPr marL="3657600" indent="0">
               <a:buNone/>
-              <a:defRPr sz="1000"/>
+              <a:defRPr sz="1600"/>
             </a:lvl9pPr>
           </a:lstStyle>
           <a:p>
+            <a:r>
+              <a:rPr lang="en-US" smtClean="0"/>
+              <a:t>Click icon to add picture</a:t>
+            </a:r>
+            <a:endParaRPr lang="en-US" dirty="0"/>
+          </a:p>
+        </p:txBody>
+      </p:sp>
+      <p:sp>
+        <p:nvSpPr>
+          <p:cNvPr id="4" name="Text Placeholder 3"/>
+          <p:cNvSpPr>
+            <a:spLocks noGrp="1"/>
+          </p:cNvSpPr>
+          <p:nvPr>
+            <p:ph type="body" sz="half" idx="2"/>
+          </p:nvPr>
+        </p:nvSpPr>
+        <p:spPr>
+          <a:xfrm>
+            <a:off x="1154956" y="5367325"/>
+            <a:ext cx="8825656" cy="493712"/>
+          </a:xfrm>
+        </p:spPr>
+        <p:txBody>
+          <a:bodyPr>
+            <a:normAutofit/>
+          </a:bodyPr>
+          <a:lstStyle>
+            <a:lvl1pPr marL="0" indent="0">
+              <a:buNone/>
+              <a:defRPr sz="1200"/>
+            </a:lvl1pPr>
+            <a:lvl2pPr marL="457200" indent="0">
+              <a:buNone/>
+              <a:defRPr sz="1200"/>
+            </a:lvl2pPr>
+            <a:lvl3pPr marL="914400" indent="0">
+              <a:buNone/>
+              <a:defRPr sz="1000"/>
+            </a:lvl3pPr>
+            <a:lvl4pPr marL="1371600" indent="0">
+              <a:buNone/>
+              <a:defRPr sz="900"/>
+            </a:lvl4pPr>
+            <a:lvl5pPr marL="1828800" indent="0">
+              <a:buNone/>
+              <a:defRPr sz="900"/>
+            </a:lvl5pPr>
+            <a:lvl6pPr marL="2286000" indent="0">
+              <a:buNone/>
+              <a:defRPr sz="900"/>
+            </a:lvl6pPr>
+            <a:lvl7pPr marL="2743200" indent="0">
+              <a:buNone/>
+              <a:defRPr sz="900"/>
+            </a:lvl7pPr>
+            <a:lvl8pPr marL="3200400" indent="0">
+              <a:buNone/>
+              <a:defRPr sz="900"/>
+            </a:lvl8pPr>
+            <a:lvl9pPr marL="3657600" indent="0">
+              <a:buNone/>
+              <a:defRPr sz="900"/>
+            </a:lvl9pPr>
+          </a:lstStyle>
+          <a:p>
             <a:pPr lvl="0"/>
             <a:r>
               <a:rPr lang="en-US" smtClean="0"/>
@@ -607,7 +585,7 @@
             <a:fld id="{48A87A34-81AB-432B-8DAE-1953F412C126}" type="datetimeFigureOut">
               <a:rPr lang="en-US" smtClean="0"/>
               <a:pPr/>
-              <a:t>4/15/2021</a:t>
+              <a:t>4/18/2021</a:t>
             </a:fld>
             <a:endParaRPr lang="en-US" dirty="0"/>
           </a:p>
@@ -659,7 +637,7 @@
     </p:spTree>
     <p:extLst>
       <p:ext uri="{BB962C8B-B14F-4D97-AF65-F5344CB8AC3E}">
-        <p14:creationId xmlns:p14="http://schemas.microsoft.com/office/powerpoint/2010/main" val="2382867039"/>
+        <p14:creationId xmlns:p14="http://schemas.microsoft.com/office/powerpoint/2010/main" val="2411003452"/>
       </p:ext>
     </p:extLst>
   </p:cSld>
@@ -686,36 +664,6 @@
           <a:chExt cx="0" cy="0"/>
         </a:xfrm>
       </p:grpSpPr>
-      <p:pic>
-        <p:nvPicPr>
-          <p:cNvPr id="8" name="Picture 7" descr="Droplets-HD-Content-R1d.png"/>
-          <p:cNvPicPr>
-            <a:picLocks noChangeAspect="1"/>
-          </p:cNvPicPr>
-          <p:nvPr/>
-        </p:nvPicPr>
-        <p:blipFill>
-          <a:blip r:embed="rId2">
-            <a:extLst>
-              <a:ext uri="{28A0092B-C50C-407E-A947-70E740481C1C}">
-                <a14:useLocalDpi xmlns:a14="http://schemas.microsoft.com/office/drawing/2010/main" val="0"/>
-              </a:ext>
-            </a:extLst>
-          </a:blip>
-          <a:stretch>
-            <a:fillRect/>
-          </a:stretch>
-        </p:blipFill>
-        <p:spPr>
-          <a:xfrm>
-            <a:off x="0" y="0"/>
-            <a:ext cx="12192000" cy="6858000"/>
-          </a:xfrm>
-          <a:prstGeom prst="rect">
-            <a:avLst/>
-          </a:prstGeom>
-        </p:spPr>
-      </p:pic>
       <p:sp>
         <p:nvSpPr>
           <p:cNvPr id="2" name="Title 1"/>
@@ -728,15 +676,15 @@
         </p:nvSpPr>
         <p:spPr>
           <a:xfrm>
-            <a:off x="913774" y="609599"/>
-            <a:ext cx="10364452" cy="3427245"/>
-          </a:xfrm>
-        </p:spPr>
-        <p:txBody>
-          <a:bodyPr anchor="ctr"/>
+            <a:off x="1154954" y="1447800"/>
+            <a:ext cx="8825659" cy="1981200"/>
+          </a:xfrm>
+        </p:spPr>
+        <p:txBody>
+          <a:bodyPr/>
           <a:lstStyle>
-            <a:lvl1pPr algn="ctr">
-              <a:defRPr sz="3200"/>
+            <a:lvl1pPr>
+              <a:defRPr sz="4800"/>
             </a:lvl1pPr>
           </a:lstStyle>
           <a:p>
@@ -750,7 +698,7 @@
       </p:sp>
       <p:sp>
         <p:nvSpPr>
-          <p:cNvPr id="4" name="Text Placeholder 3"/>
+          <p:cNvPr id="8" name="Text Placeholder 3"/>
           <p:cNvSpPr>
             <a:spLocks noGrp="1"/>
           </p:cNvSpPr>
@@ -760,48 +708,50 @@
         </p:nvSpPr>
         <p:spPr>
           <a:xfrm>
-            <a:off x="913775" y="4204821"/>
-            <a:ext cx="10364452" cy="1586380"/>
-          </a:xfrm>
-        </p:spPr>
-        <p:txBody>
-          <a:bodyPr anchor="ctr"/>
+            <a:off x="1154954" y="3657600"/>
+            <a:ext cx="8825659" cy="2362200"/>
+          </a:xfrm>
+        </p:spPr>
+        <p:txBody>
+          <a:bodyPr anchor="ctr">
+            <a:normAutofit/>
+          </a:bodyPr>
           <a:lstStyle>
-            <a:lvl1pPr marL="0" indent="0" algn="ctr">
-              <a:buNone/>
-              <a:defRPr sz="1600"/>
+            <a:lvl1pPr marL="0" indent="0">
+              <a:buNone/>
+              <a:defRPr sz="1800"/>
             </a:lvl1pPr>
             <a:lvl2pPr marL="457200" indent="0">
               <a:buNone/>
-              <a:defRPr sz="1400"/>
+              <a:defRPr sz="1200"/>
             </a:lvl2pPr>
             <a:lvl3pPr marL="914400" indent="0">
               <a:buNone/>
-              <a:defRPr sz="1200"/>
+              <a:defRPr sz="1000"/>
             </a:lvl3pPr>
             <a:lvl4pPr marL="1371600" indent="0">
               <a:buNone/>
-              <a:defRPr sz="1000"/>
+              <a:defRPr sz="900"/>
             </a:lvl4pPr>
             <a:lvl5pPr marL="1828800" indent="0">
               <a:buNone/>
-              <a:defRPr sz="1000"/>
+              <a:defRPr sz="900"/>
             </a:lvl5pPr>
             <a:lvl6pPr marL="2286000" indent="0">
               <a:buNone/>
-              <a:defRPr sz="1000"/>
+              <a:defRPr sz="900"/>
             </a:lvl6pPr>
             <a:lvl7pPr marL="2743200" indent="0">
               <a:buNone/>
-              <a:defRPr sz="1000"/>
+              <a:defRPr sz="900"/>
             </a:lvl7pPr>
             <a:lvl8pPr marL="3200400" indent="0">
               <a:buNone/>
-              <a:defRPr sz="1000"/>
+              <a:defRPr sz="900"/>
             </a:lvl8pPr>
             <a:lvl9pPr marL="3657600" indent="0">
               <a:buNone/>
-              <a:defRPr sz="1000"/>
+              <a:defRPr sz="900"/>
             </a:lvl9pPr>
           </a:lstStyle>
           <a:p>
@@ -815,7 +765,7 @@
       </p:sp>
       <p:sp>
         <p:nvSpPr>
-          <p:cNvPr id="5" name="Date Placeholder 4"/>
+          <p:cNvPr id="4" name="Date Placeholder 3"/>
           <p:cNvSpPr>
             <a:spLocks noGrp="1"/>
           </p:cNvSpPr>
@@ -831,7 +781,7 @@
             <a:fld id="{48A87A34-81AB-432B-8DAE-1953F412C126}" type="datetimeFigureOut">
               <a:rPr lang="en-US" smtClean="0"/>
               <a:pPr/>
-              <a:t>4/15/2021</a:t>
+              <a:t>4/18/2021</a:t>
             </a:fld>
             <a:endParaRPr lang="en-US" dirty="0"/>
           </a:p>
@@ -839,7 +789,7 @@
       </p:sp>
       <p:sp>
         <p:nvSpPr>
-          <p:cNvPr id="6" name="Footer Placeholder 5"/>
+          <p:cNvPr id="5" name="Footer Placeholder 4"/>
           <p:cNvSpPr>
             <a:spLocks noGrp="1"/>
           </p:cNvSpPr>
@@ -858,7 +808,7 @@
       </p:sp>
       <p:sp>
         <p:nvSpPr>
-          <p:cNvPr id="7" name="Slide Number Placeholder 6"/>
+          <p:cNvPr id="6" name="Slide Number Placeholder 5"/>
           <p:cNvSpPr>
             <a:spLocks noGrp="1"/>
           </p:cNvSpPr>
@@ -883,7 +833,7 @@
     </p:spTree>
     <p:extLst>
       <p:ext uri="{BB962C8B-B14F-4D97-AF65-F5344CB8AC3E}">
-        <p14:creationId xmlns:p14="http://schemas.microsoft.com/office/powerpoint/2010/main" val="1754012654"/>
+        <p14:creationId xmlns:p14="http://schemas.microsoft.com/office/powerpoint/2010/main" val="3672931440"/>
       </p:ext>
     </p:extLst>
   </p:cSld>
@@ -910,36 +860,6 @@
           <a:chExt cx="0" cy="0"/>
         </a:xfrm>
       </p:grpSpPr>
-      <p:pic>
-        <p:nvPicPr>
-          <p:cNvPr id="11" name="Picture 10" descr="Droplets-HD-Content-R1d.png"/>
-          <p:cNvPicPr>
-            <a:picLocks noChangeAspect="1"/>
-          </p:cNvPicPr>
-          <p:nvPr/>
-        </p:nvPicPr>
-        <p:blipFill>
-          <a:blip r:embed="rId2">
-            <a:extLst>
-              <a:ext uri="{28A0092B-C50C-407E-A947-70E740481C1C}">
-                <a14:useLocalDpi xmlns:a14="http://schemas.microsoft.com/office/drawing/2010/main" val="0"/>
-              </a:ext>
-            </a:extLst>
-          </a:blip>
-          <a:stretch>
-            <a:fillRect/>
-          </a:stretch>
-        </p:blipFill>
-        <p:spPr>
-          <a:xfrm>
-            <a:off x="0" y="0"/>
-            <a:ext cx="12192000" cy="6858000"/>
-          </a:xfrm>
-          <a:prstGeom prst="rect">
-            <a:avLst/>
-          </a:prstGeom>
-        </p:spPr>
-      </p:pic>
       <p:sp>
         <p:nvSpPr>
           <p:cNvPr id="2" name="Title 1"/>
@@ -952,15 +872,15 @@
         </p:nvSpPr>
         <p:spPr>
           <a:xfrm>
-            <a:off x="1446212" y="609600"/>
-            <a:ext cx="9302752" cy="2992904"/>
-          </a:xfrm>
-        </p:spPr>
-        <p:txBody>
-          <a:bodyPr anchor="ctr"/>
+            <a:off x="1574801" y="1447800"/>
+            <a:ext cx="7999315" cy="2323374"/>
+          </a:xfrm>
+        </p:spPr>
+        <p:txBody>
+          <a:bodyPr/>
           <a:lstStyle>
             <a:lvl1pPr>
-              <a:defRPr sz="3200"/>
+              <a:defRPr sz="4800"/>
             </a:lvl1pPr>
           </a:lstStyle>
           <a:p>
@@ -974,64 +894,76 @@
       </p:sp>
       <p:sp>
         <p:nvSpPr>
-          <p:cNvPr id="12" name="Text Placeholder 3"/>
-          <p:cNvSpPr>
-            <a:spLocks noGrp="1"/>
-          </p:cNvSpPr>
-          <p:nvPr>
-            <p:ph type="body" sz="half" idx="13"/>
-          </p:nvPr>
-        </p:nvSpPr>
-        <p:spPr>
-          <a:xfrm>
-            <a:off x="1720644" y="3610032"/>
-            <a:ext cx="8752299" cy="594788"/>
-          </a:xfrm>
-        </p:spPr>
-        <p:txBody>
-          <a:bodyPr anchor="t">
+          <p:cNvPr id="11" name="Text Placeholder 3"/>
+          <p:cNvSpPr>
+            <a:spLocks noGrp="1"/>
+          </p:cNvSpPr>
+          <p:nvPr>
+            <p:ph type="body" sz="half" idx="14"/>
+          </p:nvPr>
+        </p:nvSpPr>
+        <p:spPr>
+          <a:xfrm>
+            <a:off x="1930400" y="3771174"/>
+            <a:ext cx="7279649" cy="342174"/>
+          </a:xfrm>
+        </p:spPr>
+        <p:txBody>
+          <a:bodyPr vert="horz" lIns="91440" tIns="45720" rIns="91440" bIns="45720" rtlCol="0" anchor="t">
             <a:normAutofit/>
           </a:bodyPr>
           <a:lstStyle>
             <a:lvl1pPr marL="0" indent="0">
               <a:buNone/>
-              <a:defRPr sz="1400"/>
+              <a:defRPr lang="en-US" sz="1400" b="0" i="0" kern="1200" cap="small" dirty="0">
+                <a:solidFill>
+                  <a:schemeClr val="bg2">
+                    <a:lumMod val="40000"/>
+                    <a:lumOff val="60000"/>
+                  </a:schemeClr>
+                </a:solidFill>
+                <a:latin typeface="+mj-lt"/>
+                <a:ea typeface="+mj-ea"/>
+                <a:cs typeface="+mj-cs"/>
+              </a:defRPr>
             </a:lvl1pPr>
             <a:lvl2pPr marL="457200" indent="0">
               <a:buNone/>
-              <a:defRPr sz="1400"/>
+              <a:defRPr sz="1200"/>
             </a:lvl2pPr>
             <a:lvl3pPr marL="914400" indent="0">
               <a:buNone/>
-              <a:defRPr sz="1200"/>
+              <a:defRPr sz="1000"/>
             </a:lvl3pPr>
             <a:lvl4pPr marL="1371600" indent="0">
               <a:buNone/>
-              <a:defRPr sz="1000"/>
+              <a:defRPr sz="900"/>
             </a:lvl4pPr>
             <a:lvl5pPr marL="1828800" indent="0">
               <a:buNone/>
-              <a:defRPr sz="1000"/>
+              <a:defRPr sz="900"/>
             </a:lvl5pPr>
             <a:lvl6pPr marL="2286000" indent="0">
               <a:buNone/>
-              <a:defRPr sz="1000"/>
+              <a:defRPr sz="900"/>
             </a:lvl6pPr>
             <a:lvl7pPr marL="2743200" indent="0">
               <a:buNone/>
-              <a:defRPr sz="1000"/>
+              <a:defRPr sz="900"/>
             </a:lvl7pPr>
             <a:lvl8pPr marL="3200400" indent="0">
               <a:buNone/>
-              <a:defRPr sz="1000"/>
+              <a:defRPr sz="900"/>
             </a:lvl8pPr>
             <a:lvl9pPr marL="3657600" indent="0">
               <a:buNone/>
-              <a:defRPr sz="1000"/>
+              <a:defRPr sz="900"/>
             </a:lvl9pPr>
           </a:lstStyle>
           <a:p>
-            <a:pPr lvl="0"/>
+            <a:pPr marL="0" lvl="0" indent="0">
+              <a:buNone/>
+            </a:pPr>
             <a:r>
               <a:rPr lang="en-US" smtClean="0"/>
               <a:t>Edit Master text styles</a:t>
@@ -1041,7 +973,7 @@
       </p:sp>
       <p:sp>
         <p:nvSpPr>
-          <p:cNvPr id="4" name="Text Placeholder 3"/>
+          <p:cNvPr id="10" name="Text Placeholder 3"/>
           <p:cNvSpPr>
             <a:spLocks noGrp="1"/>
           </p:cNvSpPr>
@@ -1051,8 +983,8 @@
         </p:nvSpPr>
         <p:spPr>
           <a:xfrm>
-            <a:off x="913774" y="4372796"/>
-            <a:ext cx="10364452" cy="1421053"/>
+            <a:off x="1154954" y="4350657"/>
+            <a:ext cx="8825659" cy="1676400"/>
           </a:xfrm>
         </p:spPr>
         <p:txBody>
@@ -1060,41 +992,41 @@
             <a:normAutofit/>
           </a:bodyPr>
           <a:lstStyle>
-            <a:lvl1pPr marL="0" indent="0" algn="ctr">
-              <a:buNone/>
-              <a:defRPr sz="1600"/>
+            <a:lvl1pPr marL="0" indent="0">
+              <a:buNone/>
+              <a:defRPr sz="1800"/>
             </a:lvl1pPr>
             <a:lvl2pPr marL="457200" indent="0">
               <a:buNone/>
-              <a:defRPr sz="1400"/>
+              <a:defRPr sz="1200"/>
             </a:lvl2pPr>
             <a:lvl3pPr marL="914400" indent="0">
               <a:buNone/>
-              <a:defRPr sz="1200"/>
+              <a:defRPr sz="1000"/>
             </a:lvl3pPr>
             <a:lvl4pPr marL="1371600" indent="0">
               <a:buNone/>
-              <a:defRPr sz="1000"/>
+              <a:defRPr sz="900"/>
             </a:lvl4pPr>
             <a:lvl5pPr marL="1828800" indent="0">
               <a:buNone/>
-              <a:defRPr sz="1000"/>
+              <a:defRPr sz="900"/>
             </a:lvl5pPr>
             <a:lvl6pPr marL="2286000" indent="0">
               <a:buNone/>
-              <a:defRPr sz="1000"/>
+              <a:defRPr sz="900"/>
             </a:lvl6pPr>
             <a:lvl7pPr marL="2743200" indent="0">
               <a:buNone/>
-              <a:defRPr sz="1000"/>
+              <a:defRPr sz="900"/>
             </a:lvl7pPr>
             <a:lvl8pPr marL="3200400" indent="0">
               <a:buNone/>
-              <a:defRPr sz="1000"/>
+              <a:defRPr sz="900"/>
             </a:lvl8pPr>
             <a:lvl9pPr marL="3657600" indent="0">
               <a:buNone/>
-              <a:defRPr sz="1000"/>
+              <a:defRPr sz="900"/>
             </a:lvl9pPr>
           </a:lstStyle>
           <a:p>
@@ -1108,7 +1040,7 @@
       </p:sp>
       <p:sp>
         <p:nvSpPr>
-          <p:cNvPr id="5" name="Date Placeholder 4"/>
+          <p:cNvPr id="4" name="Date Placeholder 3"/>
           <p:cNvSpPr>
             <a:spLocks noGrp="1"/>
           </p:cNvSpPr>
@@ -1124,7 +1056,7 @@
             <a:fld id="{48A87A34-81AB-432B-8DAE-1953F412C126}" type="datetimeFigureOut">
               <a:rPr lang="en-US" smtClean="0"/>
               <a:pPr/>
-              <a:t>4/15/2021</a:t>
+              <a:t>4/18/2021</a:t>
             </a:fld>
             <a:endParaRPr lang="en-US" dirty="0"/>
           </a:p>
@@ -1132,7 +1064,7 @@
       </p:sp>
       <p:sp>
         <p:nvSpPr>
-          <p:cNvPr id="6" name="Footer Placeholder 5"/>
+          <p:cNvPr id="5" name="Footer Placeholder 4"/>
           <p:cNvSpPr>
             <a:spLocks noGrp="1"/>
           </p:cNvSpPr>
@@ -1151,7 +1083,7 @@
       </p:sp>
       <p:sp>
         <p:nvSpPr>
-          <p:cNvPr id="7" name="Slide Number Placeholder 6"/>
+          <p:cNvPr id="6" name="Slide Number Placeholder 5"/>
           <p:cNvSpPr>
             <a:spLocks noGrp="1"/>
           </p:cNvSpPr>
@@ -1175,115 +1107,46 @@
       </p:sp>
       <p:sp>
         <p:nvSpPr>
-          <p:cNvPr id="13" name="TextBox 12"/>
+          <p:cNvPr id="12" name="TextBox 11"/>
           <p:cNvSpPr txBox="1"/>
           <p:nvPr/>
         </p:nvSpPr>
         <p:spPr>
           <a:xfrm>
-            <a:off x="1001488" y="754166"/>
-            <a:ext cx="609600" cy="584776"/>
+            <a:off x="898295" y="971253"/>
+            <a:ext cx="801912" cy="1969770"/>
           </a:xfrm>
           <a:prstGeom prst="rect">
             <a:avLst/>
           </a:prstGeom>
-        </p:spPr>
-        <p:txBody>
-          <a:bodyPr vert="horz" lIns="91440" tIns="45720" rIns="91440" bIns="45720" rtlCol="0" anchor="ctr">
-            <a:noAutofit/>
+          <a:noFill/>
+        </p:spPr>
+        <p:txBody>
+          <a:bodyPr wrap="square" rtlCol="0">
+            <a:spAutoFit/>
           </a:bodyPr>
           <a:lstStyle>
-            <a:lvl1pPr>
-              <a:spcBef>
-                <a:spcPct val="0"/>
-              </a:spcBef>
-              <a:buNone/>
-              <a:defRPr sz="3200" b="0" cap="all">
-                <a:ln w="3175" cmpd="sng">
-                  <a:noFill/>
-                </a:ln>
-                <a:effectLst>
-                  <a:glow rad="38100">
-                    <a:schemeClr val="bg1">
-                      <a:lumMod val="65000"/>
-                      <a:lumOff val="35000"/>
-                      <a:alpha val="40000"/>
-                    </a:schemeClr>
-                  </a:glow>
-                  <a:outerShdw blurRad="28575" dist="38100" dir="14040000" algn="tl" rotWithShape="0">
-                    <a:srgbClr val="000000">
-                      <a:alpha val="25000"/>
-                    </a:srgbClr>
-                  </a:outerShdw>
-                </a:effectLst>
+            <a:defPPr>
+              <a:defRPr lang="en-US"/>
+            </a:defPPr>
+            <a:lvl1pPr algn="r">
+              <a:defRPr sz="12200" b="0" i="0">
+                <a:solidFill>
+                  <a:schemeClr val="bg2">
+                    <a:lumMod val="40000"/>
+                    <a:lumOff val="60000"/>
+                  </a:schemeClr>
+                </a:solidFill>
+                <a:latin typeface="Arial"/>
+                <a:ea typeface="+mj-ea"/>
+                <a:cs typeface="+mj-cs"/>
               </a:defRPr>
             </a:lvl1pPr>
-            <a:lvl2pPr>
-              <a:defRPr>
-                <a:solidFill>
-                  <a:schemeClr val="tx2"/>
-                </a:solidFill>
-              </a:defRPr>
-            </a:lvl2pPr>
-            <a:lvl3pPr>
-              <a:defRPr>
-                <a:solidFill>
-                  <a:schemeClr val="tx2"/>
-                </a:solidFill>
-              </a:defRPr>
-            </a:lvl3pPr>
-            <a:lvl4pPr>
-              <a:defRPr>
-                <a:solidFill>
-                  <a:schemeClr val="tx2"/>
-                </a:solidFill>
-              </a:defRPr>
-            </a:lvl4pPr>
-            <a:lvl5pPr>
-              <a:defRPr>
-                <a:solidFill>
-                  <a:schemeClr val="tx2"/>
-                </a:solidFill>
-              </a:defRPr>
-            </a:lvl5pPr>
-            <a:lvl6pPr>
-              <a:defRPr>
-                <a:solidFill>
-                  <a:schemeClr val="tx2"/>
-                </a:solidFill>
-              </a:defRPr>
-            </a:lvl6pPr>
-            <a:lvl7pPr>
-              <a:defRPr>
-                <a:solidFill>
-                  <a:schemeClr val="tx2"/>
-                </a:solidFill>
-              </a:defRPr>
-            </a:lvl7pPr>
-            <a:lvl8pPr>
-              <a:defRPr>
-                <a:solidFill>
-                  <a:schemeClr val="tx2"/>
-                </a:solidFill>
-              </a:defRPr>
-            </a:lvl8pPr>
-            <a:lvl9pPr>
-              <a:defRPr>
-                <a:solidFill>
-                  <a:schemeClr val="tx2"/>
-                </a:solidFill>
-              </a:defRPr>
-            </a:lvl9pPr>
           </a:lstStyle>
           <a:p>
             <a:pPr lvl="0"/>
             <a:r>
-              <a:rPr lang="en-US" sz="8000" dirty="0">
-                <a:solidFill>
-                  <a:schemeClr val="tx1"/>
-                </a:solidFill>
-                <a:effectLst/>
-              </a:rPr>
+              <a:rPr lang="en-US" dirty="0"/>
               <a:t>“</a:t>
             </a:r>
           </a:p>
@@ -1291,115 +1154,46 @@
       </p:sp>
       <p:sp>
         <p:nvSpPr>
-          <p:cNvPr id="14" name="TextBox 13"/>
+          <p:cNvPr id="15" name="TextBox 14"/>
           <p:cNvSpPr txBox="1"/>
           <p:nvPr/>
         </p:nvSpPr>
         <p:spPr>
           <a:xfrm>
-            <a:off x="10557558" y="2993578"/>
-            <a:ext cx="609600" cy="584776"/>
+            <a:off x="9330490" y="2613787"/>
+            <a:ext cx="801912" cy="1969770"/>
           </a:xfrm>
           <a:prstGeom prst="rect">
             <a:avLst/>
           </a:prstGeom>
-        </p:spPr>
-        <p:txBody>
-          <a:bodyPr vert="horz" lIns="91440" tIns="45720" rIns="91440" bIns="45720" rtlCol="0" anchor="ctr">
-            <a:noAutofit/>
+          <a:noFill/>
+        </p:spPr>
+        <p:txBody>
+          <a:bodyPr wrap="square" rtlCol="0">
+            <a:spAutoFit/>
           </a:bodyPr>
           <a:lstStyle>
-            <a:lvl1pPr>
-              <a:spcBef>
-                <a:spcPct val="0"/>
-              </a:spcBef>
-              <a:buNone/>
-              <a:defRPr sz="3200" b="0" cap="all">
-                <a:ln w="3175" cmpd="sng">
-                  <a:noFill/>
-                </a:ln>
-                <a:effectLst>
-                  <a:glow rad="38100">
-                    <a:schemeClr val="bg1">
-                      <a:lumMod val="65000"/>
-                      <a:lumOff val="35000"/>
-                      <a:alpha val="40000"/>
-                    </a:schemeClr>
-                  </a:glow>
-                  <a:outerShdw blurRad="28575" dist="38100" dir="14040000" algn="tl" rotWithShape="0">
-                    <a:srgbClr val="000000">
-                      <a:alpha val="25000"/>
-                    </a:srgbClr>
-                  </a:outerShdw>
-                </a:effectLst>
+            <a:defPPr>
+              <a:defRPr lang="en-US"/>
+            </a:defPPr>
+            <a:lvl1pPr algn="r">
+              <a:defRPr sz="12200" b="0" i="0">
+                <a:solidFill>
+                  <a:schemeClr val="bg2">
+                    <a:lumMod val="40000"/>
+                    <a:lumOff val="60000"/>
+                  </a:schemeClr>
+                </a:solidFill>
+                <a:latin typeface="Arial"/>
+                <a:ea typeface="+mj-ea"/>
+                <a:cs typeface="+mj-cs"/>
               </a:defRPr>
             </a:lvl1pPr>
-            <a:lvl2pPr>
-              <a:defRPr>
-                <a:solidFill>
-                  <a:schemeClr val="tx2"/>
-                </a:solidFill>
-              </a:defRPr>
-            </a:lvl2pPr>
-            <a:lvl3pPr>
-              <a:defRPr>
-                <a:solidFill>
-                  <a:schemeClr val="tx2"/>
-                </a:solidFill>
-              </a:defRPr>
-            </a:lvl3pPr>
-            <a:lvl4pPr>
-              <a:defRPr>
-                <a:solidFill>
-                  <a:schemeClr val="tx2"/>
-                </a:solidFill>
-              </a:defRPr>
-            </a:lvl4pPr>
-            <a:lvl5pPr>
-              <a:defRPr>
-                <a:solidFill>
-                  <a:schemeClr val="tx2"/>
-                </a:solidFill>
-              </a:defRPr>
-            </a:lvl5pPr>
-            <a:lvl6pPr>
-              <a:defRPr>
-                <a:solidFill>
-                  <a:schemeClr val="tx2"/>
-                </a:solidFill>
-              </a:defRPr>
-            </a:lvl6pPr>
-            <a:lvl7pPr>
-              <a:defRPr>
-                <a:solidFill>
-                  <a:schemeClr val="tx2"/>
-                </a:solidFill>
-              </a:defRPr>
-            </a:lvl7pPr>
-            <a:lvl8pPr>
-              <a:defRPr>
-                <a:solidFill>
-                  <a:schemeClr val="tx2"/>
-                </a:solidFill>
-              </a:defRPr>
-            </a:lvl8pPr>
-            <a:lvl9pPr>
-              <a:defRPr>
-                <a:solidFill>
-                  <a:schemeClr val="tx2"/>
-                </a:solidFill>
-              </a:defRPr>
-            </a:lvl9pPr>
           </a:lstStyle>
           <a:p>
-            <a:pPr lvl="0" algn="r"/>
-            <a:r>
-              <a:rPr lang="en-US" sz="8000" dirty="0">
-                <a:solidFill>
-                  <a:schemeClr val="tx1"/>
-                </a:solidFill>
-                <a:effectLst/>
-              </a:rPr>
+            <a:pPr lvl="0"/>
+            <a:r>
+              <a:rPr lang="en-US" dirty="0"/>
               <a:t>”</a:t>
             </a:r>
           </a:p>
@@ -1408,7 +1202,7 @@
     </p:spTree>
     <p:extLst>
       <p:ext uri="{BB962C8B-B14F-4D97-AF65-F5344CB8AC3E}">
-        <p14:creationId xmlns:p14="http://schemas.microsoft.com/office/powerpoint/2010/main" val="2483332553"/>
+        <p14:creationId xmlns:p14="http://schemas.microsoft.com/office/powerpoint/2010/main" val="4199592517"/>
       </p:ext>
     </p:extLst>
   </p:cSld>
@@ -1435,36 +1229,6 @@
           <a:chExt cx="0" cy="0"/>
         </a:xfrm>
       </p:grpSpPr>
-      <p:pic>
-        <p:nvPicPr>
-          <p:cNvPr id="8" name="Picture 7" descr="Droplets-HD-Content-R1d.png"/>
-          <p:cNvPicPr>
-            <a:picLocks noChangeAspect="1"/>
-          </p:cNvPicPr>
-          <p:nvPr/>
-        </p:nvPicPr>
-        <p:blipFill>
-          <a:blip r:embed="rId2">
-            <a:extLst>
-              <a:ext uri="{28A0092B-C50C-407E-A947-70E740481C1C}">
-                <a14:useLocalDpi xmlns:a14="http://schemas.microsoft.com/office/drawing/2010/main" val="0"/>
-              </a:ext>
-            </a:extLst>
-          </a:blip>
-          <a:stretch>
-            <a:fillRect/>
-          </a:stretch>
-        </p:blipFill>
-        <p:spPr>
-          <a:xfrm>
-            <a:off x="0" y="0"/>
-            <a:ext cx="12192000" cy="6858000"/>
-          </a:xfrm>
-          <a:prstGeom prst="rect">
-            <a:avLst/>
-          </a:prstGeom>
-        </p:spPr>
-      </p:pic>
       <p:sp>
         <p:nvSpPr>
           <p:cNvPr id="2" name="Title 1"/>
@@ -1477,15 +1241,15 @@
         </p:nvSpPr>
         <p:spPr>
           <a:xfrm>
-            <a:off x="913775" y="2138721"/>
-            <a:ext cx="10364452" cy="2511835"/>
+            <a:off x="1154954" y="3124201"/>
+            <a:ext cx="8825660" cy="1653180"/>
           </a:xfrm>
         </p:spPr>
         <p:txBody>
           <a:bodyPr anchor="b"/>
           <a:lstStyle>
-            <a:lvl1pPr algn="ctr">
-              <a:defRPr sz="3200"/>
+            <a:lvl1pPr algn="l">
+              <a:defRPr sz="4000" b="0" cap="none"/>
             </a:lvl1pPr>
           </a:lstStyle>
           <a:p>
@@ -1499,58 +1263,113 @@
       </p:sp>
       <p:sp>
         <p:nvSpPr>
-          <p:cNvPr id="4" name="Text Placeholder 3"/>
-          <p:cNvSpPr>
-            <a:spLocks noGrp="1"/>
-          </p:cNvSpPr>
-          <p:nvPr>
-            <p:ph type="body" sz="half" idx="2"/>
-          </p:nvPr>
-        </p:nvSpPr>
-        <p:spPr>
-          <a:xfrm>
-            <a:off x="913775" y="4662335"/>
-            <a:ext cx="10364452" cy="1140644"/>
+          <p:cNvPr id="3" name="Text Placeholder 2"/>
+          <p:cNvSpPr>
+            <a:spLocks noGrp="1"/>
+          </p:cNvSpPr>
+          <p:nvPr>
+            <p:ph type="body" idx="1"/>
+          </p:nvPr>
+        </p:nvSpPr>
+        <p:spPr>
+          <a:xfrm>
+            <a:off x="1154954" y="4777381"/>
+            <a:ext cx="8825659" cy="860400"/>
           </a:xfrm>
         </p:spPr>
         <p:txBody>
           <a:bodyPr anchor="t"/>
           <a:lstStyle>
-            <a:lvl1pPr marL="0" indent="0" algn="ctr">
-              <a:buNone/>
-              <a:defRPr sz="1600"/>
+            <a:lvl1pPr marL="0" indent="0" algn="l">
+              <a:buNone/>
+              <a:defRPr sz="2000" cap="none">
+                <a:solidFill>
+                  <a:schemeClr val="bg2">
+                    <a:lumMod val="40000"/>
+                    <a:lumOff val="60000"/>
+                  </a:schemeClr>
+                </a:solidFill>
+              </a:defRPr>
             </a:lvl1pPr>
             <a:lvl2pPr marL="457200" indent="0">
               <a:buNone/>
-              <a:defRPr sz="1400"/>
+              <a:defRPr sz="1800">
+                <a:solidFill>
+                  <a:schemeClr val="tx1">
+                    <a:tint val="75000"/>
+                  </a:schemeClr>
+                </a:solidFill>
+              </a:defRPr>
             </a:lvl2pPr>
             <a:lvl3pPr marL="914400" indent="0">
               <a:buNone/>
-              <a:defRPr sz="1200"/>
+              <a:defRPr sz="1600">
+                <a:solidFill>
+                  <a:schemeClr val="tx1">
+                    <a:tint val="75000"/>
+                  </a:schemeClr>
+                </a:solidFill>
+              </a:defRPr>
             </a:lvl3pPr>
             <a:lvl4pPr marL="1371600" indent="0">
               <a:buNone/>
-              <a:defRPr sz="1000"/>
+              <a:defRPr sz="1400">
+                <a:solidFill>
+                  <a:schemeClr val="tx1">
+                    <a:tint val="75000"/>
+                  </a:schemeClr>
+                </a:solidFill>
+              </a:defRPr>
             </a:lvl4pPr>
             <a:lvl5pPr marL="1828800" indent="0">
               <a:buNone/>
-              <a:defRPr sz="1000"/>
+              <a:defRPr sz="1400">
+                <a:solidFill>
+                  <a:schemeClr val="tx1">
+                    <a:tint val="75000"/>
+                  </a:schemeClr>
+                </a:solidFill>
+              </a:defRPr>
             </a:lvl5pPr>
             <a:lvl6pPr marL="2286000" indent="0">
               <a:buNone/>
-              <a:defRPr sz="1000"/>
+              <a:defRPr sz="1400">
+                <a:solidFill>
+                  <a:schemeClr val="tx1">
+                    <a:tint val="75000"/>
+                  </a:schemeClr>
+                </a:solidFill>
+              </a:defRPr>
             </a:lvl6pPr>
             <a:lvl7pPr marL="2743200" indent="0">
               <a:buNone/>
-              <a:defRPr sz="1000"/>
+              <a:defRPr sz="1400">
+                <a:solidFill>
+                  <a:schemeClr val="tx1">
+                    <a:tint val="75000"/>
+                  </a:schemeClr>
+                </a:solidFill>
+              </a:defRPr>
             </a:lvl7pPr>
             <a:lvl8pPr marL="3200400" indent="0">
               <a:buNone/>
-              <a:defRPr sz="1000"/>
+              <a:defRPr sz="1400">
+                <a:solidFill>
+                  <a:schemeClr val="tx1">
+                    <a:tint val="75000"/>
+                  </a:schemeClr>
+                </a:solidFill>
+              </a:defRPr>
             </a:lvl8pPr>
             <a:lvl9pPr marL="3657600" indent="0">
               <a:buNone/>
-              <a:defRPr sz="1000"/>
+              <a:defRPr sz="1400">
+                <a:solidFill>
+                  <a:schemeClr val="tx1">
+                    <a:tint val="75000"/>
+                  </a:schemeClr>
+                </a:solidFill>
+              </a:defRPr>
             </a:lvl9pPr>
           </a:lstStyle>
           <a:p>
@@ -1564,7 +1383,7 @@
       </p:sp>
       <p:sp>
         <p:nvSpPr>
-          <p:cNvPr id="5" name="Date Placeholder 4"/>
+          <p:cNvPr id="4" name="Date Placeholder 3"/>
           <p:cNvSpPr>
             <a:spLocks noGrp="1"/>
           </p:cNvSpPr>
@@ -1580,7 +1399,7 @@
             <a:fld id="{48A87A34-81AB-432B-8DAE-1953F412C126}" type="datetimeFigureOut">
               <a:rPr lang="en-US" smtClean="0"/>
               <a:pPr/>
-              <a:t>4/15/2021</a:t>
+              <a:t>4/18/2021</a:t>
             </a:fld>
             <a:endParaRPr lang="en-US" dirty="0"/>
           </a:p>
@@ -1588,7 +1407,7 @@
       </p:sp>
       <p:sp>
         <p:nvSpPr>
-          <p:cNvPr id="6" name="Footer Placeholder 5"/>
+          <p:cNvPr id="5" name="Footer Placeholder 4"/>
           <p:cNvSpPr>
             <a:spLocks noGrp="1"/>
           </p:cNvSpPr>
@@ -1607,7 +1426,7 @@
       </p:sp>
       <p:sp>
         <p:nvSpPr>
-          <p:cNvPr id="7" name="Slide Number Placeholder 6"/>
+          <p:cNvPr id="6" name="Slide Number Placeholder 5"/>
           <p:cNvSpPr>
             <a:spLocks noGrp="1"/>
           </p:cNvSpPr>
@@ -1632,7 +1451,7 @@
     </p:spTree>
     <p:extLst>
       <p:ext uri="{BB962C8B-B14F-4D97-AF65-F5344CB8AC3E}">
-        <p14:creationId xmlns:p14="http://schemas.microsoft.com/office/powerpoint/2010/main" val="1053387141"/>
+        <p14:creationId xmlns:p14="http://schemas.microsoft.com/office/powerpoint/2010/main" val="1559580209"/>
       </p:ext>
     </p:extLst>
   </p:cSld>
@@ -1659,39 +1478,9 @@
           <a:chExt cx="0" cy="0"/>
         </a:xfrm>
       </p:grpSpPr>
-      <p:pic>
-        <p:nvPicPr>
-          <p:cNvPr id="13" name="Picture 12" descr="Droplets-HD-Content-R1d.png"/>
-          <p:cNvPicPr>
-            <a:picLocks noChangeAspect="1"/>
-          </p:cNvPicPr>
-          <p:nvPr/>
-        </p:nvPicPr>
-        <p:blipFill>
-          <a:blip r:embed="rId2">
-            <a:extLst>
-              <a:ext uri="{28A0092B-C50C-407E-A947-70E740481C1C}">
-                <a14:useLocalDpi xmlns:a14="http://schemas.microsoft.com/office/drawing/2010/main" val="0"/>
-              </a:ext>
-            </a:extLst>
-          </a:blip>
-          <a:stretch>
-            <a:fillRect/>
-          </a:stretch>
-        </p:blipFill>
-        <p:spPr>
-          <a:xfrm>
-            <a:off x="0" y="0"/>
-            <a:ext cx="12192000" cy="6858000"/>
-          </a:xfrm>
-          <a:prstGeom prst="rect">
-            <a:avLst/>
-          </a:prstGeom>
-        </p:spPr>
-      </p:pic>
-      <p:sp>
-        <p:nvSpPr>
-          <p:cNvPr id="15" name="Title 1"/>
+      <p:sp>
+        <p:nvSpPr>
+          <p:cNvPr id="2" name="Title 1"/>
           <p:cNvSpPr>
             <a:spLocks noGrp="1"/>
           </p:cNvSpPr>
@@ -1699,15 +1488,14 @@
             <p:ph type="title"/>
           </p:nvPr>
         </p:nvSpPr>
-        <p:spPr>
-          <a:xfrm>
-            <a:off x="913774" y="609600"/>
-            <a:ext cx="10364452" cy="1605094"/>
-          </a:xfrm>
-        </p:spPr>
+        <p:spPr/>
         <p:txBody>
           <a:bodyPr/>
-          <a:lstStyle/>
+          <a:lstStyle>
+            <a:lvl1pPr>
+              <a:defRPr sz="4200"/>
+            </a:lvl1pPr>
+          </a:lstStyle>
           <a:p>
             <a:r>
               <a:rPr lang="en-US" smtClean="0"/>
@@ -1719,7 +1507,7 @@
       </p:sp>
       <p:sp>
         <p:nvSpPr>
-          <p:cNvPr id="7" name="Text Placeholder 2"/>
+          <p:cNvPr id="3" name="Text Placeholder 2"/>
           <p:cNvSpPr>
             <a:spLocks noGrp="1"/>
           </p:cNvSpPr>
@@ -1729,8 +1517,8 @@
         </p:nvSpPr>
         <p:spPr>
           <a:xfrm>
-            <a:off x="913774" y="2367093"/>
-            <a:ext cx="3298976" cy="576262"/>
+            <a:off x="632947" y="1981200"/>
+            <a:ext cx="2946866" cy="576262"/>
           </a:xfrm>
         </p:spPr>
         <p:txBody>
@@ -1738,14 +1526,14 @@
             <a:noAutofit/>
           </a:bodyPr>
           <a:lstStyle>
-            <a:lvl1pPr marL="0" indent="0" algn="ctr">
-              <a:lnSpc>
-                <a:spcPct val="85000"/>
-              </a:lnSpc>
+            <a:lvl1pPr marL="0" indent="0">
               <a:buNone/>
               <a:defRPr sz="2400" b="0">
                 <a:solidFill>
-                  <a:schemeClr val="tx1"/>
+                  <a:schemeClr val="bg2">
+                    <a:lumMod val="40000"/>
+                    <a:lumOff val="60000"/>
+                  </a:schemeClr>
                 </a:solidFill>
               </a:defRPr>
             </a:lvl1pPr>
@@ -1793,7 +1581,7 @@
       </p:sp>
       <p:sp>
         <p:nvSpPr>
-          <p:cNvPr id="8" name="Text Placeholder 3"/>
+          <p:cNvPr id="16" name="Text Placeholder 3"/>
           <p:cNvSpPr>
             <a:spLocks noGrp="1"/>
           </p:cNvSpPr>
@@ -1803,8 +1591,8 @@
         </p:nvSpPr>
         <p:spPr>
           <a:xfrm>
-            <a:off x="913774" y="2943355"/>
-            <a:ext cx="3298976" cy="2847845"/>
+            <a:off x="652463" y="2667000"/>
+            <a:ext cx="2927350" cy="3589338"/>
           </a:xfrm>
         </p:spPr>
         <p:txBody>
@@ -1812,7 +1600,7 @@
             <a:normAutofit/>
           </a:bodyPr>
           <a:lstStyle>
-            <a:lvl1pPr marL="0" indent="0" algn="ctr">
+            <a:lvl1pPr marL="0" indent="0">
               <a:buNone/>
               <a:defRPr sz="1400"/>
             </a:lvl1pPr>
@@ -1860,7 +1648,7 @@
       </p:sp>
       <p:sp>
         <p:nvSpPr>
-          <p:cNvPr id="9" name="Text Placeholder 4"/>
+          <p:cNvPr id="5" name="Text Placeholder 4"/>
           <p:cNvSpPr>
             <a:spLocks noGrp="1"/>
           </p:cNvSpPr>
@@ -1870,8 +1658,8 @@
         </p:nvSpPr>
         <p:spPr>
           <a:xfrm>
-            <a:off x="4452389" y="2367093"/>
-            <a:ext cx="3291521" cy="576262"/>
+            <a:off x="3883659" y="1981200"/>
+            <a:ext cx="2936241" cy="576262"/>
           </a:xfrm>
         </p:spPr>
         <p:txBody>
@@ -1879,14 +1667,14 @@
             <a:noAutofit/>
           </a:bodyPr>
           <a:lstStyle>
-            <a:lvl1pPr marL="0" indent="0" algn="ctr">
-              <a:lnSpc>
-                <a:spcPct val="85000"/>
-              </a:lnSpc>
+            <a:lvl1pPr marL="0" indent="0">
               <a:buNone/>
               <a:defRPr sz="2400" b="0">
                 <a:solidFill>
-                  <a:schemeClr val="tx1"/>
+                  <a:schemeClr val="bg2">
+                    <a:lumMod val="40000"/>
+                    <a:lumOff val="60000"/>
+                  </a:schemeClr>
                 </a:solidFill>
               </a:defRPr>
             </a:lvl1pPr>
@@ -1934,7 +1722,7 @@
       </p:sp>
       <p:sp>
         <p:nvSpPr>
-          <p:cNvPr id="10" name="Text Placeholder 3"/>
+          <p:cNvPr id="19" name="Text Placeholder 3"/>
           <p:cNvSpPr>
             <a:spLocks noGrp="1"/>
           </p:cNvSpPr>
@@ -1944,8 +1732,8 @@
         </p:nvSpPr>
         <p:spPr>
           <a:xfrm>
-            <a:off x="4441348" y="2943355"/>
-            <a:ext cx="3303351" cy="2847845"/>
+            <a:off x="3873106" y="2667000"/>
+            <a:ext cx="2946794" cy="3589338"/>
           </a:xfrm>
         </p:spPr>
         <p:txBody>
@@ -1953,7 +1741,7 @@
             <a:normAutofit/>
           </a:bodyPr>
           <a:lstStyle>
-            <a:lvl1pPr marL="0" indent="0" algn="ctr">
+            <a:lvl1pPr marL="0" indent="0">
               <a:buNone/>
               <a:defRPr sz="1400"/>
             </a:lvl1pPr>
@@ -2001,7 +1789,7 @@
       </p:sp>
       <p:sp>
         <p:nvSpPr>
-          <p:cNvPr id="11" name="Text Placeholder 4"/>
+          <p:cNvPr id="14" name="Text Placeholder 4"/>
           <p:cNvSpPr>
             <a:spLocks noGrp="1"/>
           </p:cNvSpPr>
@@ -2011,8 +1799,8 @@
         </p:nvSpPr>
         <p:spPr>
           <a:xfrm>
-            <a:off x="7973298" y="2367093"/>
-            <a:ext cx="3304928" cy="576262"/>
+            <a:off x="7124700" y="1981200"/>
+            <a:ext cx="2932113" cy="576262"/>
           </a:xfrm>
         </p:spPr>
         <p:txBody>
@@ -2020,14 +1808,14 @@
             <a:noAutofit/>
           </a:bodyPr>
           <a:lstStyle>
-            <a:lvl1pPr marL="0" indent="0" algn="ctr">
-              <a:lnSpc>
-                <a:spcPct val="85000"/>
-              </a:lnSpc>
+            <a:lvl1pPr marL="0" indent="0">
               <a:buNone/>
               <a:defRPr sz="2400" b="0">
                 <a:solidFill>
-                  <a:schemeClr val="tx1"/>
+                  <a:schemeClr val="bg2">
+                    <a:lumMod val="40000"/>
+                    <a:lumOff val="60000"/>
+                  </a:schemeClr>
                 </a:solidFill>
               </a:defRPr>
             </a:lvl1pPr>
@@ -2075,7 +1863,7 @@
       </p:sp>
       <p:sp>
         <p:nvSpPr>
-          <p:cNvPr id="12" name="Text Placeholder 3"/>
+          <p:cNvPr id="20" name="Text Placeholder 3"/>
           <p:cNvSpPr>
             <a:spLocks noGrp="1"/>
           </p:cNvSpPr>
@@ -2085,8 +1873,8 @@
         </p:nvSpPr>
         <p:spPr>
           <a:xfrm>
-            <a:off x="7973298" y="2943355"/>
-            <a:ext cx="3304928" cy="2847845"/>
+            <a:off x="7124700" y="2667000"/>
+            <a:ext cx="2932113" cy="3589338"/>
           </a:xfrm>
         </p:spPr>
         <p:txBody>
@@ -2094,7 +1882,7 @@
             <a:normAutofit/>
           </a:bodyPr>
           <a:lstStyle>
-            <a:lvl1pPr marL="0" indent="0" algn="ctr">
+            <a:lvl1pPr marL="0" indent="0">
               <a:buNone/>
               <a:defRPr sz="1400"/>
             </a:lvl1pPr>
@@ -2140,9 +1928,87 @@
           </a:p>
         </p:txBody>
       </p:sp>
-      <p:sp>
-        <p:nvSpPr>
-          <p:cNvPr id="3" name="Date Placeholder 2"/>
+      <p:cxnSp>
+        <p:nvCxnSpPr>
+          <p:cNvPr id="17" name="Straight Connector 16"/>
+          <p:cNvCxnSpPr/>
+          <p:nvPr/>
+        </p:nvCxnSpPr>
+        <p:spPr>
+          <a:xfrm>
+            <a:off x="3726142" y="2133600"/>
+            <a:ext cx="0" cy="3962400"/>
+          </a:xfrm>
+          <a:prstGeom prst="line">
+            <a:avLst/>
+          </a:prstGeom>
+          <a:ln w="12700" cmpd="sng">
+            <a:solidFill>
+              <a:schemeClr val="bg2">
+                <a:lumMod val="40000"/>
+                <a:lumOff val="60000"/>
+                <a:alpha val="40000"/>
+              </a:schemeClr>
+            </a:solidFill>
+          </a:ln>
+        </p:spPr>
+        <p:style>
+          <a:lnRef idx="2">
+            <a:schemeClr val="accent1"/>
+          </a:lnRef>
+          <a:fillRef idx="0">
+            <a:schemeClr val="accent1"/>
+          </a:fillRef>
+          <a:effectRef idx="1">
+            <a:schemeClr val="accent1"/>
+          </a:effectRef>
+          <a:fontRef idx="minor">
+            <a:schemeClr val="tx1"/>
+          </a:fontRef>
+        </p:style>
+      </p:cxnSp>
+      <p:cxnSp>
+        <p:nvCxnSpPr>
+          <p:cNvPr id="18" name="Straight Connector 17"/>
+          <p:cNvCxnSpPr/>
+          <p:nvPr/>
+        </p:nvCxnSpPr>
+        <p:spPr>
+          <a:xfrm>
+            <a:off x="6962227" y="2133600"/>
+            <a:ext cx="0" cy="3966882"/>
+          </a:xfrm>
+          <a:prstGeom prst="line">
+            <a:avLst/>
+          </a:prstGeom>
+          <a:ln w="12700" cmpd="sng">
+            <a:solidFill>
+              <a:schemeClr val="bg2">
+                <a:lumMod val="40000"/>
+                <a:lumOff val="60000"/>
+                <a:alpha val="40000"/>
+              </a:schemeClr>
+            </a:solidFill>
+          </a:ln>
+        </p:spPr>
+        <p:style>
+          <a:lnRef idx="2">
+            <a:schemeClr val="accent1"/>
+          </a:lnRef>
+          <a:fillRef idx="0">
+            <a:schemeClr val="accent1"/>
+          </a:fillRef>
+          <a:effectRef idx="1">
+            <a:schemeClr val="accent1"/>
+          </a:effectRef>
+          <a:fontRef idx="minor">
+            <a:schemeClr val="tx1"/>
+          </a:fontRef>
+        </p:style>
+      </p:cxnSp>
+      <p:sp>
+        <p:nvSpPr>
+          <p:cNvPr id="7" name="Date Placeholder 3"/>
           <p:cNvSpPr>
             <a:spLocks noGrp="1"/>
           </p:cNvSpPr>
@@ -2158,7 +2024,7 @@
             <a:fld id="{48A87A34-81AB-432B-8DAE-1953F412C126}" type="datetimeFigureOut">
               <a:rPr lang="en-US" smtClean="0"/>
               <a:pPr/>
-              <a:t>4/15/2021</a:t>
+              <a:t>4/18/2021</a:t>
             </a:fld>
             <a:endParaRPr lang="en-US" dirty="0"/>
           </a:p>
@@ -2166,7 +2032,7 @@
       </p:sp>
       <p:sp>
         <p:nvSpPr>
-          <p:cNvPr id="4" name="Footer Placeholder 3"/>
+          <p:cNvPr id="4" name="Footer Placeholder 4"/>
           <p:cNvSpPr>
             <a:spLocks noGrp="1"/>
           </p:cNvSpPr>
@@ -2185,7 +2051,7 @@
       </p:sp>
       <p:sp>
         <p:nvSpPr>
-          <p:cNvPr id="5" name="Slide Number Placeholder 4"/>
+          <p:cNvPr id="6" name="Slide Number Placeholder 5"/>
           <p:cNvSpPr>
             <a:spLocks noGrp="1"/>
           </p:cNvSpPr>
@@ -2210,7 +2076,7 @@
     </p:spTree>
     <p:extLst>
       <p:ext uri="{BB962C8B-B14F-4D97-AF65-F5344CB8AC3E}">
-        <p14:creationId xmlns:p14="http://schemas.microsoft.com/office/powerpoint/2010/main" val="454065597"/>
+        <p14:creationId xmlns:p14="http://schemas.microsoft.com/office/powerpoint/2010/main" val="2382713517"/>
       </p:ext>
     </p:extLst>
   </p:cSld>
@@ -2237,39 +2103,9 @@
           <a:chExt cx="0" cy="0"/>
         </a:xfrm>
       </p:grpSpPr>
-      <p:pic>
-        <p:nvPicPr>
-          <p:cNvPr id="16" name="Picture 15" descr="Droplets-HD-Content-R1d.png"/>
-          <p:cNvPicPr>
-            <a:picLocks noChangeAspect="1"/>
-          </p:cNvPicPr>
-          <p:nvPr/>
-        </p:nvPicPr>
-        <p:blipFill>
-          <a:blip r:embed="rId2">
-            <a:extLst>
-              <a:ext uri="{28A0092B-C50C-407E-A947-70E740481C1C}">
-                <a14:useLocalDpi xmlns:a14="http://schemas.microsoft.com/office/drawing/2010/main" val="0"/>
-              </a:ext>
-            </a:extLst>
-          </a:blip>
-          <a:stretch>
-            <a:fillRect/>
-          </a:stretch>
-        </p:blipFill>
-        <p:spPr>
-          <a:xfrm>
-            <a:off x="0" y="0"/>
-            <a:ext cx="12192000" cy="6858000"/>
-          </a:xfrm>
-          <a:prstGeom prst="rect">
-            <a:avLst/>
-          </a:prstGeom>
-        </p:spPr>
-      </p:pic>
-      <p:sp>
-        <p:nvSpPr>
-          <p:cNvPr id="30" name="Title 1"/>
+      <p:sp>
+        <p:nvSpPr>
+          <p:cNvPr id="2" name="Title 1"/>
           <p:cNvSpPr>
             <a:spLocks noGrp="1"/>
           </p:cNvSpPr>
@@ -2277,15 +2113,14 @@
             <p:ph type="title"/>
           </p:nvPr>
         </p:nvSpPr>
-        <p:spPr>
-          <a:xfrm>
-            <a:off x="913774" y="610772"/>
-            <a:ext cx="10364452" cy="1603922"/>
-          </a:xfrm>
-        </p:spPr>
+        <p:spPr/>
         <p:txBody>
           <a:bodyPr/>
-          <a:lstStyle/>
+          <a:lstStyle>
+            <a:lvl1pPr>
+              <a:defRPr sz="4200"/>
+            </a:lvl1pPr>
+          </a:lstStyle>
           <a:p>
             <a:r>
               <a:rPr lang="en-US" smtClean="0"/>
@@ -2297,7 +2132,7 @@
       </p:sp>
       <p:sp>
         <p:nvSpPr>
-          <p:cNvPr id="19" name="Text Placeholder 2"/>
+          <p:cNvPr id="3" name="Text Placeholder 2"/>
           <p:cNvSpPr>
             <a:spLocks noGrp="1"/>
           </p:cNvSpPr>
@@ -2307,8 +2142,8 @@
         </p:nvSpPr>
         <p:spPr>
           <a:xfrm>
-            <a:off x="913774" y="4204820"/>
-            <a:ext cx="3296409" cy="576262"/>
+            <a:off x="652463" y="4250949"/>
+            <a:ext cx="2940050" cy="576262"/>
           </a:xfrm>
         </p:spPr>
         <p:txBody>
@@ -2316,14 +2151,14 @@
             <a:noAutofit/>
           </a:bodyPr>
           <a:lstStyle>
-            <a:lvl1pPr marL="0" indent="0" algn="ctr">
-              <a:lnSpc>
-                <a:spcPct val="85000"/>
-              </a:lnSpc>
-              <a:buNone/>
-              <a:defRPr sz="2200" b="0">
+            <a:lvl1pPr marL="0" indent="0">
+              <a:buNone/>
+              <a:defRPr sz="2400" b="0">
                 <a:solidFill>
-                  <a:schemeClr val="tx1"/>
+                  <a:schemeClr val="bg2">
+                    <a:lumMod val="40000"/>
+                    <a:lumOff val="60000"/>
+                  </a:schemeClr>
                 </a:solidFill>
               </a:defRPr>
             </a:lvl1pPr>
@@ -2371,7 +2206,7 @@
       </p:sp>
       <p:sp>
         <p:nvSpPr>
-          <p:cNvPr id="20" name="Picture Placeholder 2"/>
+          <p:cNvPr id="29" name="Picture Placeholder 2"/>
           <p:cNvSpPr>
             <a:spLocks noGrp="1" noChangeAspect="1"/>
           </p:cNvSpPr>
@@ -2381,34 +2216,21 @@
         </p:nvSpPr>
         <p:spPr>
           <a:xfrm>
-            <a:off x="913774" y="2367093"/>
-            <a:ext cx="3296409" cy="1524000"/>
+            <a:off x="652463" y="2209800"/>
+            <a:ext cx="2940050" cy="1524000"/>
           </a:xfrm>
           <a:prstGeom prst="roundRect">
             <a:avLst>
-              <a:gd name="adj" fmla="val 9363"/>
+              <a:gd name="adj" fmla="val 1858"/>
             </a:avLst>
           </a:prstGeom>
-          <a:noFill/>
-          <a:ln w="82550" cap="sq">
-            <a:solidFill>
-              <a:srgbClr val="EAEAEA"/>
-            </a:solidFill>
-            <a:miter lim="800000"/>
-          </a:ln>
-          <a:effectLst/>
-          <a:scene3d>
-            <a:camera prst="orthographicFront"/>
-            <a:lightRig rig="threePt" dir="t">
-              <a:rot lat="0" lon="0" rev="2700000"/>
-            </a:lightRig>
-          </a:scene3d>
-          <a:sp3d contourW="6350">
-            <a:bevelT h="38100"/>
-            <a:contourClr>
-              <a:srgbClr val="C0C0C0"/>
-            </a:contourClr>
-          </a:sp3d>
+          <a:effectLst>
+            <a:outerShdw blurRad="50800" dist="50800" dir="5400000" algn="tl" rotWithShape="0">
+              <a:srgbClr val="000000">
+                <a:alpha val="43000"/>
+              </a:srgbClr>
+            </a:outerShdw>
+          </a:effectLst>
         </p:spPr>
         <p:txBody>
           <a:bodyPr anchor="t">
@@ -2463,7 +2285,7 @@
       </p:sp>
       <p:sp>
         <p:nvSpPr>
-          <p:cNvPr id="21" name="Text Placeholder 3"/>
+          <p:cNvPr id="22" name="Text Placeholder 3"/>
           <p:cNvSpPr>
             <a:spLocks noGrp="1"/>
           </p:cNvSpPr>
@@ -2473,9 +2295,162 @@
         </p:nvSpPr>
         <p:spPr>
           <a:xfrm>
-            <a:off x="913774" y="4781082"/>
-            <a:ext cx="3296409" cy="1010118"/>
-          </a:xfrm>
+            <a:off x="652463" y="4827211"/>
+            <a:ext cx="2940050" cy="659189"/>
+          </a:xfrm>
+        </p:spPr>
+        <p:txBody>
+          <a:bodyPr anchor="t">
+            <a:normAutofit/>
+          </a:bodyPr>
+          <a:lstStyle>
+            <a:lvl1pPr marL="0" indent="0">
+              <a:buNone/>
+              <a:defRPr sz="1400"/>
+            </a:lvl1pPr>
+            <a:lvl2pPr marL="457200" indent="0">
+              <a:buNone/>
+              <a:defRPr sz="1200"/>
+            </a:lvl2pPr>
+            <a:lvl3pPr marL="914400" indent="0">
+              <a:buNone/>
+              <a:defRPr sz="1000"/>
+            </a:lvl3pPr>
+            <a:lvl4pPr marL="1371600" indent="0">
+              <a:buNone/>
+              <a:defRPr sz="900"/>
+            </a:lvl4pPr>
+            <a:lvl5pPr marL="1828800" indent="0">
+              <a:buNone/>
+              <a:defRPr sz="900"/>
+            </a:lvl5pPr>
+            <a:lvl6pPr marL="2286000" indent="0">
+              <a:buNone/>
+              <a:defRPr sz="900"/>
+            </a:lvl6pPr>
+            <a:lvl7pPr marL="2743200" indent="0">
+              <a:buNone/>
+              <a:defRPr sz="900"/>
+            </a:lvl7pPr>
+            <a:lvl8pPr marL="3200400" indent="0">
+              <a:buNone/>
+              <a:defRPr sz="900"/>
+            </a:lvl8pPr>
+            <a:lvl9pPr marL="3657600" indent="0">
+              <a:buNone/>
+              <a:defRPr sz="900"/>
+            </a:lvl9pPr>
+          </a:lstStyle>
+          <a:p>
+            <a:pPr lvl="0"/>
+            <a:r>
+              <a:rPr lang="en-US" smtClean="0"/>
+              <a:t>Edit Master text styles</a:t>
+            </a:r>
+          </a:p>
+        </p:txBody>
+      </p:sp>
+      <p:sp>
+        <p:nvSpPr>
+          <p:cNvPr id="5" name="Text Placeholder 4"/>
+          <p:cNvSpPr>
+            <a:spLocks noGrp="1"/>
+          </p:cNvSpPr>
+          <p:nvPr>
+            <p:ph type="body" sz="quarter" idx="3"/>
+          </p:nvPr>
+        </p:nvSpPr>
+        <p:spPr>
+          <a:xfrm>
+            <a:off x="3889375" y="4250949"/>
+            <a:ext cx="2930525" cy="576262"/>
+          </a:xfrm>
+        </p:spPr>
+        <p:txBody>
+          <a:bodyPr anchor="b">
+            <a:noAutofit/>
+          </a:bodyPr>
+          <a:lstStyle>
+            <a:lvl1pPr marL="0" indent="0">
+              <a:buNone/>
+              <a:defRPr sz="2400" b="0">
+                <a:solidFill>
+                  <a:schemeClr val="bg2">
+                    <a:lumMod val="40000"/>
+                    <a:lumOff val="60000"/>
+                  </a:schemeClr>
+                </a:solidFill>
+              </a:defRPr>
+            </a:lvl1pPr>
+            <a:lvl2pPr marL="457200" indent="0">
+              <a:buNone/>
+              <a:defRPr sz="2000" b="1"/>
+            </a:lvl2pPr>
+            <a:lvl3pPr marL="914400" indent="0">
+              <a:buNone/>
+              <a:defRPr sz="1800" b="1"/>
+            </a:lvl3pPr>
+            <a:lvl4pPr marL="1371600" indent="0">
+              <a:buNone/>
+              <a:defRPr sz="1600" b="1"/>
+            </a:lvl4pPr>
+            <a:lvl5pPr marL="1828800" indent="0">
+              <a:buNone/>
+              <a:defRPr sz="1600" b="1"/>
+            </a:lvl5pPr>
+            <a:lvl6pPr marL="2286000" indent="0">
+              <a:buNone/>
+              <a:defRPr sz="1600" b="1"/>
+            </a:lvl6pPr>
+            <a:lvl7pPr marL="2743200" indent="0">
+              <a:buNone/>
+              <a:defRPr sz="1600" b="1"/>
+            </a:lvl7pPr>
+            <a:lvl8pPr marL="3200400" indent="0">
+              <a:buNone/>
+              <a:defRPr sz="1600" b="1"/>
+            </a:lvl8pPr>
+            <a:lvl9pPr marL="3657600" indent="0">
+              <a:buNone/>
+              <a:defRPr sz="1600" b="1"/>
+            </a:lvl9pPr>
+          </a:lstStyle>
+          <a:p>
+            <a:pPr lvl="0"/>
+            <a:r>
+              <a:rPr lang="en-US" smtClean="0"/>
+              <a:t>Edit Master text styles</a:t>
+            </a:r>
+          </a:p>
+        </p:txBody>
+      </p:sp>
+      <p:sp>
+        <p:nvSpPr>
+          <p:cNvPr id="30" name="Picture Placeholder 2"/>
+          <p:cNvSpPr>
+            <a:spLocks noGrp="1" noChangeAspect="1"/>
+          </p:cNvSpPr>
+          <p:nvPr>
+            <p:ph type="pic" idx="21"/>
+          </p:nvPr>
+        </p:nvSpPr>
+        <p:spPr>
+          <a:xfrm>
+            <a:off x="3889374" y="2209800"/>
+            <a:ext cx="2930525" cy="1524000"/>
+          </a:xfrm>
+          <a:prstGeom prst="roundRect">
+            <a:avLst>
+              <a:gd name="adj" fmla="val 1858"/>
+            </a:avLst>
+          </a:prstGeom>
+          <a:effectLst>
+            <a:outerShdw blurRad="50800" dist="50800" dir="5400000" algn="tl" rotWithShape="0">
+              <a:srgbClr val="000000">
+                <a:alpha val="43000"/>
+              </a:srgbClr>
+            </a:outerShdw>
+          </a:effectLst>
         </p:spPr>
         <p:txBody>
           <a:bodyPr anchor="t">
@@ -2484,6 +2459,73 @@
           <a:lstStyle>
             <a:lvl1pPr marL="0" indent="0" algn="ctr">
               <a:buNone/>
+              <a:defRPr sz="1600"/>
+            </a:lvl1pPr>
+            <a:lvl2pPr marL="457200" indent="0">
+              <a:buNone/>
+              <a:defRPr sz="1600"/>
+            </a:lvl2pPr>
+            <a:lvl3pPr marL="914400" indent="0">
+              <a:buNone/>
+              <a:defRPr sz="1600"/>
+            </a:lvl3pPr>
+            <a:lvl4pPr marL="1371600" indent="0">
+              <a:buNone/>
+              <a:defRPr sz="1600"/>
+            </a:lvl4pPr>
+            <a:lvl5pPr marL="1828800" indent="0">
+              <a:buNone/>
+              <a:defRPr sz="1600"/>
+            </a:lvl5pPr>
+            <a:lvl6pPr marL="2286000" indent="0">
+              <a:buNone/>
+              <a:defRPr sz="1600"/>
+            </a:lvl6pPr>
+            <a:lvl7pPr marL="2743200" indent="0">
+              <a:buNone/>
+              <a:defRPr sz="1600"/>
+            </a:lvl7pPr>
+            <a:lvl8pPr marL="3200400" indent="0">
+              <a:buNone/>
+              <a:defRPr sz="1600"/>
+            </a:lvl8pPr>
+            <a:lvl9pPr marL="3657600" indent="0">
+              <a:buNone/>
+              <a:defRPr sz="1600"/>
+            </a:lvl9pPr>
+          </a:lstStyle>
+          <a:p>
+            <a:r>
+              <a:rPr lang="en-US" smtClean="0"/>
+              <a:t>Click icon to add picture</a:t>
+            </a:r>
+            <a:endParaRPr lang="en-US" dirty="0"/>
+          </a:p>
+        </p:txBody>
+      </p:sp>
+      <p:sp>
+        <p:nvSpPr>
+          <p:cNvPr id="23" name="Text Placeholder 3"/>
+          <p:cNvSpPr>
+            <a:spLocks noGrp="1"/>
+          </p:cNvSpPr>
+          <p:nvPr>
+            <p:ph type="body" sz="half" idx="19"/>
+          </p:nvPr>
+        </p:nvSpPr>
+        <p:spPr>
+          <a:xfrm>
+            <a:off x="3888022" y="4827210"/>
+            <a:ext cx="2934406" cy="659189"/>
+          </a:xfrm>
+        </p:spPr>
+        <p:txBody>
+          <a:bodyPr anchor="t">
+            <a:normAutofit/>
+          </a:bodyPr>
+          <a:lstStyle>
+            <a:lvl1pPr marL="0" indent="0">
+              <a:buNone/>
               <a:defRPr sz="1400"/>
             </a:lvl1pPr>
             <a:lvl2pPr marL="457200" indent="0">
@@ -2530,18 +2572,18 @@
       </p:sp>
       <p:sp>
         <p:nvSpPr>
-          <p:cNvPr id="22" name="Text Placeholder 4"/>
-          <p:cNvSpPr>
-            <a:spLocks noGrp="1"/>
-          </p:cNvSpPr>
-          <p:nvPr>
-            <p:ph type="body" sz="quarter" idx="3"/>
-          </p:nvPr>
-        </p:nvSpPr>
-        <p:spPr>
-          <a:xfrm>
-            <a:off x="4442759" y="4204820"/>
-            <a:ext cx="3301828" cy="576262"/>
+          <p:cNvPr id="14" name="Text Placeholder 4"/>
+          <p:cNvSpPr>
+            <a:spLocks noGrp="1"/>
+          </p:cNvSpPr>
+          <p:nvPr>
+            <p:ph type="body" sz="quarter" idx="13"/>
+          </p:nvPr>
+        </p:nvSpPr>
+        <p:spPr>
+          <a:xfrm>
+            <a:off x="7124700" y="4250949"/>
+            <a:ext cx="2932113" cy="576262"/>
           </a:xfrm>
         </p:spPr>
         <p:txBody>
@@ -2549,14 +2591,14 @@
             <a:noAutofit/>
           </a:bodyPr>
           <a:lstStyle>
-            <a:lvl1pPr marL="0" indent="0" algn="ctr">
-              <a:lnSpc>
-                <a:spcPct val="85000"/>
-              </a:lnSpc>
-              <a:buNone/>
-              <a:defRPr sz="2200" b="0">
+            <a:lvl1pPr marL="0" indent="0">
+              <a:buNone/>
+              <a:defRPr sz="2400" b="0">
                 <a:solidFill>
-                  <a:schemeClr val="tx1"/>
+                  <a:schemeClr val="bg2">
+                    <a:lumMod val="40000"/>
+                    <a:lumOff val="60000"/>
+                  </a:schemeClr>
                 </a:solidFill>
               </a:defRPr>
             </a:lvl1pPr>
@@ -2604,44 +2646,31 @@
       </p:sp>
       <p:sp>
         <p:nvSpPr>
-          <p:cNvPr id="23" name="Picture Placeholder 2"/>
+          <p:cNvPr id="31" name="Picture Placeholder 2"/>
           <p:cNvSpPr>
             <a:spLocks noGrp="1" noChangeAspect="1"/>
           </p:cNvSpPr>
           <p:nvPr>
-            <p:ph type="pic" idx="21"/>
-          </p:nvPr>
-        </p:nvSpPr>
-        <p:spPr>
-          <a:xfrm>
-            <a:off x="4441348" y="2367093"/>
-            <a:ext cx="3303352" cy="1524000"/>
+            <p:ph type="pic" idx="22"/>
+          </p:nvPr>
+        </p:nvSpPr>
+        <p:spPr>
+          <a:xfrm>
+            <a:off x="7124699" y="2209800"/>
+            <a:ext cx="2932113" cy="1524000"/>
           </a:xfrm>
           <a:prstGeom prst="roundRect">
             <a:avLst>
-              <a:gd name="adj" fmla="val 8841"/>
+              <a:gd name="adj" fmla="val 1858"/>
             </a:avLst>
           </a:prstGeom>
-          <a:noFill/>
-          <a:ln w="82550" cap="sq">
-            <a:solidFill>
-              <a:srgbClr val="EAEAEA"/>
-            </a:solidFill>
-            <a:miter lim="800000"/>
-          </a:ln>
-          <a:effectLst/>
-          <a:scene3d>
-            <a:camera prst="orthographicFront"/>
-            <a:lightRig rig="threePt" dir="t">
-              <a:rot lat="0" lon="0" rev="2700000"/>
-            </a:lightRig>
-          </a:scene3d>
-          <a:sp3d contourW="6350">
-            <a:bevelT h="38100"/>
-            <a:contourClr>
-              <a:srgbClr val="C0C0C0"/>
-            </a:contourClr>
-          </a:sp3d>
+          <a:effectLst>
+            <a:outerShdw blurRad="50800" dist="50800" dir="5400000" algn="tl" rotWithShape="0">
+              <a:srgbClr val="000000">
+                <a:alpha val="43000"/>
+              </a:srgbClr>
+            </a:outerShdw>
+          </a:effectLst>
         </p:spPr>
         <p:txBody>
           <a:bodyPr anchor="t">
@@ -2701,13 +2730,13 @@
             <a:spLocks noGrp="1"/>
           </p:cNvSpPr>
           <p:nvPr>
-            <p:ph type="body" sz="half" idx="19"/>
-          </p:nvPr>
-        </p:nvSpPr>
-        <p:spPr>
-          <a:xfrm>
-            <a:off x="4441348" y="4781080"/>
-            <a:ext cx="3303352" cy="1010119"/>
+            <p:ph type="body" sz="half" idx="20"/>
+          </p:nvPr>
+        </p:nvSpPr>
+        <p:spPr>
+          <a:xfrm>
+            <a:off x="7124575" y="4827208"/>
+            <a:ext cx="2935997" cy="659189"/>
           </a:xfrm>
         </p:spPr>
         <p:txBody>
@@ -2715,7 +2744,7 @@
             <a:normAutofit/>
           </a:bodyPr>
           <a:lstStyle>
-            <a:lvl1pPr marL="0" indent="0" algn="ctr">
+            <a:lvl1pPr marL="0" indent="0">
               <a:buNone/>
               <a:defRPr sz="1400"/>
             </a:lvl1pPr>
@@ -2761,242 +2790,87 @@
           </a:p>
         </p:txBody>
       </p:sp>
-      <p:sp>
-        <p:nvSpPr>
-          <p:cNvPr id="25" name="Text Placeholder 4"/>
-          <p:cNvSpPr>
-            <a:spLocks noGrp="1"/>
-          </p:cNvSpPr>
-          <p:nvPr>
-            <p:ph type="body" sz="quarter" idx="13"/>
-          </p:nvPr>
-        </p:nvSpPr>
-        <p:spPr>
-          <a:xfrm>
-            <a:off x="7973298" y="4204820"/>
-            <a:ext cx="3300681" cy="576262"/>
-          </a:xfrm>
-        </p:spPr>
-        <p:txBody>
-          <a:bodyPr anchor="b">
-            <a:noAutofit/>
-          </a:bodyPr>
-          <a:lstStyle>
-            <a:lvl1pPr marL="0" indent="0" algn="ctr">
-              <a:lnSpc>
-                <a:spcPct val="85000"/>
-              </a:lnSpc>
-              <a:buNone/>
-              <a:defRPr sz="2200" b="0">
-                <a:solidFill>
-                  <a:schemeClr val="tx1"/>
-                </a:solidFill>
-              </a:defRPr>
-            </a:lvl1pPr>
-            <a:lvl2pPr marL="457200" indent="0">
-              <a:buNone/>
-              <a:defRPr sz="2000" b="1"/>
-            </a:lvl2pPr>
-            <a:lvl3pPr marL="914400" indent="0">
-              <a:buNone/>
-              <a:defRPr sz="1800" b="1"/>
-            </a:lvl3pPr>
-            <a:lvl4pPr marL="1371600" indent="0">
-              <a:buNone/>
-              <a:defRPr sz="1600" b="1"/>
-            </a:lvl4pPr>
-            <a:lvl5pPr marL="1828800" indent="0">
-              <a:buNone/>
-              <a:defRPr sz="1600" b="1"/>
-            </a:lvl5pPr>
-            <a:lvl6pPr marL="2286000" indent="0">
-              <a:buNone/>
-              <a:defRPr sz="1600" b="1"/>
-            </a:lvl6pPr>
-            <a:lvl7pPr marL="2743200" indent="0">
-              <a:buNone/>
-              <a:defRPr sz="1600" b="1"/>
-            </a:lvl7pPr>
-            <a:lvl8pPr marL="3200400" indent="0">
-              <a:buNone/>
-              <a:defRPr sz="1600" b="1"/>
-            </a:lvl8pPr>
-            <a:lvl9pPr marL="3657600" indent="0">
-              <a:buNone/>
-              <a:defRPr sz="1600" b="1"/>
-            </a:lvl9pPr>
-          </a:lstStyle>
-          <a:p>
-            <a:pPr lvl="0"/>
-            <a:r>
-              <a:rPr lang="en-US" smtClean="0"/>
-              <a:t>Edit Master text styles</a:t>
-            </a:r>
-          </a:p>
-        </p:txBody>
-      </p:sp>
-      <p:sp>
-        <p:nvSpPr>
-          <p:cNvPr id="26" name="Picture Placeholder 2"/>
-          <p:cNvSpPr>
-            <a:spLocks noGrp="1" noChangeAspect="1"/>
-          </p:cNvSpPr>
-          <p:nvPr>
-            <p:ph type="pic" idx="22"/>
-          </p:nvPr>
-        </p:nvSpPr>
-        <p:spPr>
-          <a:xfrm>
-            <a:off x="7973298" y="2367093"/>
-            <a:ext cx="3304928" cy="1524000"/>
-          </a:xfrm>
-          <a:prstGeom prst="roundRect">
-            <a:avLst>
-              <a:gd name="adj" fmla="val 8841"/>
-            </a:avLst>
+      <p:cxnSp>
+        <p:nvCxnSpPr>
+          <p:cNvPr id="19" name="Straight Connector 18"/>
+          <p:cNvCxnSpPr/>
+          <p:nvPr/>
+        </p:nvCxnSpPr>
+        <p:spPr>
+          <a:xfrm>
+            <a:off x="3726142" y="2133600"/>
+            <a:ext cx="0" cy="3962400"/>
+          </a:xfrm>
+          <a:prstGeom prst="line">
+            <a:avLst/>
           </a:prstGeom>
-          <a:noFill/>
-          <a:ln w="82550" cap="sq">
+          <a:ln w="12700" cmpd="sng">
             <a:solidFill>
-              <a:srgbClr val="EAEAEA"/>
+              <a:schemeClr val="bg2">
+                <a:lumMod val="40000"/>
+                <a:lumOff val="60000"/>
+                <a:alpha val="40000"/>
+              </a:schemeClr>
             </a:solidFill>
-            <a:miter lim="800000"/>
           </a:ln>
-          <a:effectLst/>
-          <a:scene3d>
-            <a:camera prst="orthographicFront"/>
-            <a:lightRig rig="threePt" dir="t">
-              <a:rot lat="0" lon="0" rev="2700000"/>
-            </a:lightRig>
-          </a:scene3d>
-          <a:sp3d contourW="6350">
-            <a:bevelT h="38100"/>
-            <a:contourClr>
-              <a:srgbClr val="C0C0C0"/>
-            </a:contourClr>
-          </a:sp3d>
-        </p:spPr>
-        <p:txBody>
-          <a:bodyPr anchor="t">
-            <a:normAutofit/>
-          </a:bodyPr>
-          <a:lstStyle>
-            <a:lvl1pPr marL="0" indent="0" algn="ctr">
-              <a:buNone/>
-              <a:defRPr sz="1600"/>
-            </a:lvl1pPr>
-            <a:lvl2pPr marL="457200" indent="0">
-              <a:buNone/>
-              <a:defRPr sz="1600"/>
-            </a:lvl2pPr>
-            <a:lvl3pPr marL="914400" indent="0">
-              <a:buNone/>
-              <a:defRPr sz="1600"/>
-            </a:lvl3pPr>
-            <a:lvl4pPr marL="1371600" indent="0">
-              <a:buNone/>
-              <a:defRPr sz="1600"/>
-            </a:lvl4pPr>
-            <a:lvl5pPr marL="1828800" indent="0">
-              <a:buNone/>
-              <a:defRPr sz="1600"/>
-            </a:lvl5pPr>
-            <a:lvl6pPr marL="2286000" indent="0">
-              <a:buNone/>
-              <a:defRPr sz="1600"/>
-            </a:lvl6pPr>
-            <a:lvl7pPr marL="2743200" indent="0">
-              <a:buNone/>
-              <a:defRPr sz="1600"/>
-            </a:lvl7pPr>
-            <a:lvl8pPr marL="3200400" indent="0">
-              <a:buNone/>
-              <a:defRPr sz="1600"/>
-            </a:lvl8pPr>
-            <a:lvl9pPr marL="3657600" indent="0">
-              <a:buNone/>
-              <a:defRPr sz="1600"/>
-            </a:lvl9pPr>
-          </a:lstStyle>
-          <a:p>
-            <a:r>
-              <a:rPr lang="en-US" smtClean="0"/>
-              <a:t>Click icon to add picture</a:t>
-            </a:r>
-            <a:endParaRPr lang="en-US" dirty="0"/>
-          </a:p>
-        </p:txBody>
-      </p:sp>
-      <p:sp>
-        <p:nvSpPr>
-          <p:cNvPr id="27" name="Text Placeholder 3"/>
-          <p:cNvSpPr>
-            <a:spLocks noGrp="1"/>
-          </p:cNvSpPr>
-          <p:nvPr>
-            <p:ph type="body" sz="half" idx="20"/>
-          </p:nvPr>
-        </p:nvSpPr>
-        <p:spPr>
-          <a:xfrm>
-            <a:off x="7973173" y="4781078"/>
-            <a:ext cx="3305053" cy="1010121"/>
-          </a:xfrm>
-        </p:spPr>
-        <p:txBody>
-          <a:bodyPr anchor="t">
-            <a:normAutofit/>
-          </a:bodyPr>
-          <a:lstStyle>
-            <a:lvl1pPr marL="0" indent="0" algn="ctr">
-              <a:buNone/>
-              <a:defRPr sz="1400"/>
-            </a:lvl1pPr>
-            <a:lvl2pPr marL="457200" indent="0">
-              <a:buNone/>
-              <a:defRPr sz="1200"/>
-            </a:lvl2pPr>
-            <a:lvl3pPr marL="914400" indent="0">
-              <a:buNone/>
-              <a:defRPr sz="1000"/>
-            </a:lvl3pPr>
-            <a:lvl4pPr marL="1371600" indent="0">
-              <a:buNone/>
-              <a:defRPr sz="900"/>
-            </a:lvl4pPr>
-            <a:lvl5pPr marL="1828800" indent="0">
-              <a:buNone/>
-              <a:defRPr sz="900"/>
-            </a:lvl5pPr>
-            <a:lvl6pPr marL="2286000" indent="0">
-              <a:buNone/>
-              <a:defRPr sz="900"/>
-            </a:lvl6pPr>
-            <a:lvl7pPr marL="2743200" indent="0">
-              <a:buNone/>
-              <a:defRPr sz="900"/>
-            </a:lvl7pPr>
-            <a:lvl8pPr marL="3200400" indent="0">
-              <a:buNone/>
-              <a:defRPr sz="900"/>
-            </a:lvl8pPr>
-            <a:lvl9pPr marL="3657600" indent="0">
-              <a:buNone/>
-              <a:defRPr sz="900"/>
-            </a:lvl9pPr>
-          </a:lstStyle>
-          <a:p>
-            <a:pPr lvl="0"/>
-            <a:r>
-              <a:rPr lang="en-US" smtClean="0"/>
-              <a:t>Edit Master text styles</a:t>
-            </a:r>
-          </a:p>
-        </p:txBody>
-      </p:sp>
-      <p:sp>
-        <p:nvSpPr>
-          <p:cNvPr id="3" name="Date Placeholder 2"/>
+        </p:spPr>
+        <p:style>
+          <a:lnRef idx="2">
+            <a:schemeClr val="accent1"/>
+          </a:lnRef>
+          <a:fillRef idx="0">
+            <a:schemeClr val="accent1"/>
+          </a:fillRef>
+          <a:effectRef idx="1">
+            <a:schemeClr val="accent1"/>
+          </a:effectRef>
+          <a:fontRef idx="minor">
+            <a:schemeClr val="tx1"/>
+          </a:fontRef>
+        </p:style>
+      </p:cxnSp>
+      <p:cxnSp>
+        <p:nvCxnSpPr>
+          <p:cNvPr id="20" name="Straight Connector 19"/>
+          <p:cNvCxnSpPr/>
+          <p:nvPr/>
+        </p:nvCxnSpPr>
+        <p:spPr>
+          <a:xfrm>
+            <a:off x="6962227" y="2133600"/>
+            <a:ext cx="0" cy="3966882"/>
+          </a:xfrm>
+          <a:prstGeom prst="line">
+            <a:avLst/>
+          </a:prstGeom>
+          <a:ln w="12700" cmpd="sng">
+            <a:solidFill>
+              <a:schemeClr val="bg2">
+                <a:lumMod val="40000"/>
+                <a:lumOff val="60000"/>
+                <a:alpha val="40000"/>
+              </a:schemeClr>
+            </a:solidFill>
+          </a:ln>
+        </p:spPr>
+        <p:style>
+          <a:lnRef idx="2">
+            <a:schemeClr val="accent1"/>
+          </a:lnRef>
+          <a:fillRef idx="0">
+            <a:schemeClr val="accent1"/>
+          </a:fillRef>
+          <a:effectRef idx="1">
+            <a:schemeClr val="accent1"/>
+          </a:effectRef>
+          <a:fontRef idx="minor">
+            <a:schemeClr val="tx1"/>
+          </a:fontRef>
+        </p:style>
+      </p:cxnSp>
+      <p:sp>
+        <p:nvSpPr>
+          <p:cNvPr id="7" name="Date Placeholder 3"/>
           <p:cNvSpPr>
             <a:spLocks noGrp="1"/>
           </p:cNvSpPr>
@@ -3012,7 +2886,7 @@
             <a:fld id="{48A87A34-81AB-432B-8DAE-1953F412C126}" type="datetimeFigureOut">
               <a:rPr lang="en-US" smtClean="0"/>
               <a:pPr/>
-              <a:t>4/15/2021</a:t>
+              <a:t>4/18/2021</a:t>
             </a:fld>
             <a:endParaRPr lang="en-US" dirty="0"/>
           </a:p>
@@ -3020,7 +2894,7 @@
       </p:sp>
       <p:sp>
         <p:nvSpPr>
-          <p:cNvPr id="4" name="Footer Placeholder 3"/>
+          <p:cNvPr id="4" name="Footer Placeholder 4"/>
           <p:cNvSpPr>
             <a:spLocks noGrp="1"/>
           </p:cNvSpPr>
@@ -3039,7 +2913,7 @@
       </p:sp>
       <p:sp>
         <p:nvSpPr>
-          <p:cNvPr id="5" name="Slide Number Placeholder 4"/>
+          <p:cNvPr id="6" name="Slide Number Placeholder 5"/>
           <p:cNvSpPr>
             <a:spLocks noGrp="1"/>
           </p:cNvSpPr>
@@ -3064,7 +2938,7 @@
     </p:spTree>
     <p:extLst>
       <p:ext uri="{BB962C8B-B14F-4D97-AF65-F5344CB8AC3E}">
-        <p14:creationId xmlns:p14="http://schemas.microsoft.com/office/powerpoint/2010/main" val="3391933544"/>
+        <p14:creationId xmlns:p14="http://schemas.microsoft.com/office/powerpoint/2010/main" val="2555000302"/>
       </p:ext>
     </p:extLst>
   </p:cSld>
@@ -3091,36 +2965,6 @@
           <a:chExt cx="0" cy="0"/>
         </a:xfrm>
       </p:grpSpPr>
-      <p:pic>
-        <p:nvPicPr>
-          <p:cNvPr id="8" name="Picture 7" descr="Droplets-HD-Content-R1d.png"/>
-          <p:cNvPicPr>
-            <a:picLocks noChangeAspect="1"/>
-          </p:cNvPicPr>
-          <p:nvPr/>
-        </p:nvPicPr>
-        <p:blipFill>
-          <a:blip r:embed="rId2">
-            <a:extLst>
-              <a:ext uri="{28A0092B-C50C-407E-A947-70E740481C1C}">
-                <a14:useLocalDpi xmlns:a14="http://schemas.microsoft.com/office/drawing/2010/main" val="0"/>
-              </a:ext>
-            </a:extLst>
-          </a:blip>
-          <a:stretch>
-            <a:fillRect/>
-          </a:stretch>
-        </p:blipFill>
-        <p:spPr>
-          <a:xfrm>
-            <a:off x="0" y="0"/>
-            <a:ext cx="12192000" cy="6858000"/>
-          </a:xfrm>
-          <a:prstGeom prst="rect">
-            <a:avLst/>
-          </a:prstGeom>
-        </p:spPr>
-      </p:pic>
       <p:sp>
         <p:nvSpPr>
           <p:cNvPr id="2" name="Title 1"/>
@@ -3146,22 +2990,17 @@
       </p:sp>
       <p:sp>
         <p:nvSpPr>
-          <p:cNvPr id="11" name="Vertical Text Placeholder 2"/>
-          <p:cNvSpPr>
-            <a:spLocks noGrp="1"/>
-          </p:cNvSpPr>
-          <p:nvPr>
-            <p:ph type="body" orient="vert" sz="quarter" idx="13"/>
-          </p:nvPr>
-        </p:nvSpPr>
-        <p:spPr>
-          <a:xfrm>
-            <a:off x="913775" y="2367093"/>
-            <a:ext cx="10364452" cy="3424107"/>
-          </a:xfrm>
-        </p:spPr>
-        <p:txBody>
-          <a:bodyPr vert="eaVert"/>
+          <p:cNvPr id="3" name="Vertical Text Placeholder 2"/>
+          <p:cNvSpPr>
+            <a:spLocks noGrp="1"/>
+          </p:cNvSpPr>
+          <p:nvPr>
+            <p:ph type="body" orient="vert" idx="1"/>
+          </p:nvPr>
+        </p:nvSpPr>
+        <p:spPr/>
+        <p:txBody>
+          <a:bodyPr vert="eaVert" anchor="t" anchorCtr="0"/>
           <a:lstStyle/>
           <a:p>
             <a:pPr lvl="0"/>
@@ -3219,7 +3058,7 @@
             <a:fld id="{48A87A34-81AB-432B-8DAE-1953F412C126}" type="datetimeFigureOut">
               <a:rPr lang="en-US" smtClean="0"/>
               <a:pPr/>
-              <a:t>4/15/2021</a:t>
+              <a:t>4/18/2021</a:t>
             </a:fld>
             <a:endParaRPr lang="en-US" dirty="0"/>
           </a:p>
@@ -3271,7 +3110,7 @@
     </p:spTree>
     <p:extLst>
       <p:ext uri="{BB962C8B-B14F-4D97-AF65-F5344CB8AC3E}">
-        <p14:creationId xmlns:p14="http://schemas.microsoft.com/office/powerpoint/2010/main" val="3550979839"/>
+        <p14:creationId xmlns:p14="http://schemas.microsoft.com/office/powerpoint/2010/main" val="2795261274"/>
       </p:ext>
     </p:extLst>
   </p:cSld>
@@ -3298,36 +3137,6 @@
           <a:chExt cx="0" cy="0"/>
         </a:xfrm>
       </p:grpSpPr>
-      <p:pic>
-        <p:nvPicPr>
-          <p:cNvPr id="9" name="Picture 8" descr="Droplets-HD-Content-R1d.png"/>
-          <p:cNvPicPr>
-            <a:picLocks noChangeAspect="1"/>
-          </p:cNvPicPr>
-          <p:nvPr/>
-        </p:nvPicPr>
-        <p:blipFill>
-          <a:blip r:embed="rId2">
-            <a:extLst>
-              <a:ext uri="{28A0092B-C50C-407E-A947-70E740481C1C}">
-                <a14:useLocalDpi xmlns:a14="http://schemas.microsoft.com/office/drawing/2010/main" val="0"/>
-              </a:ext>
-            </a:extLst>
-          </a:blip>
-          <a:stretch>
-            <a:fillRect/>
-          </a:stretch>
-        </p:blipFill>
-        <p:spPr>
-          <a:xfrm>
-            <a:off x="0" y="0"/>
-            <a:ext cx="12192000" cy="6858000"/>
-          </a:xfrm>
-          <a:prstGeom prst="rect">
-            <a:avLst/>
-          </a:prstGeom>
-        </p:spPr>
-      </p:pic>
       <p:sp>
         <p:nvSpPr>
           <p:cNvPr id="2" name="Vertical Title 1"/>
@@ -3340,17 +3149,13 @@
         </p:nvSpPr>
         <p:spPr>
           <a:xfrm>
-            <a:off x="8724900" y="609601"/>
-            <a:ext cx="2553326" cy="5181599"/>
-          </a:xfrm>
-        </p:spPr>
-        <p:txBody>
-          <a:bodyPr vert="eaVert"/>
-          <a:lstStyle>
-            <a:lvl1pPr algn="l">
-              <a:defRPr/>
-            </a:lvl1pPr>
-          </a:lstStyle>
+            <a:off x="8304212" y="430213"/>
+            <a:ext cx="1752601" cy="5826125"/>
+          </a:xfrm>
+        </p:spPr>
+        <p:txBody>
+          <a:bodyPr vert="eaVert" anchor="b" anchorCtr="0"/>
+          <a:lstStyle/>
           <a:p>
             <a:r>
               <a:rPr lang="en-US" smtClean="0"/>
@@ -3362,18 +3167,18 @@
       </p:sp>
       <p:sp>
         <p:nvSpPr>
-          <p:cNvPr id="8" name="Vertical Text Placeholder 2"/>
-          <p:cNvSpPr>
-            <a:spLocks noGrp="1"/>
-          </p:cNvSpPr>
-          <p:nvPr>
-            <p:ph type="body" orient="vert" sz="quarter" idx="13"/>
-          </p:nvPr>
-        </p:nvSpPr>
-        <p:spPr>
-          <a:xfrm>
-            <a:off x="913775" y="609601"/>
-            <a:ext cx="7658724" cy="5181599"/>
+          <p:cNvPr id="3" name="Vertical Text Placeholder 2"/>
+          <p:cNvSpPr>
+            <a:spLocks noGrp="1"/>
+          </p:cNvSpPr>
+          <p:nvPr>
+            <p:ph type="body" orient="vert" idx="1"/>
+          </p:nvPr>
+        </p:nvSpPr>
+        <p:spPr>
+          <a:xfrm>
+            <a:off x="652463" y="887414"/>
+            <a:ext cx="7423149" cy="5368924"/>
           </a:xfrm>
         </p:spPr>
         <p:txBody>
@@ -3435,7 +3240,7 @@
             <a:fld id="{48A87A34-81AB-432B-8DAE-1953F412C126}" type="datetimeFigureOut">
               <a:rPr lang="en-US" smtClean="0"/>
               <a:pPr/>
-              <a:t>4/15/2021</a:t>
+              <a:t>4/18/2021</a:t>
             </a:fld>
             <a:endParaRPr lang="en-US" dirty="0"/>
           </a:p>
@@ -3487,192 +3292,7 @@
     </p:spTree>
     <p:extLst>
       <p:ext uri="{BB962C8B-B14F-4D97-AF65-F5344CB8AC3E}">
-        <p14:creationId xmlns:p14="http://schemas.microsoft.com/office/powerpoint/2010/main" val="545061210"/>
-      </p:ext>
-    </p:extLst>
-  </p:cSld>
-  <p:clrMapOvr>
-    <a:masterClrMapping/>
-  </p:clrMapOvr>
-</p:sldLayout>
-</file>
-
-<file path=ppt/slideLayouts/slideLayout18.xml><?xml version="1.0" encoding="utf-8"?>
-<p:sldLayout xmlns:a="http://schemas.openxmlformats.org/drawingml/2006/main" xmlns:r="http://schemas.openxmlformats.org/officeDocument/2006/relationships" xmlns:p="http://schemas.openxmlformats.org/presentationml/2006/main" type="obj">
-  <p:cSld name="1_Title and Content">
-    <p:spTree>
-      <p:nvGrpSpPr>
-        <p:cNvPr id="1" name=""/>
-        <p:cNvGrpSpPr/>
-        <p:nvPr/>
-      </p:nvGrpSpPr>
-      <p:grpSpPr>
-        <a:xfrm>
-          <a:off x="0" y="0"/>
-          <a:ext cx="0" cy="0"/>
-          <a:chOff x="0" y="0"/>
-          <a:chExt cx="0" cy="0"/>
-        </a:xfrm>
-      </p:grpSpPr>
-      <p:sp>
-        <p:nvSpPr>
-          <p:cNvPr id="2" name="Title 1"/>
-          <p:cNvSpPr>
-            <a:spLocks noGrp="1"/>
-          </p:cNvSpPr>
-          <p:nvPr>
-            <p:ph type="title"/>
-          </p:nvPr>
-        </p:nvSpPr>
-        <p:spPr>
-          <a:xfrm>
-            <a:off x="581192" y="702156"/>
-            <a:ext cx="11029616" cy="1013800"/>
-          </a:xfrm>
-        </p:spPr>
-        <p:txBody>
-          <a:bodyPr/>
-          <a:lstStyle/>
-          <a:p>
-            <a:r>
-              <a:rPr lang="en-US" smtClean="0"/>
-              <a:t>Click to edit Master title style</a:t>
-            </a:r>
-            <a:endParaRPr lang="en-US" dirty="0"/>
-          </a:p>
-        </p:txBody>
-      </p:sp>
-      <p:sp>
-        <p:nvSpPr>
-          <p:cNvPr id="3" name="Content Placeholder 2"/>
-          <p:cNvSpPr>
-            <a:spLocks noGrp="1"/>
-          </p:cNvSpPr>
-          <p:nvPr>
-            <p:ph idx="1"/>
-          </p:nvPr>
-        </p:nvSpPr>
-        <p:spPr>
-          <a:xfrm>
-            <a:off x="581192" y="2180496"/>
-            <a:ext cx="11029615" cy="3678303"/>
-          </a:xfrm>
-        </p:spPr>
-        <p:txBody>
-          <a:bodyPr/>
-          <a:lstStyle/>
-          <a:p>
-            <a:pPr lvl="0"/>
-            <a:r>
-              <a:rPr lang="en-US" smtClean="0"/>
-              <a:t>Edit Master text styles</a:t>
-            </a:r>
-          </a:p>
-          <a:p>
-            <a:pPr lvl="1"/>
-            <a:r>
-              <a:rPr lang="en-US" smtClean="0"/>
-              <a:t>Second level</a:t>
-            </a:r>
-          </a:p>
-          <a:p>
-            <a:pPr lvl="2"/>
-            <a:r>
-              <a:rPr lang="en-US" smtClean="0"/>
-              <a:t>Third level</a:t>
-            </a:r>
-          </a:p>
-          <a:p>
-            <a:pPr lvl="3"/>
-            <a:r>
-              <a:rPr lang="en-US" smtClean="0"/>
-              <a:t>Fourth level</a:t>
-            </a:r>
-          </a:p>
-          <a:p>
-            <a:pPr lvl="4"/>
-            <a:r>
-              <a:rPr lang="en-US" smtClean="0"/>
-              <a:t>Fifth level</a:t>
-            </a:r>
-            <a:endParaRPr lang="en-US" dirty="0"/>
-          </a:p>
-        </p:txBody>
-      </p:sp>
-      <p:sp>
-        <p:nvSpPr>
-          <p:cNvPr id="4" name="Date Placeholder 3"/>
-          <p:cNvSpPr>
-            <a:spLocks noGrp="1"/>
-          </p:cNvSpPr>
-          <p:nvPr>
-            <p:ph type="dt" sz="half" idx="10"/>
-          </p:nvPr>
-        </p:nvSpPr>
-        <p:spPr/>
-        <p:txBody>
-          <a:bodyPr/>
-          <a:lstStyle/>
-          <a:p>
-            <a:fld id="{48A87A34-81AB-432B-8DAE-1953F412C126}" type="datetimeFigureOut">
-              <a:rPr lang="en-US" smtClean="0"/>
-              <a:t>4/15/2021</a:t>
-            </a:fld>
-            <a:endParaRPr lang="en-US" dirty="0"/>
-          </a:p>
-        </p:txBody>
-      </p:sp>
-      <p:sp>
-        <p:nvSpPr>
-          <p:cNvPr id="5" name="Footer Placeholder 4"/>
-          <p:cNvSpPr>
-            <a:spLocks noGrp="1"/>
-          </p:cNvSpPr>
-          <p:nvPr>
-            <p:ph type="ftr" sz="quarter" idx="11"/>
-          </p:nvPr>
-        </p:nvSpPr>
-        <p:spPr/>
-        <p:txBody>
-          <a:bodyPr/>
-          <a:lstStyle/>
-          <a:p>
-            <a:endParaRPr lang="en-US" dirty="0"/>
-          </a:p>
-        </p:txBody>
-      </p:sp>
-      <p:sp>
-        <p:nvSpPr>
-          <p:cNvPr id="6" name="Slide Number Placeholder 5"/>
-          <p:cNvSpPr>
-            <a:spLocks noGrp="1"/>
-          </p:cNvSpPr>
-          <p:nvPr>
-            <p:ph type="sldNum" sz="quarter" idx="12"/>
-          </p:nvPr>
-        </p:nvSpPr>
-        <p:spPr>
-          <a:xfrm>
-            <a:off x="10558300" y="5956137"/>
-            <a:ext cx="1052508" cy="365125"/>
-          </a:xfrm>
-        </p:spPr>
-        <p:txBody>
-          <a:bodyPr/>
-          <a:lstStyle/>
-          <a:p>
-            <a:fld id="{6D22F896-40B5-4ADD-8801-0D06FADFA095}" type="slidenum">
-              <a:rPr lang="en-US" smtClean="0"/>
-              <a:t>‹#›</a:t>
-            </a:fld>
-            <a:endParaRPr lang="en-US" dirty="0"/>
-          </a:p>
-        </p:txBody>
-      </p:sp>
-    </p:spTree>
-    <p:extLst>
-      <p:ext uri="{BB962C8B-B14F-4D97-AF65-F5344CB8AC3E}">
-        <p14:creationId xmlns:p14="http://schemas.microsoft.com/office/powerpoint/2010/main" val="3191899066"/>
+        <p14:creationId xmlns:p14="http://schemas.microsoft.com/office/powerpoint/2010/main" val="3633655837"/>
       </p:ext>
     </p:extLst>
   </p:cSld>
@@ -3699,36 +3319,6 @@
           <a:chExt cx="0" cy="0"/>
         </a:xfrm>
       </p:grpSpPr>
-      <p:pic>
-        <p:nvPicPr>
-          <p:cNvPr id="3" name="Picture 2" descr="Droplets-HD-Content-R1d.png"/>
-          <p:cNvPicPr>
-            <a:picLocks noChangeAspect="1"/>
-          </p:cNvPicPr>
-          <p:nvPr/>
-        </p:nvPicPr>
-        <p:blipFill>
-          <a:blip r:embed="rId2">
-            <a:extLst>
-              <a:ext uri="{28A0092B-C50C-407E-A947-70E740481C1C}">
-                <a14:useLocalDpi xmlns:a14="http://schemas.microsoft.com/office/drawing/2010/main" val="0"/>
-              </a:ext>
-            </a:extLst>
-          </a:blip>
-          <a:stretch>
-            <a:fillRect/>
-          </a:stretch>
-        </p:blipFill>
-        <p:spPr>
-          <a:xfrm>
-            <a:off x="0" y="0"/>
-            <a:ext cx="12192000" cy="6858000"/>
-          </a:xfrm>
-          <a:prstGeom prst="rect">
-            <a:avLst/>
-          </a:prstGeom>
-        </p:spPr>
-      </p:pic>
       <p:sp>
         <p:nvSpPr>
           <p:cNvPr id="2" name="Title 1"/>
@@ -3754,20 +3344,15 @@
       </p:sp>
       <p:sp>
         <p:nvSpPr>
-          <p:cNvPr id="12" name="Content Placeholder 2"/>
-          <p:cNvSpPr>
-            <a:spLocks noGrp="1"/>
-          </p:cNvSpPr>
-          <p:nvPr>
-            <p:ph sz="quarter" idx="13"/>
-          </p:nvPr>
-        </p:nvSpPr>
-        <p:spPr>
-          <a:xfrm>
-            <a:off x="913774" y="2367092"/>
-            <a:ext cx="10363826" cy="3424107"/>
-          </a:xfrm>
-        </p:spPr>
+          <p:cNvPr id="3" name="Content Placeholder 2"/>
+          <p:cNvSpPr>
+            <a:spLocks noGrp="1"/>
+          </p:cNvSpPr>
+          <p:nvPr>
+            <p:ph idx="1"/>
+          </p:nvPr>
+        </p:nvSpPr>
+        <p:spPr/>
         <p:txBody>
           <a:bodyPr/>
           <a:lstStyle/>
@@ -3811,7 +3396,7 @@
       </p:sp>
       <p:sp>
         <p:nvSpPr>
-          <p:cNvPr id="4" name="Date Placeholder 3"/>
+          <p:cNvPr id="7" name="Date Placeholder 3"/>
           <p:cNvSpPr>
             <a:spLocks noGrp="1"/>
           </p:cNvSpPr>
@@ -3827,7 +3412,7 @@
             <a:fld id="{48A87A34-81AB-432B-8DAE-1953F412C126}" type="datetimeFigureOut">
               <a:rPr lang="en-US" smtClean="0"/>
               <a:pPr/>
-              <a:t>4/15/2021</a:t>
+              <a:t>4/18/2021</a:t>
             </a:fld>
             <a:endParaRPr lang="en-US" dirty="0"/>
           </a:p>
@@ -3879,7 +3464,7 @@
     </p:spTree>
     <p:extLst>
       <p:ext uri="{BB962C8B-B14F-4D97-AF65-F5344CB8AC3E}">
-        <p14:creationId xmlns:p14="http://schemas.microsoft.com/office/powerpoint/2010/main" val="175675596"/>
+        <p14:creationId xmlns:p14="http://schemas.microsoft.com/office/powerpoint/2010/main" val="3566736131"/>
       </p:ext>
     </p:extLst>
   </p:cSld>
@@ -3906,36 +3491,6 @@
           <a:chExt cx="0" cy="0"/>
         </a:xfrm>
       </p:grpSpPr>
-      <p:pic>
-        <p:nvPicPr>
-          <p:cNvPr id="9" name="Picture 8" descr="Droplets-HD-Content-R1d.png"/>
-          <p:cNvPicPr>
-            <a:picLocks noChangeAspect="1"/>
-          </p:cNvPicPr>
-          <p:nvPr/>
-        </p:nvPicPr>
-        <p:blipFill>
-          <a:blip r:embed="rId2">
-            <a:extLst>
-              <a:ext uri="{28A0092B-C50C-407E-A947-70E740481C1C}">
-                <a14:useLocalDpi xmlns:a14="http://schemas.microsoft.com/office/drawing/2010/main" val="0"/>
-              </a:ext>
-            </a:extLst>
-          </a:blip>
-          <a:stretch>
-            <a:fillRect/>
-          </a:stretch>
-        </p:blipFill>
-        <p:spPr>
-          <a:xfrm>
-            <a:off x="0" y="0"/>
-            <a:ext cx="12192000" cy="6858000"/>
-          </a:xfrm>
-          <a:prstGeom prst="rect">
-            <a:avLst/>
-          </a:prstGeom>
-        </p:spPr>
-      </p:pic>
       <p:sp>
         <p:nvSpPr>
           <p:cNvPr id="2" name="Title 1"/>
@@ -3948,17 +3503,15 @@
         </p:nvSpPr>
         <p:spPr>
           <a:xfrm>
-            <a:off x="913774" y="828563"/>
-            <a:ext cx="10351752" cy="2736819"/>
-          </a:xfrm>
-        </p:spPr>
-        <p:txBody>
-          <a:bodyPr anchor="b">
-            <a:normAutofit/>
-          </a:bodyPr>
+            <a:off x="1154956" y="2861733"/>
+            <a:ext cx="8825657" cy="1915647"/>
+          </a:xfrm>
+        </p:spPr>
+        <p:txBody>
+          <a:bodyPr anchor="b"/>
           <a:lstStyle>
-            <a:lvl1pPr>
-              <a:defRPr sz="4000"/>
+            <a:lvl1pPr algn="l">
+              <a:defRPr sz="4000" b="0" cap="none"/>
             </a:lvl1pPr>
           </a:lstStyle>
           <a:p>
@@ -3982,28 +3535,27 @@
         </p:nvSpPr>
         <p:spPr>
           <a:xfrm>
-            <a:off x="913774" y="3657457"/>
-            <a:ext cx="10351752" cy="1368183"/>
-          </a:xfrm>
-        </p:spPr>
-        <p:txBody>
-          <a:bodyPr>
-            <a:normAutofit/>
-          </a:bodyPr>
+            <a:off x="1154955" y="4777381"/>
+            <a:ext cx="8825658" cy="860400"/>
+          </a:xfrm>
+        </p:spPr>
+        <p:txBody>
+          <a:bodyPr anchor="t"/>
           <a:lstStyle>
-            <a:lvl1pPr marL="0" indent="0" algn="ctr">
-              <a:buNone/>
-              <a:defRPr sz="2000">
+            <a:lvl1pPr marL="0" indent="0" algn="l">
+              <a:buNone/>
+              <a:defRPr sz="2000" cap="all">
                 <a:solidFill>
-                  <a:schemeClr val="bg1">
-                    <a:lumMod val="50000"/>
+                  <a:schemeClr val="bg2">
+                    <a:lumMod val="40000"/>
+                    <a:lumOff val="60000"/>
                   </a:schemeClr>
                 </a:solidFill>
               </a:defRPr>
             </a:lvl1pPr>
             <a:lvl2pPr marL="457200" indent="0">
               <a:buNone/>
-              <a:defRPr sz="2000">
+              <a:defRPr sz="1800">
                 <a:solidFill>
                   <a:schemeClr val="tx1">
                     <a:tint val="75000"/>
@@ -4013,7 +3565,7 @@
             </a:lvl2pPr>
             <a:lvl3pPr marL="914400" indent="0">
               <a:buNone/>
-              <a:defRPr sz="1800">
+              <a:defRPr sz="1600">
                 <a:solidFill>
                   <a:schemeClr val="tx1">
                     <a:tint val="75000"/>
@@ -4023,7 +3575,7 @@
             </a:lvl3pPr>
             <a:lvl4pPr marL="1371600" indent="0">
               <a:buNone/>
-              <a:defRPr sz="1600">
+              <a:defRPr sz="1400">
                 <a:solidFill>
                   <a:schemeClr val="tx1">
                     <a:tint val="75000"/>
@@ -4033,7 +3585,7 @@
             </a:lvl4pPr>
             <a:lvl5pPr marL="1828800" indent="0">
               <a:buNone/>
-              <a:defRPr sz="1600">
+              <a:defRPr sz="1400">
                 <a:solidFill>
                   <a:schemeClr val="tx1">
                     <a:tint val="75000"/>
@@ -4043,7 +3595,7 @@
             </a:lvl5pPr>
             <a:lvl6pPr marL="2286000" indent="0">
               <a:buNone/>
-              <a:defRPr sz="1600">
+              <a:defRPr sz="1400">
                 <a:solidFill>
                   <a:schemeClr val="tx1">
                     <a:tint val="75000"/>
@@ -4053,7 +3605,7 @@
             </a:lvl6pPr>
             <a:lvl7pPr marL="2743200" indent="0">
               <a:buNone/>
-              <a:defRPr sz="1600">
+              <a:defRPr sz="1400">
                 <a:solidFill>
                   <a:schemeClr val="tx1">
                     <a:tint val="75000"/>
@@ -4063,7 +3615,7 @@
             </a:lvl7pPr>
             <a:lvl8pPr marL="3200400" indent="0">
               <a:buNone/>
-              <a:defRPr sz="1600">
+              <a:defRPr sz="1400">
                 <a:solidFill>
                   <a:schemeClr val="tx1">
                     <a:tint val="75000"/>
@@ -4073,7 +3625,7 @@
             </a:lvl8pPr>
             <a:lvl9pPr marL="3657600" indent="0">
               <a:buNone/>
-              <a:defRPr sz="1600">
+              <a:defRPr sz="1400">
                 <a:solidFill>
                   <a:schemeClr val="tx1">
                     <a:tint val="75000"/>
@@ -4108,7 +3660,7 @@
           <a:p>
             <a:fld id="{48A87A34-81AB-432B-8DAE-1953F412C126}" type="datetimeFigureOut">
               <a:rPr lang="en-US" smtClean="0"/>
-              <a:t>4/15/2021</a:t>
+              <a:t>4/18/2021</a:t>
             </a:fld>
             <a:endParaRPr lang="en-US" dirty="0"/>
           </a:p>
@@ -4159,7 +3711,7 @@
     </p:spTree>
     <p:extLst>
       <p:ext uri="{BB962C8B-B14F-4D97-AF65-F5344CB8AC3E}">
-        <p14:creationId xmlns:p14="http://schemas.microsoft.com/office/powerpoint/2010/main" val="1456539005"/>
+        <p14:creationId xmlns:p14="http://schemas.microsoft.com/office/powerpoint/2010/main" val="2130721204"/>
       </p:ext>
     </p:extLst>
   </p:cSld>
@@ -4186,39 +3738,9 @@
           <a:chExt cx="0" cy="0"/>
         </a:xfrm>
       </p:grpSpPr>
-      <p:pic>
-        <p:nvPicPr>
-          <p:cNvPr id="10" name="Picture 9" descr="Droplets-HD-Content-R1d.png"/>
-          <p:cNvPicPr>
-            <a:picLocks noChangeAspect="1"/>
-          </p:cNvPicPr>
-          <p:nvPr/>
-        </p:nvPicPr>
-        <p:blipFill>
-          <a:blip r:embed="rId2">
-            <a:extLst>
-              <a:ext uri="{28A0092B-C50C-407E-A947-70E740481C1C}">
-                <a14:useLocalDpi xmlns:a14="http://schemas.microsoft.com/office/drawing/2010/main" val="0"/>
-              </a:ext>
-            </a:extLst>
-          </a:blip>
-          <a:stretch>
-            <a:fillRect/>
-          </a:stretch>
-        </p:blipFill>
-        <p:spPr>
-          <a:xfrm>
-            <a:off x="0" y="0"/>
-            <a:ext cx="12192000" cy="6858000"/>
-          </a:xfrm>
-          <a:prstGeom prst="rect">
-            <a:avLst/>
-          </a:prstGeom>
-        </p:spPr>
-      </p:pic>
-      <p:sp>
-        <p:nvSpPr>
-          <p:cNvPr id="14" name="Title 1"/>
+      <p:sp>
+        <p:nvSpPr>
+          <p:cNvPr id="2" name="Title 1"/>
           <p:cNvSpPr>
             <a:spLocks noGrp="1"/>
           </p:cNvSpPr>
@@ -4226,12 +3748,7 @@
             <p:ph type="title"/>
           </p:nvPr>
         </p:nvSpPr>
-        <p:spPr>
-          <a:xfrm>
-            <a:off x="913775" y="618517"/>
-            <a:ext cx="10364451" cy="1596177"/>
-          </a:xfrm>
-        </p:spPr>
+        <p:spPr/>
         <p:txBody>
           <a:bodyPr/>
           <a:lstStyle/>
@@ -4246,137 +3763,197 @@
       </p:sp>
       <p:sp>
         <p:nvSpPr>
-          <p:cNvPr id="12" name="Content Placeholder 2"/>
-          <p:cNvSpPr>
-            <a:spLocks noGrp="1"/>
-          </p:cNvSpPr>
-          <p:nvPr>
-            <p:ph sz="quarter" idx="13"/>
-          </p:nvPr>
-        </p:nvSpPr>
-        <p:spPr>
-          <a:xfrm>
-            <a:off x="913774" y="2367092"/>
-            <a:ext cx="5106026" cy="3424107"/>
-          </a:xfrm>
-        </p:spPr>
+          <p:cNvPr id="3" name="Content Placeholder 2"/>
+          <p:cNvSpPr>
+            <a:spLocks noGrp="1"/>
+          </p:cNvSpPr>
+          <p:nvPr>
+            <p:ph sz="half" idx="1"/>
+          </p:nvPr>
+        </p:nvSpPr>
+        <p:spPr>
+          <a:xfrm>
+            <a:off x="1103312" y="2060575"/>
+            <a:ext cx="4396339" cy="4195763"/>
+          </a:xfrm>
+        </p:spPr>
+        <p:txBody>
+          <a:bodyPr>
+            <a:normAutofit/>
+          </a:bodyPr>
+          <a:lstStyle>
+            <a:lvl1pPr>
+              <a:defRPr sz="1800"/>
+            </a:lvl1pPr>
+            <a:lvl2pPr>
+              <a:defRPr sz="1600"/>
+            </a:lvl2pPr>
+            <a:lvl3pPr>
+              <a:defRPr sz="1400"/>
+            </a:lvl3pPr>
+            <a:lvl4pPr>
+              <a:defRPr sz="1200"/>
+            </a:lvl4pPr>
+            <a:lvl5pPr>
+              <a:defRPr sz="1200"/>
+            </a:lvl5pPr>
+            <a:lvl6pPr>
+              <a:defRPr sz="1200"/>
+            </a:lvl6pPr>
+            <a:lvl7pPr>
+              <a:defRPr sz="1200"/>
+            </a:lvl7pPr>
+            <a:lvl8pPr>
+              <a:defRPr sz="1200"/>
+            </a:lvl8pPr>
+            <a:lvl9pPr>
+              <a:defRPr sz="1200"/>
+            </a:lvl9pPr>
+          </a:lstStyle>
+          <a:p>
+            <a:pPr lvl="0"/>
+            <a:r>
+              <a:rPr lang="en-US" smtClean="0"/>
+              <a:t>Edit Master text styles</a:t>
+            </a:r>
+          </a:p>
+          <a:p>
+            <a:pPr lvl="1"/>
+            <a:r>
+              <a:rPr lang="en-US" smtClean="0"/>
+              <a:t>Second level</a:t>
+            </a:r>
+          </a:p>
+          <a:p>
+            <a:pPr lvl="2"/>
+            <a:r>
+              <a:rPr lang="en-US" smtClean="0"/>
+              <a:t>Third level</a:t>
+            </a:r>
+          </a:p>
+          <a:p>
+            <a:pPr lvl="3"/>
+            <a:r>
+              <a:rPr lang="en-US" smtClean="0"/>
+              <a:t>Fourth level</a:t>
+            </a:r>
+          </a:p>
+          <a:p>
+            <a:pPr lvl="4"/>
+            <a:r>
+              <a:rPr lang="en-US" smtClean="0"/>
+              <a:t>Fifth level</a:t>
+            </a:r>
+            <a:endParaRPr lang="en-US" dirty="0"/>
+          </a:p>
+        </p:txBody>
+      </p:sp>
+      <p:sp>
+        <p:nvSpPr>
+          <p:cNvPr id="4" name="Content Placeholder 3"/>
+          <p:cNvSpPr>
+            <a:spLocks noGrp="1"/>
+          </p:cNvSpPr>
+          <p:nvPr>
+            <p:ph sz="half" idx="2"/>
+          </p:nvPr>
+        </p:nvSpPr>
+        <p:spPr>
+          <a:xfrm>
+            <a:off x="5654493" y="2056092"/>
+            <a:ext cx="4396341" cy="4200245"/>
+          </a:xfrm>
+        </p:spPr>
+        <p:txBody>
+          <a:bodyPr>
+            <a:normAutofit/>
+          </a:bodyPr>
+          <a:lstStyle>
+            <a:lvl1pPr>
+              <a:defRPr sz="1800"/>
+            </a:lvl1pPr>
+            <a:lvl2pPr>
+              <a:defRPr sz="1600"/>
+            </a:lvl2pPr>
+            <a:lvl3pPr>
+              <a:defRPr sz="1400"/>
+            </a:lvl3pPr>
+            <a:lvl4pPr>
+              <a:defRPr sz="1200"/>
+            </a:lvl4pPr>
+            <a:lvl5pPr>
+              <a:defRPr sz="1200"/>
+            </a:lvl5pPr>
+            <a:lvl6pPr>
+              <a:defRPr sz="1200"/>
+            </a:lvl6pPr>
+            <a:lvl7pPr>
+              <a:defRPr sz="1200"/>
+            </a:lvl7pPr>
+            <a:lvl8pPr>
+              <a:defRPr sz="1200"/>
+            </a:lvl8pPr>
+            <a:lvl9pPr>
+              <a:defRPr sz="1200"/>
+            </a:lvl9pPr>
+          </a:lstStyle>
+          <a:p>
+            <a:pPr lvl="0"/>
+            <a:r>
+              <a:rPr lang="en-US" smtClean="0"/>
+              <a:t>Edit Master text styles</a:t>
+            </a:r>
+          </a:p>
+          <a:p>
+            <a:pPr lvl="1"/>
+            <a:r>
+              <a:rPr lang="en-US" smtClean="0"/>
+              <a:t>Second level</a:t>
+            </a:r>
+          </a:p>
+          <a:p>
+            <a:pPr lvl="2"/>
+            <a:r>
+              <a:rPr lang="en-US" smtClean="0"/>
+              <a:t>Third level</a:t>
+            </a:r>
+          </a:p>
+          <a:p>
+            <a:pPr lvl="3"/>
+            <a:r>
+              <a:rPr lang="en-US" smtClean="0"/>
+              <a:t>Fourth level</a:t>
+            </a:r>
+          </a:p>
+          <a:p>
+            <a:pPr lvl="4"/>
+            <a:r>
+              <a:rPr lang="en-US" smtClean="0"/>
+              <a:t>Fifth level</a:t>
+            </a:r>
+            <a:endParaRPr lang="en-US" dirty="0"/>
+          </a:p>
+        </p:txBody>
+      </p:sp>
+      <p:sp>
+        <p:nvSpPr>
+          <p:cNvPr id="5" name="Date Placeholder 4"/>
+          <p:cNvSpPr>
+            <a:spLocks noGrp="1"/>
+          </p:cNvSpPr>
+          <p:nvPr>
+            <p:ph type="dt" sz="half" idx="10"/>
+          </p:nvPr>
+        </p:nvSpPr>
+        <p:spPr/>
         <p:txBody>
           <a:bodyPr/>
           <a:lstStyle/>
           <a:p>
-            <a:pPr lvl="0"/>
-            <a:r>
-              <a:rPr lang="en-US" smtClean="0"/>
-              <a:t>Edit Master text styles</a:t>
-            </a:r>
-          </a:p>
-          <a:p>
-            <a:pPr lvl="1"/>
-            <a:r>
-              <a:rPr lang="en-US" smtClean="0"/>
-              <a:t>Second level</a:t>
-            </a:r>
-          </a:p>
-          <a:p>
-            <a:pPr lvl="2"/>
-            <a:r>
-              <a:rPr lang="en-US" smtClean="0"/>
-              <a:t>Third level</a:t>
-            </a:r>
-          </a:p>
-          <a:p>
-            <a:pPr lvl="3"/>
-            <a:r>
-              <a:rPr lang="en-US" smtClean="0"/>
-              <a:t>Fourth level</a:t>
-            </a:r>
-          </a:p>
-          <a:p>
-            <a:pPr lvl="4"/>
-            <a:r>
-              <a:rPr lang="en-US" smtClean="0"/>
-              <a:t>Fifth level</a:t>
-            </a:r>
-            <a:endParaRPr lang="en-US" dirty="0"/>
-          </a:p>
-        </p:txBody>
-      </p:sp>
-      <p:sp>
-        <p:nvSpPr>
-          <p:cNvPr id="13" name="Content Placeholder 3"/>
-          <p:cNvSpPr>
-            <a:spLocks noGrp="1"/>
-          </p:cNvSpPr>
-          <p:nvPr>
-            <p:ph sz="quarter" idx="14"/>
-          </p:nvPr>
-        </p:nvSpPr>
-        <p:spPr>
-          <a:xfrm>
-            <a:off x="6172200" y="2367092"/>
-            <a:ext cx="5105400" cy="3424107"/>
-          </a:xfrm>
-        </p:spPr>
-        <p:txBody>
-          <a:bodyPr/>
-          <a:lstStyle/>
-          <a:p>
-            <a:pPr lvl="0"/>
-            <a:r>
-              <a:rPr lang="en-US" smtClean="0"/>
-              <a:t>Edit Master text styles</a:t>
-            </a:r>
-          </a:p>
-          <a:p>
-            <a:pPr lvl="1"/>
-            <a:r>
-              <a:rPr lang="en-US" smtClean="0"/>
-              <a:t>Second level</a:t>
-            </a:r>
-          </a:p>
-          <a:p>
-            <a:pPr lvl="2"/>
-            <a:r>
-              <a:rPr lang="en-US" smtClean="0"/>
-              <a:t>Third level</a:t>
-            </a:r>
-          </a:p>
-          <a:p>
-            <a:pPr lvl="3"/>
-            <a:r>
-              <a:rPr lang="en-US" smtClean="0"/>
-              <a:t>Fourth level</a:t>
-            </a:r>
-          </a:p>
-          <a:p>
-            <a:pPr lvl="4"/>
-            <a:r>
-              <a:rPr lang="en-US" smtClean="0"/>
-              <a:t>Fifth level</a:t>
-            </a:r>
-            <a:endParaRPr lang="en-US" dirty="0"/>
-          </a:p>
-        </p:txBody>
-      </p:sp>
-      <p:sp>
-        <p:nvSpPr>
-          <p:cNvPr id="5" name="Date Placeholder 4"/>
-          <p:cNvSpPr>
-            <a:spLocks noGrp="1"/>
-          </p:cNvSpPr>
-          <p:nvPr>
-            <p:ph type="dt" sz="half" idx="10"/>
-          </p:nvPr>
-        </p:nvSpPr>
-        <p:spPr/>
-        <p:txBody>
-          <a:bodyPr/>
-          <a:lstStyle/>
-          <a:p>
             <a:fld id="{48A87A34-81AB-432B-8DAE-1953F412C126}" type="datetimeFigureOut">
               <a:rPr lang="en-US" smtClean="0"/>
               <a:pPr/>
-              <a:t>4/15/2021</a:t>
+              <a:t>4/18/2021</a:t>
             </a:fld>
             <a:endParaRPr lang="en-US" dirty="0"/>
           </a:p>
@@ -4428,7 +4005,7 @@
     </p:spTree>
     <p:extLst>
       <p:ext uri="{BB962C8B-B14F-4D97-AF65-F5344CB8AC3E}">
-        <p14:creationId xmlns:p14="http://schemas.microsoft.com/office/powerpoint/2010/main" val="3815518114"/>
+        <p14:creationId xmlns:p14="http://schemas.microsoft.com/office/powerpoint/2010/main" val="145434715"/>
       </p:ext>
     </p:extLst>
   </p:cSld>
@@ -4455,39 +4032,9 @@
           <a:chExt cx="0" cy="0"/>
         </a:xfrm>
       </p:grpSpPr>
-      <p:pic>
-        <p:nvPicPr>
-          <p:cNvPr id="15" name="Picture 14" descr="Droplets-HD-Content-R1d.png"/>
-          <p:cNvPicPr>
-            <a:picLocks noChangeAspect="1"/>
-          </p:cNvPicPr>
-          <p:nvPr/>
-        </p:nvPicPr>
-        <p:blipFill>
-          <a:blip r:embed="rId2">
-            <a:extLst>
-              <a:ext uri="{28A0092B-C50C-407E-A947-70E740481C1C}">
-                <a14:useLocalDpi xmlns:a14="http://schemas.microsoft.com/office/drawing/2010/main" val="0"/>
-              </a:ext>
-            </a:extLst>
-          </a:blip>
-          <a:stretch>
-            <a:fillRect/>
-          </a:stretch>
-        </p:blipFill>
-        <p:spPr>
-          <a:xfrm>
-            <a:off x="0" y="0"/>
-            <a:ext cx="12192000" cy="6858000"/>
-          </a:xfrm>
-          <a:prstGeom prst="rect">
-            <a:avLst/>
-          </a:prstGeom>
-        </p:spPr>
-      </p:pic>
-      <p:sp>
-        <p:nvSpPr>
-          <p:cNvPr id="14" name="Title 1"/>
+      <p:sp>
+        <p:nvSpPr>
+          <p:cNvPr id="2" name="Title 1"/>
           <p:cNvSpPr>
             <a:spLocks noGrp="1"/>
           </p:cNvSpPr>
@@ -4495,15 +4042,14 @@
             <p:ph type="title"/>
           </p:nvPr>
         </p:nvSpPr>
-        <p:spPr>
-          <a:xfrm>
-            <a:off x="913775" y="618517"/>
-            <a:ext cx="10364451" cy="1596177"/>
-          </a:xfrm>
-        </p:spPr>
+        <p:spPr/>
         <p:txBody>
           <a:bodyPr/>
-          <a:lstStyle/>
+          <a:lstStyle>
+            <a:lvl1pPr>
+              <a:defRPr/>
+            </a:lvl1pPr>
+          </a:lstStyle>
           <a:p>
             <a:r>
               <a:rPr lang="en-US" smtClean="0"/>
@@ -4525,8 +4071,8 @@
         </p:nvSpPr>
         <p:spPr>
           <a:xfrm>
-            <a:off x="1146328" y="2371018"/>
-            <a:ext cx="4873474" cy="679994"/>
+            <a:off x="1103313" y="1905000"/>
+            <a:ext cx="4396338" cy="576262"/>
           </a:xfrm>
         </p:spPr>
         <p:txBody>
@@ -4535,13 +4081,13 @@
           </a:bodyPr>
           <a:lstStyle>
             <a:lvl1pPr marL="0" indent="0">
-              <a:lnSpc>
-                <a:spcPct val="85000"/>
-              </a:lnSpc>
-              <a:buNone/>
-              <a:defRPr sz="2600" b="0">
+              <a:buNone/>
+              <a:defRPr sz="2400" b="0">
                 <a:solidFill>
-                  <a:schemeClr val="tx1"/>
+                  <a:schemeClr val="bg2">
+                    <a:lumMod val="40000"/>
+                    <a:lumOff val="60000"/>
+                  </a:schemeClr>
                 </a:solidFill>
               </a:defRPr>
             </a:lvl1pPr>
@@ -4589,23 +4135,53 @@
       </p:sp>
       <p:sp>
         <p:nvSpPr>
-          <p:cNvPr id="12" name="Content Placeholder 3"/>
-          <p:cNvSpPr>
-            <a:spLocks noGrp="1"/>
-          </p:cNvSpPr>
-          <p:nvPr>
-            <p:ph sz="quarter" idx="13"/>
-          </p:nvPr>
-        </p:nvSpPr>
-        <p:spPr>
-          <a:xfrm>
-            <a:off x="913774" y="3051012"/>
-            <a:ext cx="5106027" cy="2740187"/>
-          </a:xfrm>
-        </p:spPr>
-        <p:txBody>
-          <a:bodyPr/>
-          <a:lstStyle/>
+          <p:cNvPr id="4" name="Content Placeholder 3"/>
+          <p:cNvSpPr>
+            <a:spLocks noGrp="1"/>
+          </p:cNvSpPr>
+          <p:nvPr>
+            <p:ph sz="half" idx="2"/>
+          </p:nvPr>
+        </p:nvSpPr>
+        <p:spPr>
+          <a:xfrm>
+            <a:off x="1103312" y="2514600"/>
+            <a:ext cx="4396339" cy="3741738"/>
+          </a:xfrm>
+        </p:spPr>
+        <p:txBody>
+          <a:bodyPr>
+            <a:normAutofit/>
+          </a:bodyPr>
+          <a:lstStyle>
+            <a:lvl1pPr>
+              <a:defRPr sz="1800"/>
+            </a:lvl1pPr>
+            <a:lvl2pPr>
+              <a:defRPr sz="1600"/>
+            </a:lvl2pPr>
+            <a:lvl3pPr>
+              <a:defRPr sz="1400"/>
+            </a:lvl3pPr>
+            <a:lvl4pPr>
+              <a:defRPr sz="1200"/>
+            </a:lvl4pPr>
+            <a:lvl5pPr>
+              <a:defRPr sz="1200"/>
+            </a:lvl5pPr>
+            <a:lvl6pPr>
+              <a:defRPr sz="1200"/>
+            </a:lvl6pPr>
+            <a:lvl7pPr>
+              <a:defRPr sz="1200"/>
+            </a:lvl7pPr>
+            <a:lvl8pPr>
+              <a:defRPr sz="1200"/>
+            </a:lvl8pPr>
+            <a:lvl9pPr>
+              <a:defRPr sz="1200"/>
+            </a:lvl9pPr>
+          </a:lstStyle>
           <a:p>
             <a:pPr lvl="0"/>
             <a:r>
@@ -4656,8 +4232,8 @@
         </p:nvSpPr>
         <p:spPr>
           <a:xfrm>
-            <a:off x="6396423" y="2371018"/>
-            <a:ext cx="4881804" cy="679994"/>
+            <a:off x="5654495" y="1905000"/>
+            <a:ext cx="4396339" cy="576262"/>
           </a:xfrm>
         </p:spPr>
         <p:txBody>
@@ -4666,13 +4242,13 @@
           </a:bodyPr>
           <a:lstStyle>
             <a:lvl1pPr marL="0" indent="0">
-              <a:lnSpc>
-                <a:spcPct val="85000"/>
-              </a:lnSpc>
-              <a:buNone/>
-              <a:defRPr sz="2600" b="0">
+              <a:buNone/>
+              <a:defRPr sz="2400" b="0">
                 <a:solidFill>
-                  <a:schemeClr val="tx1"/>
+                  <a:schemeClr val="bg2">
+                    <a:lumMod val="40000"/>
+                    <a:lumOff val="60000"/>
+                  </a:schemeClr>
                 </a:solidFill>
               </a:defRPr>
             </a:lvl1pPr>
@@ -4720,80 +4296,110 @@
       </p:sp>
       <p:sp>
         <p:nvSpPr>
-          <p:cNvPr id="13" name="Content Placeholder 5"/>
-          <p:cNvSpPr>
-            <a:spLocks noGrp="1"/>
-          </p:cNvSpPr>
-          <p:nvPr>
-            <p:ph sz="quarter" idx="14"/>
-          </p:nvPr>
-        </p:nvSpPr>
-        <p:spPr>
-          <a:xfrm>
-            <a:off x="6172200" y="3051012"/>
-            <a:ext cx="5105401" cy="2740187"/>
-          </a:xfrm>
-        </p:spPr>
+          <p:cNvPr id="6" name="Content Placeholder 5"/>
+          <p:cNvSpPr>
+            <a:spLocks noGrp="1"/>
+          </p:cNvSpPr>
+          <p:nvPr>
+            <p:ph sz="quarter" idx="4"/>
+          </p:nvPr>
+        </p:nvSpPr>
+        <p:spPr>
+          <a:xfrm>
+            <a:off x="5654495" y="2514600"/>
+            <a:ext cx="4396339" cy="3741738"/>
+          </a:xfrm>
+        </p:spPr>
+        <p:txBody>
+          <a:bodyPr>
+            <a:normAutofit/>
+          </a:bodyPr>
+          <a:lstStyle>
+            <a:lvl1pPr>
+              <a:defRPr sz="1800"/>
+            </a:lvl1pPr>
+            <a:lvl2pPr>
+              <a:defRPr sz="1600"/>
+            </a:lvl2pPr>
+            <a:lvl3pPr>
+              <a:defRPr sz="1400"/>
+            </a:lvl3pPr>
+            <a:lvl4pPr>
+              <a:defRPr sz="1200"/>
+            </a:lvl4pPr>
+            <a:lvl5pPr>
+              <a:defRPr sz="1200"/>
+            </a:lvl5pPr>
+            <a:lvl6pPr>
+              <a:defRPr sz="1200"/>
+            </a:lvl6pPr>
+            <a:lvl7pPr>
+              <a:defRPr sz="1200"/>
+            </a:lvl7pPr>
+            <a:lvl8pPr>
+              <a:defRPr sz="1200"/>
+            </a:lvl8pPr>
+            <a:lvl9pPr>
+              <a:defRPr sz="1200"/>
+            </a:lvl9pPr>
+          </a:lstStyle>
+          <a:p>
+            <a:pPr lvl="0"/>
+            <a:r>
+              <a:rPr lang="en-US" smtClean="0"/>
+              <a:t>Edit Master text styles</a:t>
+            </a:r>
+          </a:p>
+          <a:p>
+            <a:pPr lvl="1"/>
+            <a:r>
+              <a:rPr lang="en-US" smtClean="0"/>
+              <a:t>Second level</a:t>
+            </a:r>
+          </a:p>
+          <a:p>
+            <a:pPr lvl="2"/>
+            <a:r>
+              <a:rPr lang="en-US" smtClean="0"/>
+              <a:t>Third level</a:t>
+            </a:r>
+          </a:p>
+          <a:p>
+            <a:pPr lvl="3"/>
+            <a:r>
+              <a:rPr lang="en-US" smtClean="0"/>
+              <a:t>Fourth level</a:t>
+            </a:r>
+          </a:p>
+          <a:p>
+            <a:pPr lvl="4"/>
+            <a:r>
+              <a:rPr lang="en-US" smtClean="0"/>
+              <a:t>Fifth level</a:t>
+            </a:r>
+            <a:endParaRPr lang="en-US" dirty="0"/>
+          </a:p>
+        </p:txBody>
+      </p:sp>
+      <p:sp>
+        <p:nvSpPr>
+          <p:cNvPr id="7" name="Date Placeholder 6"/>
+          <p:cNvSpPr>
+            <a:spLocks noGrp="1"/>
+          </p:cNvSpPr>
+          <p:nvPr>
+            <p:ph type="dt" sz="half" idx="10"/>
+          </p:nvPr>
+        </p:nvSpPr>
+        <p:spPr/>
         <p:txBody>
           <a:bodyPr/>
           <a:lstStyle/>
           <a:p>
-            <a:pPr lvl="0"/>
-            <a:r>
-              <a:rPr lang="en-US" smtClean="0"/>
-              <a:t>Edit Master text styles</a:t>
-            </a:r>
-          </a:p>
-          <a:p>
-            <a:pPr lvl="1"/>
-            <a:r>
-              <a:rPr lang="en-US" smtClean="0"/>
-              <a:t>Second level</a:t>
-            </a:r>
-          </a:p>
-          <a:p>
-            <a:pPr lvl="2"/>
-            <a:r>
-              <a:rPr lang="en-US" smtClean="0"/>
-              <a:t>Third level</a:t>
-            </a:r>
-          </a:p>
-          <a:p>
-            <a:pPr lvl="3"/>
-            <a:r>
-              <a:rPr lang="en-US" smtClean="0"/>
-              <a:t>Fourth level</a:t>
-            </a:r>
-          </a:p>
-          <a:p>
-            <a:pPr lvl="4"/>
-            <a:r>
-              <a:rPr lang="en-US" smtClean="0"/>
-              <a:t>Fifth level</a:t>
-            </a:r>
-            <a:endParaRPr lang="en-US" dirty="0"/>
-          </a:p>
-        </p:txBody>
-      </p:sp>
-      <p:sp>
-        <p:nvSpPr>
-          <p:cNvPr id="7" name="Date Placeholder 6"/>
-          <p:cNvSpPr>
-            <a:spLocks noGrp="1"/>
-          </p:cNvSpPr>
-          <p:nvPr>
-            <p:ph type="dt" sz="half" idx="10"/>
-          </p:nvPr>
-        </p:nvSpPr>
-        <p:spPr/>
-        <p:txBody>
-          <a:bodyPr/>
-          <a:lstStyle/>
-          <a:p>
             <a:fld id="{48A87A34-81AB-432B-8DAE-1953F412C126}" type="datetimeFigureOut">
               <a:rPr lang="en-US" smtClean="0"/>
               <a:pPr/>
-              <a:t>4/15/2021</a:t>
+              <a:t>4/18/2021</a:t>
             </a:fld>
             <a:endParaRPr lang="en-US" dirty="0"/>
           </a:p>
@@ -4845,7 +4451,7 @@
     </p:spTree>
     <p:extLst>
       <p:ext uri="{BB962C8B-B14F-4D97-AF65-F5344CB8AC3E}">
-        <p14:creationId xmlns:p14="http://schemas.microsoft.com/office/powerpoint/2010/main" val="2850478569"/>
+        <p14:creationId xmlns:p14="http://schemas.microsoft.com/office/powerpoint/2010/main" val="1637546264"/>
       </p:ext>
     </p:extLst>
   </p:cSld>
@@ -4872,36 +4478,6 @@
           <a:chExt cx="0" cy="0"/>
         </a:xfrm>
       </p:grpSpPr>
-      <p:pic>
-        <p:nvPicPr>
-          <p:cNvPr id="8" name="Picture 7" descr="Droplets-HD-Content-R1d.png"/>
-          <p:cNvPicPr>
-            <a:picLocks noChangeAspect="1"/>
-          </p:cNvPicPr>
-          <p:nvPr/>
-        </p:nvPicPr>
-        <p:blipFill>
-          <a:blip r:embed="rId2">
-            <a:extLst>
-              <a:ext uri="{28A0092B-C50C-407E-A947-70E740481C1C}">
-                <a14:useLocalDpi xmlns:a14="http://schemas.microsoft.com/office/drawing/2010/main" val="0"/>
-              </a:ext>
-            </a:extLst>
-          </a:blip>
-          <a:stretch>
-            <a:fillRect/>
-          </a:stretch>
-        </p:blipFill>
-        <p:spPr>
-          <a:xfrm>
-            <a:off x="0" y="0"/>
-            <a:ext cx="12192000" cy="6858000"/>
-          </a:xfrm>
-          <a:prstGeom prst="rect">
-            <a:avLst/>
-          </a:prstGeom>
-        </p:spPr>
-      </p:pic>
       <p:sp>
         <p:nvSpPr>
           <p:cNvPr id="2" name="Title 1"/>
@@ -4927,7 +4503,7 @@
       </p:sp>
       <p:sp>
         <p:nvSpPr>
-          <p:cNvPr id="3" name="Date Placeholder 2"/>
+          <p:cNvPr id="7" name="Date Placeholder 2"/>
           <p:cNvSpPr>
             <a:spLocks noGrp="1"/>
           </p:cNvSpPr>
@@ -4942,7 +4518,7 @@
           <a:p>
             <a:fld id="{48A87A34-81AB-432B-8DAE-1953F412C126}" type="datetimeFigureOut">
               <a:rPr lang="en-US" smtClean="0"/>
-              <a:t>4/15/2021</a:t>
+              <a:t>4/18/2021</a:t>
             </a:fld>
             <a:endParaRPr lang="en-US" dirty="0"/>
           </a:p>
@@ -4950,7 +4526,7 @@
       </p:sp>
       <p:sp>
         <p:nvSpPr>
-          <p:cNvPr id="4" name="Footer Placeholder 3"/>
+          <p:cNvPr id="5" name="Footer Placeholder 3"/>
           <p:cNvSpPr>
             <a:spLocks noGrp="1"/>
           </p:cNvSpPr>
@@ -4969,7 +4545,7 @@
       </p:sp>
       <p:sp>
         <p:nvSpPr>
-          <p:cNvPr id="5" name="Slide Number Placeholder 4"/>
+          <p:cNvPr id="6" name="Slide Number Placeholder 4"/>
           <p:cNvSpPr>
             <a:spLocks noGrp="1"/>
           </p:cNvSpPr>
@@ -4993,7 +4569,7 @@
     </p:spTree>
     <p:extLst>
       <p:ext uri="{BB962C8B-B14F-4D97-AF65-F5344CB8AC3E}">
-        <p14:creationId xmlns:p14="http://schemas.microsoft.com/office/powerpoint/2010/main" val="2835862440"/>
+        <p14:creationId xmlns:p14="http://schemas.microsoft.com/office/powerpoint/2010/main" val="3527660254"/>
       </p:ext>
     </p:extLst>
   </p:cSld>
@@ -5020,39 +4596,9 @@
           <a:chExt cx="0" cy="0"/>
         </a:xfrm>
       </p:grpSpPr>
-      <p:pic>
-        <p:nvPicPr>
-          <p:cNvPr id="7" name="Picture 6" descr="Droplets-HD-Content-R1d.png"/>
-          <p:cNvPicPr>
-            <a:picLocks noChangeAspect="1"/>
-          </p:cNvPicPr>
-          <p:nvPr/>
-        </p:nvPicPr>
-        <p:blipFill>
-          <a:blip r:embed="rId2">
-            <a:extLst>
-              <a:ext uri="{28A0092B-C50C-407E-A947-70E740481C1C}">
-                <a14:useLocalDpi xmlns:a14="http://schemas.microsoft.com/office/drawing/2010/main" val="0"/>
-              </a:ext>
-            </a:extLst>
-          </a:blip>
-          <a:stretch>
-            <a:fillRect/>
-          </a:stretch>
-        </p:blipFill>
-        <p:spPr>
-          <a:xfrm>
-            <a:off x="0" y="0"/>
-            <a:ext cx="12192000" cy="6858000"/>
-          </a:xfrm>
-          <a:prstGeom prst="rect">
-            <a:avLst/>
-          </a:prstGeom>
-        </p:spPr>
-      </p:pic>
-      <p:sp>
-        <p:nvSpPr>
-          <p:cNvPr id="2" name="Date Placeholder 1"/>
+      <p:sp>
+        <p:nvSpPr>
+          <p:cNvPr id="7" name="Date Placeholder 1"/>
           <p:cNvSpPr>
             <a:spLocks noGrp="1"/>
           </p:cNvSpPr>
@@ -5067,7 +4613,7 @@
           <a:p>
             <a:fld id="{48A87A34-81AB-432B-8DAE-1953F412C126}" type="datetimeFigureOut">
               <a:rPr lang="en-US" smtClean="0"/>
-              <a:t>4/15/2021</a:t>
+              <a:t>4/18/2021</a:t>
             </a:fld>
             <a:endParaRPr lang="en-US" dirty="0"/>
           </a:p>
@@ -5075,7 +4621,7 @@
       </p:sp>
       <p:sp>
         <p:nvSpPr>
-          <p:cNvPr id="3" name="Footer Placeholder 2"/>
+          <p:cNvPr id="5" name="Footer Placeholder 2"/>
           <p:cNvSpPr>
             <a:spLocks noGrp="1"/>
           </p:cNvSpPr>
@@ -5094,7 +4640,7 @@
       </p:sp>
       <p:sp>
         <p:nvSpPr>
-          <p:cNvPr id="4" name="Slide Number Placeholder 3"/>
+          <p:cNvPr id="6" name="Slide Number Placeholder 3"/>
           <p:cNvSpPr>
             <a:spLocks noGrp="1"/>
           </p:cNvSpPr>
@@ -5118,7 +4664,7 @@
     </p:spTree>
     <p:extLst>
       <p:ext uri="{BB962C8B-B14F-4D97-AF65-F5344CB8AC3E}">
-        <p14:creationId xmlns:p14="http://schemas.microsoft.com/office/powerpoint/2010/main" val="2764548080"/>
+        <p14:creationId xmlns:p14="http://schemas.microsoft.com/office/powerpoint/2010/main" val="3470133645"/>
       </p:ext>
     </p:extLst>
   </p:cSld>
@@ -5145,36 +4691,6 @@
           <a:chExt cx="0" cy="0"/>
         </a:xfrm>
       </p:grpSpPr>
-      <p:pic>
-        <p:nvPicPr>
-          <p:cNvPr id="11" name="Picture 10" descr="Droplets-HD-Content-R1d.png"/>
-          <p:cNvPicPr>
-            <a:picLocks noChangeAspect="1"/>
-          </p:cNvPicPr>
-          <p:nvPr/>
-        </p:nvPicPr>
-        <p:blipFill>
-          <a:blip r:embed="rId2">
-            <a:extLst>
-              <a:ext uri="{28A0092B-C50C-407E-A947-70E740481C1C}">
-                <a14:useLocalDpi xmlns:a14="http://schemas.microsoft.com/office/drawing/2010/main" val="0"/>
-              </a:ext>
-            </a:extLst>
-          </a:blip>
-          <a:stretch>
-            <a:fillRect/>
-          </a:stretch>
-        </p:blipFill>
-        <p:spPr>
-          <a:xfrm>
-            <a:off x="0" y="0"/>
-            <a:ext cx="12192000" cy="6858000"/>
-          </a:xfrm>
-          <a:prstGeom prst="rect">
-            <a:avLst/>
-          </a:prstGeom>
-        </p:spPr>
-      </p:pic>
       <p:sp>
         <p:nvSpPr>
           <p:cNvPr id="2" name="Title 1"/>
@@ -5187,15 +4703,15 @@
         </p:nvSpPr>
         <p:spPr>
           <a:xfrm>
-            <a:off x="913775" y="609600"/>
-            <a:ext cx="3935688" cy="2023252"/>
+            <a:off x="1154953" y="1447800"/>
+            <a:ext cx="3401064" cy="1447800"/>
           </a:xfrm>
         </p:spPr>
         <p:txBody>
           <a:bodyPr anchor="b"/>
           <a:lstStyle>
-            <a:lvl1pPr algn="ctr">
-              <a:defRPr sz="3200"/>
+            <a:lvl1pPr algn="l">
+              <a:defRPr sz="2400" b="0"/>
             </a:lvl1pPr>
           </a:lstStyle>
           <a:p>
@@ -5209,134 +4725,188 @@
       </p:sp>
       <p:sp>
         <p:nvSpPr>
-          <p:cNvPr id="10" name="Content Placeholder 2"/>
-          <p:cNvSpPr>
-            <a:spLocks noGrp="1"/>
-          </p:cNvSpPr>
-          <p:nvPr>
-            <p:ph sz="quarter" idx="13"/>
-          </p:nvPr>
-        </p:nvSpPr>
-        <p:spPr>
-          <a:xfrm>
-            <a:off x="5078062" y="609600"/>
-            <a:ext cx="6200163" cy="5181599"/>
-          </a:xfrm>
-        </p:spPr>
+          <p:cNvPr id="3" name="Content Placeholder 2"/>
+          <p:cNvSpPr>
+            <a:spLocks noGrp="1"/>
+          </p:cNvSpPr>
+          <p:nvPr>
+            <p:ph idx="1"/>
+          </p:nvPr>
+        </p:nvSpPr>
+        <p:spPr>
+          <a:xfrm>
+            <a:off x="4784616" y="1447800"/>
+            <a:ext cx="5195997" cy="4572000"/>
+          </a:xfrm>
+        </p:spPr>
+        <p:txBody>
+          <a:bodyPr anchor="ctr">
+            <a:normAutofit/>
+          </a:bodyPr>
+          <a:lstStyle>
+            <a:lvl1pPr>
+              <a:defRPr sz="2000"/>
+            </a:lvl1pPr>
+            <a:lvl2pPr>
+              <a:defRPr sz="1800"/>
+            </a:lvl2pPr>
+            <a:lvl3pPr>
+              <a:defRPr sz="1600"/>
+            </a:lvl3pPr>
+            <a:lvl4pPr>
+              <a:defRPr sz="1400"/>
+            </a:lvl4pPr>
+            <a:lvl5pPr>
+              <a:defRPr sz="1400"/>
+            </a:lvl5pPr>
+            <a:lvl6pPr>
+              <a:defRPr sz="1400"/>
+            </a:lvl6pPr>
+            <a:lvl7pPr>
+              <a:defRPr sz="1400"/>
+            </a:lvl7pPr>
+            <a:lvl8pPr>
+              <a:defRPr sz="1400"/>
+            </a:lvl8pPr>
+            <a:lvl9pPr>
+              <a:defRPr sz="1400"/>
+            </a:lvl9pPr>
+          </a:lstStyle>
+          <a:p>
+            <a:pPr lvl="0"/>
+            <a:r>
+              <a:rPr lang="en-US" smtClean="0"/>
+              <a:t>Edit Master text styles</a:t>
+            </a:r>
+          </a:p>
+          <a:p>
+            <a:pPr lvl="1"/>
+            <a:r>
+              <a:rPr lang="en-US" smtClean="0"/>
+              <a:t>Second level</a:t>
+            </a:r>
+          </a:p>
+          <a:p>
+            <a:pPr lvl="2"/>
+            <a:r>
+              <a:rPr lang="en-US" smtClean="0"/>
+              <a:t>Third level</a:t>
+            </a:r>
+          </a:p>
+          <a:p>
+            <a:pPr lvl="3"/>
+            <a:r>
+              <a:rPr lang="en-US" smtClean="0"/>
+              <a:t>Fourth level</a:t>
+            </a:r>
+          </a:p>
+          <a:p>
+            <a:pPr lvl="4"/>
+            <a:r>
+              <a:rPr lang="en-US" smtClean="0"/>
+              <a:t>Fifth level</a:t>
+            </a:r>
+            <a:endParaRPr lang="en-US" dirty="0"/>
+          </a:p>
+        </p:txBody>
+      </p:sp>
+      <p:sp>
+        <p:nvSpPr>
+          <p:cNvPr id="4" name="Text Placeholder 3"/>
+          <p:cNvSpPr>
+            <a:spLocks noGrp="1"/>
+          </p:cNvSpPr>
+          <p:nvPr>
+            <p:ph type="body" sz="half" idx="2"/>
+          </p:nvPr>
+        </p:nvSpPr>
+        <p:spPr>
+          <a:xfrm>
+            <a:off x="1154953" y="3129280"/>
+            <a:ext cx="3401063" cy="2895599"/>
+          </a:xfrm>
+        </p:spPr>
+        <p:txBody>
+          <a:bodyPr/>
+          <a:lstStyle>
+            <a:lvl1pPr marL="0" indent="0">
+              <a:buNone/>
+              <a:defRPr sz="1400"/>
+            </a:lvl1pPr>
+            <a:lvl2pPr marL="457200" indent="0">
+              <a:buNone/>
+              <a:defRPr sz="1200"/>
+            </a:lvl2pPr>
+            <a:lvl3pPr marL="914400" indent="0">
+              <a:buNone/>
+              <a:defRPr sz="1000"/>
+            </a:lvl3pPr>
+            <a:lvl4pPr marL="1371600" indent="0">
+              <a:buNone/>
+              <a:defRPr sz="900"/>
+            </a:lvl4pPr>
+            <a:lvl5pPr marL="1828800" indent="0">
+              <a:buNone/>
+              <a:defRPr sz="900"/>
+            </a:lvl5pPr>
+            <a:lvl6pPr marL="2286000" indent="0">
+              <a:buNone/>
+              <a:defRPr sz="900"/>
+            </a:lvl6pPr>
+            <a:lvl7pPr marL="2743200" indent="0">
+              <a:buNone/>
+              <a:defRPr sz="900"/>
+            </a:lvl7pPr>
+            <a:lvl8pPr marL="3200400" indent="0">
+              <a:buNone/>
+              <a:defRPr sz="900"/>
+            </a:lvl8pPr>
+            <a:lvl9pPr marL="3657600" indent="0">
+              <a:buNone/>
+              <a:defRPr sz="900"/>
+            </a:lvl9pPr>
+          </a:lstStyle>
+          <a:p>
+            <a:pPr lvl="0"/>
+            <a:r>
+              <a:rPr lang="en-US" smtClean="0"/>
+              <a:t>Edit Master text styles</a:t>
+            </a:r>
+          </a:p>
+        </p:txBody>
+      </p:sp>
+      <p:sp>
+        <p:nvSpPr>
+          <p:cNvPr id="7" name="Date Placeholder 4"/>
+          <p:cNvSpPr>
+            <a:spLocks noGrp="1"/>
+          </p:cNvSpPr>
+          <p:nvPr>
+            <p:ph type="dt" sz="half" idx="10"/>
+          </p:nvPr>
+        </p:nvSpPr>
+        <p:spPr/>
         <p:txBody>
           <a:bodyPr/>
           <a:lstStyle/>
           <a:p>
-            <a:pPr lvl="0"/>
-            <a:r>
-              <a:rPr lang="en-US" smtClean="0"/>
-              <a:t>Edit Master text styles</a:t>
-            </a:r>
-          </a:p>
-          <a:p>
-            <a:pPr lvl="1"/>
-            <a:r>
-              <a:rPr lang="en-US" smtClean="0"/>
-              <a:t>Second level</a:t>
-            </a:r>
-          </a:p>
-          <a:p>
-            <a:pPr lvl="2"/>
-            <a:r>
-              <a:rPr lang="en-US" smtClean="0"/>
-              <a:t>Third level</a:t>
-            </a:r>
-          </a:p>
-          <a:p>
-            <a:pPr lvl="3"/>
-            <a:r>
-              <a:rPr lang="en-US" smtClean="0"/>
-              <a:t>Fourth level</a:t>
-            </a:r>
-          </a:p>
-          <a:p>
-            <a:pPr lvl="4"/>
-            <a:r>
-              <a:rPr lang="en-US" smtClean="0"/>
-              <a:t>Fifth level</a:t>
-            </a:r>
-            <a:endParaRPr lang="en-US" dirty="0"/>
-          </a:p>
-        </p:txBody>
-      </p:sp>
-      <p:sp>
-        <p:nvSpPr>
-          <p:cNvPr id="4" name="Text Placeholder 3"/>
-          <p:cNvSpPr>
-            <a:spLocks noGrp="1"/>
-          </p:cNvSpPr>
-          <p:nvPr>
-            <p:ph type="body" sz="half" idx="2"/>
-          </p:nvPr>
-        </p:nvSpPr>
-        <p:spPr>
-          <a:xfrm>
-            <a:off x="913774" y="2632852"/>
-            <a:ext cx="3935689" cy="3158348"/>
-          </a:xfrm>
-        </p:spPr>
-        <p:txBody>
-          <a:bodyPr/>
-          <a:lstStyle>
-            <a:lvl1pPr marL="0" indent="0" algn="ctr">
-              <a:buNone/>
-              <a:defRPr sz="1600"/>
-            </a:lvl1pPr>
-            <a:lvl2pPr marL="457200" indent="0">
-              <a:buNone/>
-              <a:defRPr sz="1400"/>
-            </a:lvl2pPr>
-            <a:lvl3pPr marL="914400" indent="0">
-              <a:buNone/>
-              <a:defRPr sz="1200"/>
-            </a:lvl3pPr>
-            <a:lvl4pPr marL="1371600" indent="0">
-              <a:buNone/>
-              <a:defRPr sz="1000"/>
-            </a:lvl4pPr>
-            <a:lvl5pPr marL="1828800" indent="0">
-              <a:buNone/>
-              <a:defRPr sz="1000"/>
-            </a:lvl5pPr>
-            <a:lvl6pPr marL="2286000" indent="0">
-              <a:buNone/>
-              <a:defRPr sz="1000"/>
-            </a:lvl6pPr>
-            <a:lvl7pPr marL="2743200" indent="0">
-              <a:buNone/>
-              <a:defRPr sz="1000"/>
-            </a:lvl7pPr>
-            <a:lvl8pPr marL="3200400" indent="0">
-              <a:buNone/>
-              <a:defRPr sz="1000"/>
-            </a:lvl8pPr>
-            <a:lvl9pPr marL="3657600" indent="0">
-              <a:buNone/>
-              <a:defRPr sz="1000"/>
-            </a:lvl9pPr>
-          </a:lstStyle>
-          <a:p>
-            <a:pPr lvl="0"/>
-            <a:r>
-              <a:rPr lang="en-US" smtClean="0"/>
-              <a:t>Edit Master text styles</a:t>
-            </a:r>
-          </a:p>
-        </p:txBody>
-      </p:sp>
-      <p:sp>
-        <p:nvSpPr>
-          <p:cNvPr id="5" name="Date Placeholder 4"/>
-          <p:cNvSpPr>
-            <a:spLocks noGrp="1"/>
-          </p:cNvSpPr>
-          <p:nvPr>
-            <p:ph type="dt" sz="half" idx="10"/>
+            <a:fld id="{48A87A34-81AB-432B-8DAE-1953F412C126}" type="datetimeFigureOut">
+              <a:rPr lang="en-US" smtClean="0"/>
+              <a:pPr/>
+              <a:t>4/18/2021</a:t>
+            </a:fld>
+            <a:endParaRPr lang="en-US" dirty="0"/>
+          </a:p>
+        </p:txBody>
+      </p:sp>
+      <p:sp>
+        <p:nvSpPr>
+          <p:cNvPr id="5" name="Footer Placeholder 5"/>
+          <p:cNvSpPr>
+            <a:spLocks noGrp="1"/>
+          </p:cNvSpPr>
+          <p:nvPr>
+            <p:ph type="ftr" sz="quarter" idx="11"/>
           </p:nvPr>
         </p:nvSpPr>
         <p:spPr/>
@@ -5344,37 +4914,13 @@
           <a:bodyPr/>
           <a:lstStyle/>
           <a:p>
-            <a:fld id="{48A87A34-81AB-432B-8DAE-1953F412C126}" type="datetimeFigureOut">
-              <a:rPr lang="en-US" smtClean="0"/>
-              <a:pPr/>
-              <a:t>4/15/2021</a:t>
-            </a:fld>
-            <a:endParaRPr lang="en-US" dirty="0"/>
-          </a:p>
-        </p:txBody>
-      </p:sp>
-      <p:sp>
-        <p:nvSpPr>
-          <p:cNvPr id="6" name="Footer Placeholder 5"/>
-          <p:cNvSpPr>
-            <a:spLocks noGrp="1"/>
-          </p:cNvSpPr>
-          <p:nvPr>
-            <p:ph type="ftr" sz="quarter" idx="11"/>
-          </p:nvPr>
-        </p:nvSpPr>
-        <p:spPr/>
-        <p:txBody>
-          <a:bodyPr/>
-          <a:lstStyle/>
-          <a:p>
-            <a:endParaRPr lang="en-US" dirty="0"/>
-          </a:p>
-        </p:txBody>
-      </p:sp>
-      <p:sp>
-        <p:nvSpPr>
-          <p:cNvPr id="7" name="Slide Number Placeholder 6"/>
+            <a:endParaRPr lang="en-US" dirty="0"/>
+          </a:p>
+        </p:txBody>
+      </p:sp>
+      <p:sp>
+        <p:nvSpPr>
+          <p:cNvPr id="6" name="Slide Number Placeholder 6"/>
           <p:cNvSpPr>
             <a:spLocks noGrp="1"/>
           </p:cNvSpPr>
@@ -5399,7 +4945,7 @@
     </p:spTree>
     <p:extLst>
       <p:ext uri="{BB962C8B-B14F-4D97-AF65-F5344CB8AC3E}">
-        <p14:creationId xmlns:p14="http://schemas.microsoft.com/office/powerpoint/2010/main" val="1251060864"/>
+        <p14:creationId xmlns:p14="http://schemas.microsoft.com/office/powerpoint/2010/main" val="4093336446"/>
       </p:ext>
     </p:extLst>
   </p:cSld>
@@ -5426,36 +4972,6 @@
           <a:chExt cx="0" cy="0"/>
         </a:xfrm>
       </p:grpSpPr>
-      <p:pic>
-        <p:nvPicPr>
-          <p:cNvPr id="10" name="Picture 9" descr="Droplets-HD-Content-R1d.png"/>
-          <p:cNvPicPr>
-            <a:picLocks noChangeAspect="1"/>
-          </p:cNvPicPr>
-          <p:nvPr/>
-        </p:nvPicPr>
-        <p:blipFill>
-          <a:blip r:embed="rId2">
-            <a:extLst>
-              <a:ext uri="{28A0092B-C50C-407E-A947-70E740481C1C}">
-                <a14:useLocalDpi xmlns:a14="http://schemas.microsoft.com/office/drawing/2010/main" val="0"/>
-              </a:ext>
-            </a:extLst>
-          </a:blip>
-          <a:stretch>
-            <a:fillRect/>
-          </a:stretch>
-        </p:blipFill>
-        <p:spPr>
-          <a:xfrm>
-            <a:off x="0" y="0"/>
-            <a:ext cx="12192000" cy="6858000"/>
-          </a:xfrm>
-          <a:prstGeom prst="rect">
-            <a:avLst/>
-          </a:prstGeom>
-        </p:spPr>
-      </p:pic>
       <p:sp>
         <p:nvSpPr>
           <p:cNvPr id="2" name="Title 1"/>
@@ -5468,15 +4984,17 @@
         </p:nvSpPr>
         <p:spPr>
           <a:xfrm>
-            <a:off x="913774" y="609600"/>
-            <a:ext cx="5934969" cy="2023254"/>
-          </a:xfrm>
-        </p:spPr>
-        <p:txBody>
-          <a:bodyPr anchor="b"/>
+            <a:off x="1153907" y="1854192"/>
+            <a:ext cx="5092906" cy="1574808"/>
+          </a:xfrm>
+        </p:spPr>
+        <p:txBody>
+          <a:bodyPr anchor="b">
+            <a:normAutofit/>
+          </a:bodyPr>
           <a:lstStyle>
-            <a:lvl1pPr algn="ctr">
-              <a:defRPr sz="3200"/>
+            <a:lvl1pPr algn="l">
+              <a:defRPr sz="3600" b="0"/>
             </a:lvl1pPr>
           </a:lstStyle>
           <a:p>
@@ -5500,102 +5018,26 @@
         </p:nvSpPr>
         <p:spPr>
           <a:xfrm>
-            <a:off x="7424803" y="609601"/>
-            <a:ext cx="3255358" cy="5181600"/>
+            <a:off x="6949546" y="1143000"/>
+            <a:ext cx="3200400" cy="4572000"/>
           </a:xfrm>
           <a:prstGeom prst="roundRect">
             <a:avLst>
-              <a:gd name="adj" fmla="val 4943"/>
+              <a:gd name="adj" fmla="val 1858"/>
             </a:avLst>
           </a:prstGeom>
-          <a:noFill/>
-          <a:ln w="82550" cap="sq">
-            <a:solidFill>
-              <a:srgbClr val="EAEAEA"/>
-            </a:solidFill>
-            <a:miter lim="800000"/>
-          </a:ln>
-          <a:effectLst/>
-          <a:scene3d>
-            <a:camera prst="orthographicFront"/>
-            <a:lightRig rig="threePt" dir="t">
-              <a:rot lat="0" lon="0" rev="2700000"/>
-            </a:lightRig>
-          </a:scene3d>
-          <a:sp3d contourW="6350">
-            <a:bevelT h="38100"/>
-            <a:contourClr>
-              <a:srgbClr val="C0C0C0"/>
-            </a:contourClr>
-          </a:sp3d>
-        </p:spPr>
-        <p:txBody>
-          <a:bodyPr anchor="t"/>
-          <a:lstStyle>
-            <a:lvl1pPr marL="0" indent="0">
-              <a:buNone/>
-              <a:defRPr sz="3200"/>
-            </a:lvl1pPr>
-            <a:lvl2pPr marL="457200" indent="0">
-              <a:buNone/>
-              <a:defRPr sz="2800"/>
-            </a:lvl2pPr>
-            <a:lvl3pPr marL="914400" indent="0">
-              <a:buNone/>
-              <a:defRPr sz="2400"/>
-            </a:lvl3pPr>
-            <a:lvl4pPr marL="1371600" indent="0">
-              <a:buNone/>
-              <a:defRPr sz="2000"/>
-            </a:lvl4pPr>
-            <a:lvl5pPr marL="1828800" indent="0">
-              <a:buNone/>
-              <a:defRPr sz="2000"/>
-            </a:lvl5pPr>
-            <a:lvl6pPr marL="2286000" indent="0">
-              <a:buNone/>
-              <a:defRPr sz="2000"/>
-            </a:lvl6pPr>
-            <a:lvl7pPr marL="2743200" indent="0">
-              <a:buNone/>
-              <a:defRPr sz="2000"/>
-            </a:lvl7pPr>
-            <a:lvl8pPr marL="3200400" indent="0">
-              <a:buNone/>
-              <a:defRPr sz="2000"/>
-            </a:lvl8pPr>
-            <a:lvl9pPr marL="3657600" indent="0">
-              <a:buNone/>
-              <a:defRPr sz="2000"/>
-            </a:lvl9pPr>
-          </a:lstStyle>
-          <a:p>
-            <a:r>
-              <a:rPr lang="en-US" smtClean="0"/>
-              <a:t>Click icon to add picture</a:t>
-            </a:r>
-            <a:endParaRPr lang="en-US" dirty="0"/>
-          </a:p>
-        </p:txBody>
-      </p:sp>
-      <p:sp>
-        <p:nvSpPr>
-          <p:cNvPr id="4" name="Text Placeholder 3"/>
-          <p:cNvSpPr>
-            <a:spLocks noGrp="1"/>
-          </p:cNvSpPr>
-          <p:nvPr>
-            <p:ph type="body" sz="half" idx="2"/>
-          </p:nvPr>
-        </p:nvSpPr>
-        <p:spPr>
-          <a:xfrm>
-            <a:off x="913794" y="2632852"/>
-            <a:ext cx="5934949" cy="3158347"/>
-          </a:xfrm>
-        </p:spPr>
-        <p:txBody>
-          <a:bodyPr/>
+          <a:effectLst>
+            <a:outerShdw blurRad="50800" dist="50800" dir="5400000" algn="tl" rotWithShape="0">
+              <a:srgbClr val="000000">
+                <a:alpha val="43000"/>
+              </a:srgbClr>
+            </a:outerShdw>
+          </a:effectLst>
+        </p:spPr>
+        <p:txBody>
+          <a:bodyPr anchor="t">
+            <a:normAutofit/>
+          </a:bodyPr>
           <a:lstStyle>
             <a:lvl1pPr marL="0" indent="0" algn="ctr">
               <a:buNone/>
@@ -5603,38 +5045,105 @@
             </a:lvl1pPr>
             <a:lvl2pPr marL="457200" indent="0">
               <a:buNone/>
-              <a:defRPr sz="1400"/>
+              <a:defRPr sz="1600"/>
             </a:lvl2pPr>
             <a:lvl3pPr marL="914400" indent="0">
               <a:buNone/>
-              <a:defRPr sz="1200"/>
+              <a:defRPr sz="1600"/>
             </a:lvl3pPr>
             <a:lvl4pPr marL="1371600" indent="0">
               <a:buNone/>
-              <a:defRPr sz="1000"/>
+              <a:defRPr sz="1600"/>
             </a:lvl4pPr>
             <a:lvl5pPr marL="1828800" indent="0">
               <a:buNone/>
-              <a:defRPr sz="1000"/>
+              <a:defRPr sz="1600"/>
             </a:lvl5pPr>
             <a:lvl6pPr marL="2286000" indent="0">
               <a:buNone/>
-              <a:defRPr sz="1000"/>
+              <a:defRPr sz="1600"/>
             </a:lvl6pPr>
             <a:lvl7pPr marL="2743200" indent="0">
               <a:buNone/>
-              <a:defRPr sz="1000"/>
+              <a:defRPr sz="1600"/>
             </a:lvl7pPr>
             <a:lvl8pPr marL="3200400" indent="0">
               <a:buNone/>
-              <a:defRPr sz="1000"/>
+              <a:defRPr sz="1600"/>
             </a:lvl8pPr>
             <a:lvl9pPr marL="3657600" indent="0">
               <a:buNone/>
-              <a:defRPr sz="1000"/>
+              <a:defRPr sz="1600"/>
             </a:lvl9pPr>
           </a:lstStyle>
           <a:p>
+            <a:r>
+              <a:rPr lang="en-US" smtClean="0"/>
+              <a:t>Click icon to add picture</a:t>
+            </a:r>
+            <a:endParaRPr lang="en-US" dirty="0"/>
+          </a:p>
+        </p:txBody>
+      </p:sp>
+      <p:sp>
+        <p:nvSpPr>
+          <p:cNvPr id="4" name="Text Placeholder 3"/>
+          <p:cNvSpPr>
+            <a:spLocks noGrp="1"/>
+          </p:cNvSpPr>
+          <p:nvPr>
+            <p:ph type="body" sz="half" idx="2"/>
+          </p:nvPr>
+        </p:nvSpPr>
+        <p:spPr>
+          <a:xfrm>
+            <a:off x="1154954" y="3657600"/>
+            <a:ext cx="5084979" cy="1371600"/>
+          </a:xfrm>
+        </p:spPr>
+        <p:txBody>
+          <a:bodyPr>
+            <a:normAutofit/>
+          </a:bodyPr>
+          <a:lstStyle>
+            <a:lvl1pPr marL="0" indent="0">
+              <a:buNone/>
+              <a:defRPr sz="1400"/>
+            </a:lvl1pPr>
+            <a:lvl2pPr marL="457200" indent="0">
+              <a:buNone/>
+              <a:defRPr sz="1200"/>
+            </a:lvl2pPr>
+            <a:lvl3pPr marL="914400" indent="0">
+              <a:buNone/>
+              <a:defRPr sz="1000"/>
+            </a:lvl3pPr>
+            <a:lvl4pPr marL="1371600" indent="0">
+              <a:buNone/>
+              <a:defRPr sz="900"/>
+            </a:lvl4pPr>
+            <a:lvl5pPr marL="1828800" indent="0">
+              <a:buNone/>
+              <a:defRPr sz="900"/>
+            </a:lvl5pPr>
+            <a:lvl6pPr marL="2286000" indent="0">
+              <a:buNone/>
+              <a:defRPr sz="900"/>
+            </a:lvl6pPr>
+            <a:lvl7pPr marL="2743200" indent="0">
+              <a:buNone/>
+              <a:defRPr sz="900"/>
+            </a:lvl7pPr>
+            <a:lvl8pPr marL="3200400" indent="0">
+              <a:buNone/>
+              <a:defRPr sz="900"/>
+            </a:lvl8pPr>
+            <a:lvl9pPr marL="3657600" indent="0">
+              <a:buNone/>
+              <a:defRPr sz="900"/>
+            </a:lvl9pPr>
+          </a:lstStyle>
+          <a:p>
             <a:pPr lvl="0"/>
             <a:r>
               <a:rPr lang="en-US" smtClean="0"/>
@@ -5661,7 +5170,7 @@
             <a:fld id="{48A87A34-81AB-432B-8DAE-1953F412C126}" type="datetimeFigureOut">
               <a:rPr lang="en-US" smtClean="0"/>
               <a:pPr/>
-              <a:t>4/15/2021</a:t>
+              <a:t>4/18/2021</a:t>
             </a:fld>
             <a:endParaRPr lang="en-US" dirty="0"/>
           </a:p>
@@ -5712,7 +5221,7 @@
     </p:spTree>
     <p:extLst>
       <p:ext uri="{BB962C8B-B14F-4D97-AF65-F5344CB8AC3E}">
-        <p14:creationId xmlns:p14="http://schemas.microsoft.com/office/powerpoint/2010/main" val="1155779020"/>
+        <p14:creationId xmlns:p14="http://schemas.microsoft.com/office/powerpoint/2010/main" val="1116883669"/>
       </p:ext>
     </p:extLst>
   </p:cSld>
@@ -5726,8 +5235,8 @@
 <p:sldMaster xmlns:a="http://schemas.openxmlformats.org/drawingml/2006/main" xmlns:r="http://schemas.openxmlformats.org/officeDocument/2006/relationships" xmlns:p="http://schemas.openxmlformats.org/presentationml/2006/main">
   <p:cSld>
     <p:bg>
-      <p:bgRef idx="1002">
-        <a:schemeClr val="bg1"/>
+      <p:bgRef idx="1003">
+        <a:schemeClr val="bg2"/>
       </p:bgRef>
     </p:bg>
     <p:spTree>
@@ -5746,68 +5255,241 @@
       </p:grpSpPr>
       <p:pic>
         <p:nvPicPr>
-          <p:cNvPr id="1026" name="Picture 2" descr="\\DROBO-FS\QuickDrops\JB\PPTX NG\Droplets\LightingOverlay.png"/>
+          <p:cNvPr id="8" name="Picture 7"/>
           <p:cNvPicPr>
-            <a:picLocks noChangeAspect="1" noChangeArrowheads="1"/>
+            <a:picLocks noChangeAspect="1"/>
           </p:cNvPicPr>
           <p:nvPr/>
         </p:nvPicPr>
-        <p:blipFill>
-          <a:blip r:embed="rId20">
-            <a:alphaModFix/>
+        <p:blipFill rotWithShape="1">
+          <a:blip r:embed="rId19">
             <a:extLst>
               <a:ext uri="{28A0092B-C50C-407E-A947-70E740481C1C}">
                 <a14:useLocalDpi xmlns:a14="http://schemas.microsoft.com/office/drawing/2010/main" val="0"/>
               </a:ext>
             </a:extLst>
           </a:blip>
-          <a:srcRect/>
-          <a:stretch>
-            <a:fillRect/>
-          </a:stretch>
+          <a:srcRect l="3613"/>
+          <a:stretch/>
         </p:blipFill>
-        <p:spPr bwMode="auto">
-          <a:xfrm>
-            <a:off x="0" y="-1"/>
-            <a:ext cx="12192003" cy="6858001"/>
+        <p:spPr>
+          <a:xfrm>
+            <a:off x="0" y="2669685"/>
+            <a:ext cx="4037012" cy="4188315"/>
           </a:xfrm>
           <a:prstGeom prst="rect">
             <a:avLst/>
           </a:prstGeom>
-          <a:noFill/>
-          <a:extLst>
-            <a:ext uri="{909E8E84-426E-40DD-AFC4-6F175D3DCCD1}">
-              <a14:hiddenFill xmlns:a14="http://schemas.microsoft.com/office/drawing/2010/main">
-                <a:solidFill>
-                  <a:srgbClr val="FFFFFF"/>
-                </a:solidFill>
-              </a14:hiddenFill>
-            </a:ext>
-          </a:extLst>
         </p:spPr>
       </p:pic>
-      <p:sp>
-        <p:nvSpPr>
-          <p:cNvPr id="2" name="Title Placeholder 1"/>
-          <p:cNvSpPr>
-            <a:spLocks noGrp="1"/>
-          </p:cNvSpPr>
-          <p:nvPr>
-            <p:ph type="title"/>
-          </p:nvPr>
-        </p:nvSpPr>
-        <p:spPr>
-          <a:xfrm>
-            <a:off x="913775" y="618517"/>
-            <a:ext cx="10364451" cy="1596177"/>
+      <p:pic>
+        <p:nvPicPr>
+          <p:cNvPr id="7" name="Picture 6"/>
+          <p:cNvPicPr>
+            <a:picLocks noChangeAspect="1"/>
+          </p:cNvPicPr>
+          <p:nvPr/>
+        </p:nvPicPr>
+        <p:blipFill rotWithShape="1">
+          <a:blip r:embed="rId20">
+            <a:extLst>
+              <a:ext uri="{28A0092B-C50C-407E-A947-70E740481C1C}">
+                <a14:useLocalDpi xmlns:a14="http://schemas.microsoft.com/office/drawing/2010/main" val="0"/>
+              </a:ext>
+            </a:extLst>
+          </a:blip>
+          <a:srcRect l="35640"/>
+          <a:stretch/>
+        </p:blipFill>
+        <p:spPr>
+          <a:xfrm>
+            <a:off x="0" y="2892347"/>
+            <a:ext cx="1522412" cy="2365453"/>
           </a:xfrm>
           <a:prstGeom prst="rect">
             <a:avLst/>
           </a:prstGeom>
         </p:spPr>
-        <p:txBody>
-          <a:bodyPr vert="horz" lIns="91440" tIns="45720" rIns="91440" bIns="45720" rtlCol="0" anchor="ctr">
-            <a:normAutofit/>
+      </p:pic>
+      <p:sp>
+        <p:nvSpPr>
+          <p:cNvPr id="16" name="Oval 15"/>
+          <p:cNvSpPr/>
+          <p:nvPr/>
+        </p:nvSpPr>
+        <p:spPr>
+          <a:xfrm>
+            <a:off x="8609012" y="1676400"/>
+            <a:ext cx="2819400" cy="2819400"/>
+          </a:xfrm>
+          <a:prstGeom prst="ellipse">
+            <a:avLst/>
+          </a:prstGeom>
+          <a:gradFill flip="none" rotWithShape="1">
+            <a:gsLst>
+              <a:gs pos="0">
+                <a:schemeClr val="bg2">
+                  <a:lumMod val="60000"/>
+                  <a:lumOff val="40000"/>
+                  <a:alpha val="7000"/>
+                </a:schemeClr>
+              </a:gs>
+              <a:gs pos="69000">
+                <a:schemeClr val="bg2">
+                  <a:lumMod val="60000"/>
+                  <a:lumOff val="40000"/>
+                  <a:alpha val="0"/>
+                </a:schemeClr>
+              </a:gs>
+              <a:gs pos="36000">
+                <a:schemeClr val="bg2">
+                  <a:lumMod val="60000"/>
+                  <a:lumOff val="40000"/>
+                  <a:alpha val="6000"/>
+                </a:schemeClr>
+              </a:gs>
+            </a:gsLst>
+            <a:path path="circle">
+              <a:fillToRect l="50000" t="50000" r="50000" b="50000"/>
+            </a:path>
+            <a:tileRect/>
+          </a:gradFill>
+          <a:ln>
+            <a:noFill/>
+          </a:ln>
+          <a:effectLst/>
+        </p:spPr>
+        <p:style>
+          <a:lnRef idx="1">
+            <a:schemeClr val="accent1"/>
+          </a:lnRef>
+          <a:fillRef idx="3">
+            <a:schemeClr val="accent1"/>
+          </a:fillRef>
+          <a:effectRef idx="2">
+            <a:schemeClr val="accent1"/>
+          </a:effectRef>
+          <a:fontRef idx="minor">
+            <a:schemeClr val="lt1"/>
+          </a:fontRef>
+        </p:style>
+      </p:sp>
+      <p:pic>
+        <p:nvPicPr>
+          <p:cNvPr id="9" name="Picture 8"/>
+          <p:cNvPicPr>
+            <a:picLocks noChangeAspect="1"/>
+          </p:cNvPicPr>
+          <p:nvPr/>
+        </p:nvPicPr>
+        <p:blipFill rotWithShape="1">
+          <a:blip r:embed="rId21">
+            <a:extLst>
+              <a:ext uri="{28A0092B-C50C-407E-A947-70E740481C1C}">
+                <a14:useLocalDpi xmlns:a14="http://schemas.microsoft.com/office/drawing/2010/main" val="0"/>
+              </a:ext>
+            </a:extLst>
+          </a:blip>
+          <a:srcRect t="28813"/>
+          <a:stretch/>
+        </p:blipFill>
+        <p:spPr>
+          <a:xfrm>
+            <a:off x="7999412" y="0"/>
+            <a:ext cx="1603387" cy="1141407"/>
+          </a:xfrm>
+          <a:prstGeom prst="rect">
+            <a:avLst/>
+          </a:prstGeom>
+        </p:spPr>
+      </p:pic>
+      <p:pic>
+        <p:nvPicPr>
+          <p:cNvPr id="10" name="Picture 9"/>
+          <p:cNvPicPr>
+            <a:picLocks noChangeAspect="1"/>
+          </p:cNvPicPr>
+          <p:nvPr/>
+        </p:nvPicPr>
+        <p:blipFill rotWithShape="1">
+          <a:blip r:embed="rId22">
+            <a:extLst>
+              <a:ext uri="{28A0092B-C50C-407E-A947-70E740481C1C}">
+                <a14:useLocalDpi xmlns:a14="http://schemas.microsoft.com/office/drawing/2010/main" val="0"/>
+              </a:ext>
+            </a:extLst>
+          </a:blip>
+          <a:srcRect b="23320"/>
+          <a:stretch/>
+        </p:blipFill>
+        <p:spPr>
+          <a:xfrm>
+            <a:off x="8605878" y="6096000"/>
+            <a:ext cx="993734" cy="762000"/>
+          </a:xfrm>
+          <a:prstGeom prst="rect">
+            <a:avLst/>
+          </a:prstGeom>
+        </p:spPr>
+      </p:pic>
+      <p:sp>
+        <p:nvSpPr>
+          <p:cNvPr id="14" name="Rectangle 13"/>
+          <p:cNvSpPr/>
+          <p:nvPr/>
+        </p:nvSpPr>
+        <p:spPr>
+          <a:xfrm>
+            <a:off x="10437812" y="0"/>
+            <a:ext cx="685800" cy="1143000"/>
+          </a:xfrm>
+          <a:prstGeom prst="rect">
+            <a:avLst/>
+          </a:prstGeom>
+          <a:solidFill>
+            <a:schemeClr val="accent1"/>
+          </a:solidFill>
+          <a:ln>
+            <a:noFill/>
+          </a:ln>
+        </p:spPr>
+        <p:style>
+          <a:lnRef idx="1">
+            <a:schemeClr val="accent1"/>
+          </a:lnRef>
+          <a:fillRef idx="3">
+            <a:schemeClr val="accent1"/>
+          </a:fillRef>
+          <a:effectRef idx="2">
+            <a:schemeClr val="accent1"/>
+          </a:effectRef>
+          <a:fontRef idx="minor">
+            <a:schemeClr val="lt1"/>
+          </a:fontRef>
+        </p:style>
+      </p:sp>
+      <p:sp>
+        <p:nvSpPr>
+          <p:cNvPr id="2" name="Title Placeholder 1"/>
+          <p:cNvSpPr>
+            <a:spLocks noGrp="1"/>
+          </p:cNvSpPr>
+          <p:nvPr>
+            <p:ph type="title"/>
+          </p:nvPr>
+        </p:nvSpPr>
+        <p:spPr>
+          <a:xfrm>
+            <a:off x="646111" y="452718"/>
+            <a:ext cx="9404723" cy="1400530"/>
+          </a:xfrm>
+          <a:prstGeom prst="rect">
+            <a:avLst/>
+          </a:prstGeom>
+        </p:spPr>
+        <p:txBody>
+          <a:bodyPr vert="horz" lIns="91440" tIns="45720" rIns="91440" bIns="45720" rtlCol="0" anchor="t">
+            <a:noAutofit/>
           </a:bodyPr>
           <a:lstStyle/>
           <a:p>
@@ -5831,8 +5513,8 @@
         </p:nvSpPr>
         <p:spPr>
           <a:xfrm>
-            <a:off x="913775" y="2367093"/>
-            <a:ext cx="10364452" cy="3424107"/>
+            <a:off x="1103312" y="2052918"/>
+            <a:ext cx="8946541" cy="4195481"/>
           </a:xfrm>
           <a:prstGeom prst="rect">
             <a:avLst/>
@@ -5892,21 +5574,24 @@
           </p:nvPr>
         </p:nvSpPr>
         <p:spPr>
-          <a:xfrm>
-            <a:off x="7678737" y="5883275"/>
-            <a:ext cx="2743200" cy="365125"/>
+          <a:xfrm rot="5400000">
+            <a:off x="10155639" y="1790701"/>
+            <a:ext cx="990599" cy="304799"/>
           </a:xfrm>
           <a:prstGeom prst="rect">
             <a:avLst/>
           </a:prstGeom>
         </p:spPr>
         <p:txBody>
-          <a:bodyPr vert="horz" lIns="91440" tIns="45720" rIns="91440" bIns="45720" rtlCol="0" anchor="ctr"/>
+          <a:bodyPr vert="horz" lIns="91440" tIns="45720" rIns="91440" bIns="45720" rtlCol="0" anchor="t"/>
           <a:lstStyle>
-            <a:lvl1pPr algn="r">
-              <a:defRPr sz="1000">
+            <a:lvl1pPr algn="l">
+              <a:defRPr sz="1100" b="0" i="0">
                 <a:solidFill>
-                  <a:schemeClr val="tx1"/>
+                  <a:schemeClr val="tx1">
+                    <a:tint val="75000"/>
+                    <a:alpha val="60000"/>
+                  </a:schemeClr>
                 </a:solidFill>
               </a:defRPr>
             </a:lvl1pPr>
@@ -5915,7 +5600,7 @@
             <a:fld id="{48A87A34-81AB-432B-8DAE-1953F412C126}" type="datetimeFigureOut">
               <a:rPr lang="en-US" smtClean="0"/>
               <a:pPr/>
-              <a:t>4/15/2021</a:t>
+              <a:t>4/18/2021</a:t>
             </a:fld>
             <a:endParaRPr lang="en-US" dirty="0"/>
           </a:p>
@@ -5932,21 +5617,24 @@
           </p:nvPr>
         </p:nvSpPr>
         <p:spPr>
-          <a:xfrm>
-            <a:off x="913774" y="5883275"/>
-            <a:ext cx="6672887" cy="365125"/>
+          <a:xfrm rot="5400000">
+            <a:off x="8951573" y="3225297"/>
+            <a:ext cx="3859795" cy="304801"/>
           </a:xfrm>
           <a:prstGeom prst="rect">
             <a:avLst/>
           </a:prstGeom>
         </p:spPr>
         <p:txBody>
-          <a:bodyPr vert="horz" lIns="91440" tIns="45720" rIns="91440" bIns="45720" rtlCol="0" anchor="ctr"/>
+          <a:bodyPr vert="horz" lIns="91440" tIns="45720" rIns="91440" bIns="45720" rtlCol="0" anchor="b"/>
           <a:lstStyle>
             <a:lvl1pPr algn="l">
-              <a:defRPr sz="1000">
+              <a:defRPr sz="1100" b="0" i="0">
                 <a:solidFill>
-                  <a:schemeClr val="tx1"/>
+                  <a:schemeClr val="tx1">
+                    <a:tint val="75000"/>
+                    <a:alpha val="60000"/>
+                  </a:schemeClr>
                 </a:solidFill>
               </a:defRPr>
             </a:lvl1pPr>
@@ -5966,22 +5654,24 @@
             <p:ph type="sldNum" sz="quarter" idx="4"/>
           </p:nvPr>
         </p:nvSpPr>
-        <p:spPr>
-          <a:xfrm>
-            <a:off x="10514011" y="5883275"/>
-            <a:ext cx="764215" cy="365125"/>
+        <p:spPr bwMode="gray">
+          <a:xfrm>
+            <a:off x="10352540" y="295729"/>
+            <a:ext cx="838199" cy="767687"/>
           </a:xfrm>
           <a:prstGeom prst="rect">
             <a:avLst/>
           </a:prstGeom>
         </p:spPr>
         <p:txBody>
-          <a:bodyPr vert="horz" lIns="91440" tIns="45720" rIns="91440" bIns="45720" rtlCol="0" anchor="ctr"/>
+          <a:bodyPr vert="horz" lIns="91440" tIns="45720" rIns="91440" bIns="45720" rtlCol="0" anchor="b"/>
           <a:lstStyle>
-            <a:lvl1pPr algn="r">
-              <a:defRPr sz="1000">
+            <a:lvl1pPr algn="ctr">
+              <a:defRPr sz="2800" b="0" i="0">
                 <a:solidFill>
-                  <a:schemeClr val="tx1"/>
+                  <a:schemeClr val="tx1">
+                    <a:tint val="75000"/>
+                  </a:schemeClr>
                 </a:solidFill>
               </a:defRPr>
             </a:lvl1pPr>
@@ -5999,249 +5689,327 @@
     </p:spTree>
     <p:extLst>
       <p:ext uri="{BB962C8B-B14F-4D97-AF65-F5344CB8AC3E}">
-        <p14:creationId xmlns:p14="http://schemas.microsoft.com/office/powerpoint/2010/main" val="1753304273"/>
+        <p14:creationId xmlns:p14="http://schemas.microsoft.com/office/powerpoint/2010/main" val="1927259124"/>
       </p:ext>
     </p:extLst>
   </p:cSld>
-  <p:clrMap bg1="lt1" tx1="dk1" bg2="lt2" tx2="dk2" accent1="accent1" accent2="accent2" accent3="accent3" accent4="accent4" accent5="accent5" accent6="accent6" hlink="hlink" folHlink="folHlink"/>
+  <p:clrMap bg1="dk1" tx1="lt1" bg2="dk2" tx2="lt2" accent1="accent1" accent2="accent2" accent3="accent3" accent4="accent4" accent5="accent5" accent6="accent6" hlink="hlink" folHlink="folHlink"/>
   <p:sldLayoutIdLst>
-    <p:sldLayoutId id="2147484031" r:id="rId1"/>
-    <p:sldLayoutId id="2147484032" r:id="rId2"/>
-    <p:sldLayoutId id="2147484033" r:id="rId3"/>
-    <p:sldLayoutId id="2147484034" r:id="rId4"/>
-    <p:sldLayoutId id="2147484035" r:id="rId5"/>
-    <p:sldLayoutId id="2147484036" r:id="rId6"/>
-    <p:sldLayoutId id="2147484037" r:id="rId7"/>
-    <p:sldLayoutId id="2147484038" r:id="rId8"/>
-    <p:sldLayoutId id="2147484039" r:id="rId9"/>
-    <p:sldLayoutId id="2147484040" r:id="rId10"/>
-    <p:sldLayoutId id="2147484041" r:id="rId11"/>
-    <p:sldLayoutId id="2147484042" r:id="rId12"/>
-    <p:sldLayoutId id="2147484043" r:id="rId13"/>
-    <p:sldLayoutId id="2147484044" r:id="rId14"/>
-    <p:sldLayoutId id="2147484045" r:id="rId15"/>
-    <p:sldLayoutId id="2147484046" r:id="rId16"/>
-    <p:sldLayoutId id="2147484047" r:id="rId17"/>
-    <p:sldLayoutId id="2147484048" r:id="rId18"/>
+    <p:sldLayoutId id="2147484406" r:id="rId1"/>
+    <p:sldLayoutId id="2147484407" r:id="rId2"/>
+    <p:sldLayoutId id="2147484408" r:id="rId3"/>
+    <p:sldLayoutId id="2147484409" r:id="rId4"/>
+    <p:sldLayoutId id="2147484410" r:id="rId5"/>
+    <p:sldLayoutId id="2147484411" r:id="rId6"/>
+    <p:sldLayoutId id="2147484412" r:id="rId7"/>
+    <p:sldLayoutId id="2147484413" r:id="rId8"/>
+    <p:sldLayoutId id="2147484414" r:id="rId9"/>
+    <p:sldLayoutId id="2147484415" r:id="rId10"/>
+    <p:sldLayoutId id="2147484416" r:id="rId11"/>
+    <p:sldLayoutId id="2147484417" r:id="rId12"/>
+    <p:sldLayoutId id="2147484418" r:id="rId13"/>
+    <p:sldLayoutId id="2147484419" r:id="rId14"/>
+    <p:sldLayoutId id="2147484420" r:id="rId15"/>
+    <p:sldLayoutId id="2147484421" r:id="rId16"/>
+    <p:sldLayoutId id="2147484422" r:id="rId17"/>
   </p:sldLayoutIdLst>
   <p:txStyles>
     <p:titleStyle>
-      <a:lvl1pPr algn="ctr" defTabSz="914400" rtl="0" eaLnBrk="1" latinLnBrk="0" hangingPunct="1">
-        <a:lnSpc>
-          <a:spcPct val="90000"/>
-        </a:lnSpc>
+      <a:lvl1pPr algn="l" defTabSz="457200" rtl="0" eaLnBrk="1" latinLnBrk="0" hangingPunct="1">
         <a:spcBef>
           <a:spcPct val="0"/>
         </a:spcBef>
         <a:buNone/>
-        <a:defRPr sz="3600" kern="1200" cap="all" baseline="0">
+        <a:defRPr sz="4200" b="0" i="0" kern="1200">
           <a:solidFill>
-            <a:schemeClr val="tx1"/>
+            <a:schemeClr val="tx2"/>
           </a:solidFill>
-          <a:effectLst/>
           <a:latin typeface="+mj-lt"/>
           <a:ea typeface="+mj-ea"/>
           <a:cs typeface="+mj-cs"/>
         </a:defRPr>
       </a:lvl1pPr>
+      <a:lvl2pPr eaLnBrk="1" hangingPunct="1">
+        <a:defRPr>
+          <a:solidFill>
+            <a:schemeClr val="tx2"/>
+          </a:solidFill>
+        </a:defRPr>
+      </a:lvl2pPr>
+      <a:lvl3pPr eaLnBrk="1" hangingPunct="1">
+        <a:defRPr>
+          <a:solidFill>
+            <a:schemeClr val="tx2"/>
+          </a:solidFill>
+        </a:defRPr>
+      </a:lvl3pPr>
+      <a:lvl4pPr eaLnBrk="1" hangingPunct="1">
+        <a:defRPr>
+          <a:solidFill>
+            <a:schemeClr val="tx2"/>
+          </a:solidFill>
+        </a:defRPr>
+      </a:lvl4pPr>
+      <a:lvl5pPr eaLnBrk="1" hangingPunct="1">
+        <a:defRPr>
+          <a:solidFill>
+            <a:schemeClr val="tx2"/>
+          </a:solidFill>
+        </a:defRPr>
+      </a:lvl5pPr>
+      <a:lvl6pPr eaLnBrk="1" hangingPunct="1">
+        <a:defRPr>
+          <a:solidFill>
+            <a:schemeClr val="tx2"/>
+          </a:solidFill>
+        </a:defRPr>
+      </a:lvl6pPr>
+      <a:lvl7pPr eaLnBrk="1" hangingPunct="1">
+        <a:defRPr>
+          <a:solidFill>
+            <a:schemeClr val="tx2"/>
+          </a:solidFill>
+        </a:defRPr>
+      </a:lvl7pPr>
+      <a:lvl8pPr eaLnBrk="1" hangingPunct="1">
+        <a:defRPr>
+          <a:solidFill>
+            <a:schemeClr val="tx2"/>
+          </a:solidFill>
+        </a:defRPr>
+      </a:lvl8pPr>
+      <a:lvl9pPr eaLnBrk="1" hangingPunct="1">
+        <a:defRPr>
+          <a:solidFill>
+            <a:schemeClr val="tx2"/>
+          </a:solidFill>
+        </a:defRPr>
+      </a:lvl9pPr>
     </p:titleStyle>
     <p:bodyStyle>
-      <a:lvl1pPr marL="228600" indent="-228600" algn="l" defTabSz="914400" rtl="0" eaLnBrk="1" latinLnBrk="0" hangingPunct="1">
-        <a:lnSpc>
-          <a:spcPct val="120000"/>
-        </a:lnSpc>
+      <a:lvl1pPr marL="342900" indent="-342900" algn="l" defTabSz="457200" rtl="0" eaLnBrk="1" latinLnBrk="0" hangingPunct="1">
         <a:spcBef>
           <a:spcPts val="1000"/>
         </a:spcBef>
+        <a:spcAft>
+          <a:spcPts val="0"/>
+        </a:spcAft>
         <a:buClr>
-          <a:schemeClr val="tx1"/>
+          <a:schemeClr val="bg2">
+            <a:lumMod val="40000"/>
+            <a:lumOff val="60000"/>
+          </a:schemeClr>
         </a:buClr>
-        <a:buFont typeface="Arial" panose="020B0604020202020204" pitchFamily="34" charset="0"/>
-        <a:buChar char="•"/>
-        <a:defRPr sz="2000" kern="1200" cap="all" baseline="0">
+        <a:buSzPct val="80000"/>
+        <a:buFont typeface="Wingdings 3" charset="2"/>
+        <a:buChar char=""/>
+        <a:defRPr sz="2000" b="0" i="0" kern="1200">
           <a:solidFill>
             <a:schemeClr val="tx1"/>
           </a:solidFill>
-          <a:effectLst/>
-          <a:latin typeface="+mn-lt"/>
-          <a:ea typeface="+mn-ea"/>
-          <a:cs typeface="+mn-cs"/>
+          <a:latin typeface="+mj-lt"/>
+          <a:ea typeface="+mj-ea"/>
+          <a:cs typeface="+mj-cs"/>
         </a:defRPr>
       </a:lvl1pPr>
-      <a:lvl2pPr marL="685800" indent="-228600" algn="l" defTabSz="914400" rtl="0" eaLnBrk="1" latinLnBrk="0" hangingPunct="1">
-        <a:lnSpc>
-          <a:spcPct val="120000"/>
-        </a:lnSpc>
+      <a:lvl2pPr marL="742950" indent="-285750" algn="l" defTabSz="457200" rtl="0" eaLnBrk="1" latinLnBrk="0" hangingPunct="1">
         <a:spcBef>
-          <a:spcPts val="500"/>
+          <a:spcPts val="1000"/>
         </a:spcBef>
+        <a:spcAft>
+          <a:spcPts val="0"/>
+        </a:spcAft>
         <a:buClr>
-          <a:schemeClr val="tx1"/>
+          <a:schemeClr val="bg2">
+            <a:lumMod val="40000"/>
+            <a:lumOff val="60000"/>
+          </a:schemeClr>
         </a:buClr>
-        <a:buFont typeface="Arial" panose="020B0604020202020204" pitchFamily="34" charset="0"/>
-        <a:buChar char="•"/>
-        <a:defRPr sz="1800" kern="1200" cap="all" baseline="0">
+        <a:buSzPct val="80000"/>
+        <a:buFont typeface="Wingdings 3" charset="2"/>
+        <a:buChar char=""/>
+        <a:defRPr sz="1800" b="0" i="0" kern="1200">
           <a:solidFill>
             <a:schemeClr val="tx1"/>
           </a:solidFill>
-          <a:effectLst/>
-          <a:latin typeface="+mn-lt"/>
-          <a:ea typeface="+mn-ea"/>
-          <a:cs typeface="+mn-cs"/>
+          <a:latin typeface="+mj-lt"/>
+          <a:ea typeface="+mj-ea"/>
+          <a:cs typeface="+mj-cs"/>
         </a:defRPr>
       </a:lvl2pPr>
-      <a:lvl3pPr marL="1143000" indent="-228600" algn="l" defTabSz="914400" rtl="0" eaLnBrk="1" latinLnBrk="0" hangingPunct="1">
-        <a:lnSpc>
-          <a:spcPct val="120000"/>
-        </a:lnSpc>
+      <a:lvl3pPr marL="1143000" indent="-228600" algn="l" defTabSz="457200" rtl="0" eaLnBrk="1" latinLnBrk="0" hangingPunct="1">
         <a:spcBef>
-          <a:spcPts val="500"/>
+          <a:spcPts val="1000"/>
         </a:spcBef>
+        <a:spcAft>
+          <a:spcPts val="0"/>
+        </a:spcAft>
         <a:buClr>
-          <a:schemeClr val="tx1"/>
+          <a:schemeClr val="bg2">
+            <a:lumMod val="40000"/>
+            <a:lumOff val="60000"/>
+          </a:schemeClr>
         </a:buClr>
-        <a:buFont typeface="Arial" panose="020B0604020202020204" pitchFamily="34" charset="0"/>
-        <a:buChar char="•"/>
-        <a:defRPr sz="1600" kern="1200" cap="all" baseline="0">
+        <a:buSzPct val="80000"/>
+        <a:buFont typeface="Wingdings 3" charset="2"/>
+        <a:buChar char=""/>
+        <a:defRPr sz="1600" b="0" i="0" kern="1200">
           <a:solidFill>
             <a:schemeClr val="tx1"/>
           </a:solidFill>
-          <a:effectLst/>
-          <a:latin typeface="+mn-lt"/>
-          <a:ea typeface="+mn-ea"/>
-          <a:cs typeface="+mn-cs"/>
+          <a:latin typeface="+mj-lt"/>
+          <a:ea typeface="+mj-ea"/>
+          <a:cs typeface="+mj-cs"/>
         </a:defRPr>
       </a:lvl3pPr>
-      <a:lvl4pPr marL="1600200" indent="-228600" algn="l" defTabSz="914400" rtl="0" eaLnBrk="1" latinLnBrk="0" hangingPunct="1">
-        <a:lnSpc>
-          <a:spcPct val="120000"/>
-        </a:lnSpc>
+      <a:lvl4pPr marL="1600200" indent="-228600" algn="l" defTabSz="457200" rtl="0" eaLnBrk="1" latinLnBrk="0" hangingPunct="1">
         <a:spcBef>
-          <a:spcPts val="500"/>
+          <a:spcPts val="1000"/>
         </a:spcBef>
+        <a:spcAft>
+          <a:spcPts val="0"/>
+        </a:spcAft>
         <a:buClr>
-          <a:schemeClr val="tx1"/>
+          <a:schemeClr val="bg2">
+            <a:lumMod val="40000"/>
+            <a:lumOff val="60000"/>
+          </a:schemeClr>
         </a:buClr>
-        <a:buFont typeface="Arial" panose="020B0604020202020204" pitchFamily="34" charset="0"/>
-        <a:buChar char="•"/>
-        <a:defRPr sz="1400" kern="1200" cap="all" baseline="0">
+        <a:buSzPct val="80000"/>
+        <a:buFont typeface="Wingdings 3" charset="2"/>
+        <a:buChar char=""/>
+        <a:defRPr sz="1400" b="0" i="0" kern="1200">
           <a:solidFill>
             <a:schemeClr val="tx1"/>
           </a:solidFill>
-          <a:effectLst/>
-          <a:latin typeface="+mn-lt"/>
-          <a:ea typeface="+mn-ea"/>
-          <a:cs typeface="+mn-cs"/>
+          <a:latin typeface="+mj-lt"/>
+          <a:ea typeface="+mj-ea"/>
+          <a:cs typeface="+mj-cs"/>
         </a:defRPr>
       </a:lvl4pPr>
-      <a:lvl5pPr marL="2057400" indent="-228600" algn="l" defTabSz="914400" rtl="0" eaLnBrk="1" latinLnBrk="0" hangingPunct="1">
-        <a:lnSpc>
-          <a:spcPct val="120000"/>
-        </a:lnSpc>
+      <a:lvl5pPr marL="2057400" indent="-228600" algn="l" defTabSz="457200" rtl="0" eaLnBrk="1" latinLnBrk="0" hangingPunct="1">
         <a:spcBef>
-          <a:spcPts val="500"/>
+          <a:spcPts val="1000"/>
         </a:spcBef>
+        <a:spcAft>
+          <a:spcPts val="0"/>
+        </a:spcAft>
         <a:buClr>
-          <a:schemeClr val="tx1"/>
+          <a:schemeClr val="bg2">
+            <a:lumMod val="40000"/>
+            <a:lumOff val="60000"/>
+          </a:schemeClr>
         </a:buClr>
-        <a:buFont typeface="Arial" panose="020B0604020202020204" pitchFamily="34" charset="0"/>
-        <a:buChar char="•"/>
-        <a:defRPr sz="1400" kern="1200" cap="all" baseline="0">
+        <a:buSzPct val="80000"/>
+        <a:buFont typeface="Wingdings 3" charset="2"/>
+        <a:buChar char=""/>
+        <a:defRPr sz="1400" b="0" i="0" kern="1200">
           <a:solidFill>
             <a:schemeClr val="tx1"/>
           </a:solidFill>
-          <a:effectLst/>
-          <a:latin typeface="+mn-lt"/>
-          <a:ea typeface="+mn-ea"/>
-          <a:cs typeface="+mn-cs"/>
+          <a:latin typeface="+mj-lt"/>
+          <a:ea typeface="+mj-ea"/>
+          <a:cs typeface="+mj-cs"/>
         </a:defRPr>
       </a:lvl5pPr>
-      <a:lvl6pPr marL="2514600" indent="-228600" algn="l" defTabSz="914400" rtl="0" eaLnBrk="1" latinLnBrk="0" hangingPunct="1">
-        <a:lnSpc>
-          <a:spcPct val="120000"/>
-        </a:lnSpc>
+      <a:lvl6pPr marL="2506000" indent="-228600" algn="l" defTabSz="457200" rtl="0" eaLnBrk="1" latinLnBrk="0" hangingPunct="1">
         <a:spcBef>
-          <a:spcPts val="500"/>
+          <a:spcPts val="1000"/>
         </a:spcBef>
+        <a:spcAft>
+          <a:spcPts val="0"/>
+        </a:spcAft>
         <a:buClr>
-          <a:schemeClr val="tx1"/>
+          <a:schemeClr val="bg2">
+            <a:lumMod val="40000"/>
+            <a:lumOff val="60000"/>
+          </a:schemeClr>
         </a:buClr>
-        <a:buFont typeface="Arial" panose="020B0604020202020204" pitchFamily="34" charset="0"/>
-        <a:buChar char="•"/>
-        <a:defRPr sz="1400" kern="1200" cap="all" baseline="0">
+        <a:buSzPct val="80000"/>
+        <a:buFont typeface="Wingdings 3" charset="2"/>
+        <a:buChar char=""/>
+        <a:defRPr sz="1400" b="0" i="0" kern="1200">
           <a:solidFill>
             <a:schemeClr val="tx1"/>
           </a:solidFill>
-          <a:effectLst/>
-          <a:latin typeface="+mn-lt"/>
-          <a:ea typeface="+mn-ea"/>
-          <a:cs typeface="+mn-cs"/>
+          <a:latin typeface="+mj-lt"/>
+          <a:ea typeface="+mj-ea"/>
+          <a:cs typeface="+mj-cs"/>
         </a:defRPr>
       </a:lvl6pPr>
-      <a:lvl7pPr marL="2971800" indent="-228600" algn="l" defTabSz="914400" rtl="0" eaLnBrk="1" latinLnBrk="0" hangingPunct="1">
-        <a:lnSpc>
-          <a:spcPct val="120000"/>
-        </a:lnSpc>
+      <a:lvl7pPr marL="2971800" indent="-228600" algn="l" defTabSz="457200" rtl="0" eaLnBrk="1" latinLnBrk="0" hangingPunct="1">
         <a:spcBef>
-          <a:spcPts val="500"/>
+          <a:spcPts val="1000"/>
         </a:spcBef>
+        <a:spcAft>
+          <a:spcPts val="0"/>
+        </a:spcAft>
         <a:buClr>
-          <a:schemeClr val="tx1"/>
+          <a:schemeClr val="bg2">
+            <a:lumMod val="40000"/>
+            <a:lumOff val="60000"/>
+          </a:schemeClr>
         </a:buClr>
-        <a:buFont typeface="Arial" panose="020B0604020202020204" pitchFamily="34" charset="0"/>
-        <a:buChar char="•"/>
-        <a:defRPr sz="1400" kern="1200" cap="all" baseline="0">
+        <a:buSzPct val="80000"/>
+        <a:buFont typeface="Wingdings 3" charset="2"/>
+        <a:buChar char=""/>
+        <a:defRPr sz="1400" b="0" i="0" kern="1200">
           <a:solidFill>
             <a:schemeClr val="tx1"/>
           </a:solidFill>
-          <a:effectLst/>
-          <a:latin typeface="+mn-lt"/>
-          <a:ea typeface="+mn-ea"/>
-          <a:cs typeface="+mn-cs"/>
+          <a:latin typeface="+mj-lt"/>
+          <a:ea typeface="+mj-ea"/>
+          <a:cs typeface="+mj-cs"/>
         </a:defRPr>
       </a:lvl7pPr>
-      <a:lvl8pPr marL="3429000" indent="-228600" algn="l" defTabSz="914400" rtl="0" eaLnBrk="1" latinLnBrk="0" hangingPunct="1">
-        <a:lnSpc>
-          <a:spcPct val="120000"/>
-        </a:lnSpc>
+      <a:lvl8pPr marL="3429000" indent="-228600" algn="l" defTabSz="457200" rtl="0" eaLnBrk="1" latinLnBrk="0" hangingPunct="1">
         <a:spcBef>
-          <a:spcPts val="500"/>
+          <a:spcPts val="1000"/>
         </a:spcBef>
+        <a:spcAft>
+          <a:spcPts val="0"/>
+        </a:spcAft>
         <a:buClr>
-          <a:schemeClr val="tx1"/>
+          <a:schemeClr val="bg2">
+            <a:lumMod val="40000"/>
+            <a:lumOff val="60000"/>
+          </a:schemeClr>
         </a:buClr>
-        <a:buFont typeface="Arial" panose="020B0604020202020204" pitchFamily="34" charset="0"/>
-        <a:buChar char="•"/>
-        <a:defRPr sz="1400" kern="1200" cap="all" baseline="0">
+        <a:buSzPct val="80000"/>
+        <a:buFont typeface="Wingdings 3" charset="2"/>
+        <a:buChar char=""/>
+        <a:defRPr sz="1400" b="0" i="0" kern="1200">
           <a:solidFill>
             <a:schemeClr val="tx1"/>
           </a:solidFill>
-          <a:effectLst/>
-          <a:latin typeface="+mn-lt"/>
-          <a:ea typeface="+mn-ea"/>
-          <a:cs typeface="+mn-cs"/>
+          <a:latin typeface="+mj-lt"/>
+          <a:ea typeface="+mj-ea"/>
+          <a:cs typeface="+mj-cs"/>
         </a:defRPr>
       </a:lvl8pPr>
-      <a:lvl9pPr marL="3886200" indent="-228600" algn="l" defTabSz="914400" rtl="0" eaLnBrk="1" latinLnBrk="0" hangingPunct="1">
-        <a:lnSpc>
-          <a:spcPct val="120000"/>
-        </a:lnSpc>
+      <a:lvl9pPr marL="3886200" indent="-228600" algn="l" defTabSz="457200" rtl="0" eaLnBrk="1" latinLnBrk="0" hangingPunct="1">
         <a:spcBef>
-          <a:spcPts val="500"/>
+          <a:spcPts val="1000"/>
         </a:spcBef>
+        <a:spcAft>
+          <a:spcPts val="0"/>
+        </a:spcAft>
         <a:buClr>
-          <a:schemeClr val="tx1"/>
+          <a:schemeClr val="bg2">
+            <a:lumMod val="40000"/>
+            <a:lumOff val="60000"/>
+          </a:schemeClr>
         </a:buClr>
-        <a:buFont typeface="Arial" panose="020B0604020202020204" pitchFamily="34" charset="0"/>
-        <a:buChar char="•"/>
-        <a:defRPr sz="1400" kern="1200" cap="all" baseline="0">
+        <a:buSzPct val="80000"/>
+        <a:buFont typeface="Wingdings 3" charset="2"/>
+        <a:buChar char=""/>
+        <a:defRPr sz="1400" b="0" i="0" kern="1200">
           <a:solidFill>
             <a:schemeClr val="tx1"/>
           </a:solidFill>
-          <a:effectLst/>
-          <a:latin typeface="+mn-lt"/>
-          <a:ea typeface="+mn-ea"/>
-          <a:cs typeface="+mn-cs"/>
+          <a:latin typeface="+mj-lt"/>
+          <a:ea typeface="+mj-ea"/>
+          <a:cs typeface="+mj-cs"/>
         </a:defRPr>
       </a:lvl9pPr>
     </p:bodyStyle>
@@ -6249,7 +6017,7 @@
       <a:defPPr>
         <a:defRPr lang="en-US"/>
       </a:defPPr>
-      <a:lvl1pPr marL="0" algn="l" defTabSz="914400" rtl="0" eaLnBrk="1" latinLnBrk="0" hangingPunct="1">
+      <a:lvl1pPr marL="0" algn="l" defTabSz="457200" rtl="0" eaLnBrk="1" latinLnBrk="0" hangingPunct="1">
         <a:defRPr sz="1800" kern="1200">
           <a:solidFill>
             <a:schemeClr val="tx1"/>
@@ -6259,7 +6027,7 @@
           <a:cs typeface="+mn-cs"/>
         </a:defRPr>
       </a:lvl1pPr>
-      <a:lvl2pPr marL="457200" algn="l" defTabSz="914400" rtl="0" eaLnBrk="1" latinLnBrk="0" hangingPunct="1">
+      <a:lvl2pPr marL="457200" algn="l" defTabSz="457200" rtl="0" eaLnBrk="1" latinLnBrk="0" hangingPunct="1">
         <a:defRPr sz="1800" kern="1200">
           <a:solidFill>
             <a:schemeClr val="tx1"/>
@@ -6269,7 +6037,7 @@
           <a:cs typeface="+mn-cs"/>
         </a:defRPr>
       </a:lvl2pPr>
-      <a:lvl3pPr marL="914400" algn="l" defTabSz="914400" rtl="0" eaLnBrk="1" latinLnBrk="0" hangingPunct="1">
+      <a:lvl3pPr marL="914400" algn="l" defTabSz="457200" rtl="0" eaLnBrk="1" latinLnBrk="0" hangingPunct="1">
         <a:defRPr sz="1800" kern="1200">
           <a:solidFill>
             <a:schemeClr val="tx1"/>
@@ -6279,7 +6047,7 @@
           <a:cs typeface="+mn-cs"/>
         </a:defRPr>
       </a:lvl3pPr>
-      <a:lvl4pPr marL="1371600" algn="l" defTabSz="914400" rtl="0" eaLnBrk="1" latinLnBrk="0" hangingPunct="1">
+      <a:lvl4pPr marL="1371600" algn="l" defTabSz="457200" rtl="0" eaLnBrk="1" latinLnBrk="0" hangingPunct="1">
         <a:defRPr sz="1800" kern="1200">
           <a:solidFill>
             <a:schemeClr val="tx1"/>
@@ -6289,7 +6057,7 @@
           <a:cs typeface="+mn-cs"/>
         </a:defRPr>
       </a:lvl4pPr>
-      <a:lvl5pPr marL="1828800" algn="l" defTabSz="914400" rtl="0" eaLnBrk="1" latinLnBrk="0" hangingPunct="1">
+      <a:lvl5pPr marL="1828800" algn="l" defTabSz="457200" rtl="0" eaLnBrk="1" latinLnBrk="0" hangingPunct="1">
         <a:defRPr sz="1800" kern="1200">
           <a:solidFill>
             <a:schemeClr val="tx1"/>
@@ -6299,7 +6067,7 @@
           <a:cs typeface="+mn-cs"/>
         </a:defRPr>
       </a:lvl5pPr>
-      <a:lvl6pPr marL="2286000" algn="l" defTabSz="914400" rtl="0" eaLnBrk="1" latinLnBrk="0" hangingPunct="1">
+      <a:lvl6pPr marL="2286000" algn="l" defTabSz="457200" rtl="0" eaLnBrk="1" latinLnBrk="0" hangingPunct="1">
         <a:defRPr sz="1800" kern="1200">
           <a:solidFill>
             <a:schemeClr val="tx1"/>
@@ -6309,7 +6077,7 @@
           <a:cs typeface="+mn-cs"/>
         </a:defRPr>
       </a:lvl6pPr>
-      <a:lvl7pPr marL="2743200" algn="l" defTabSz="914400" rtl="0" eaLnBrk="1" latinLnBrk="0" hangingPunct="1">
+      <a:lvl7pPr marL="2743200" algn="l" defTabSz="457200" rtl="0" eaLnBrk="1" latinLnBrk="0" hangingPunct="1">
         <a:defRPr sz="1800" kern="1200">
           <a:solidFill>
             <a:schemeClr val="tx1"/>
@@ -6319,7 +6087,7 @@
           <a:cs typeface="+mn-cs"/>
         </a:defRPr>
       </a:lvl7pPr>
-      <a:lvl8pPr marL="3200400" algn="l" defTabSz="914400" rtl="0" eaLnBrk="1" latinLnBrk="0" hangingPunct="1">
+      <a:lvl8pPr marL="3200400" algn="l" defTabSz="457200" rtl="0" eaLnBrk="1" latinLnBrk="0" hangingPunct="1">
         <a:defRPr sz="1800" kern="1200">
           <a:solidFill>
             <a:schemeClr val="tx1"/>
@@ -6329,7 +6097,7 @@
           <a:cs typeface="+mn-cs"/>
         </a:defRPr>
       </a:lvl8pPr>
-      <a:lvl9pPr marL="3657600" algn="l" defTabSz="914400" rtl="0" eaLnBrk="1" latinLnBrk="0" hangingPunct="1">
+      <a:lvl9pPr marL="3657600" algn="l" defTabSz="457200" rtl="0" eaLnBrk="1" latinLnBrk="0" hangingPunct="1">
         <a:defRPr sz="1800" kern="1200">
           <a:solidFill>
             <a:schemeClr val="tx1"/>
@@ -6540,7 +6308,7 @@
         </p:blipFill>
         <p:spPr>
           <a:xfrm>
-            <a:off x="3324495" y="2487489"/>
+            <a:off x="2188026" y="2461363"/>
             <a:ext cx="6871063" cy="3520074"/>
           </a:xfrm>
           <a:prstGeom prst="rect">
@@ -6558,6 +6326,13 @@
   <p:clrMapOvr>
     <a:masterClrMapping/>
   </p:clrMapOvr>
+  <p:timing>
+    <p:tnLst>
+      <p:par>
+        <p:cTn id="1" dur="indefinite" restart="never" nodeType="tmRoot"/>
+      </p:par>
+    </p:tnLst>
+  </p:timing>
 </p:sld>
 </file>
 
@@ -6602,7 +6377,7 @@
         </p:blipFill>
         <p:spPr>
           <a:xfrm>
-            <a:off x="3127511" y="1999026"/>
+            <a:off x="1554480" y="2037851"/>
             <a:ext cx="7283450" cy="3678237"/>
           </a:xfrm>
           <a:prstGeom prst="rect">
@@ -6622,7 +6397,7 @@
         </p:nvSpPr>
         <p:spPr>
           <a:xfrm>
-            <a:off x="2313124" y="636951"/>
+            <a:off x="1319349" y="440645"/>
             <a:ext cx="8912225" cy="1362075"/>
           </a:xfrm>
         </p:spPr>
@@ -6648,9 +6423,9 @@
                 <a:ea typeface="+mn-ea"/>
                 <a:cs typeface="Times New Roman" panose="02020603050405020304" pitchFamily="18" charset="0"/>
               </a:rPr>
-              <a:t>After the pop up shows, the right box will show the        location coordinates and name. Reset button is available</a:t>
-            </a:r>
-            <a:br>
+              <a:t>After the pop up shows, the right box will show </a:t>
+            </a:r>
+            <a:r>
               <a:rPr lang="en-US" sz="2000" dirty="0" smtClean="0">
                 <a:solidFill>
                   <a:schemeClr val="tx1">
@@ -6662,7 +6437,8 @@
                 <a:ea typeface="+mn-ea"/>
                 <a:cs typeface="Times New Roman" panose="02020603050405020304" pitchFamily="18" charset="0"/>
               </a:rPr>
-            </a:br>
+              <a:t>the location </a:t>
+            </a:r>
             <a:r>
               <a:rPr lang="en-US" sz="2000" dirty="0" smtClean="0">
                 <a:solidFill>
@@ -6675,7 +6451,35 @@
                 <a:ea typeface="+mn-ea"/>
                 <a:cs typeface="Times New Roman" panose="02020603050405020304" pitchFamily="18" charset="0"/>
               </a:rPr>
-              <a:t>to start the game</a:t>
+              <a:t>coordinates and name. Reset button is </a:t>
+            </a:r>
+            <a:r>
+              <a:rPr lang="en-US" sz="2000" dirty="0" smtClean="0">
+                <a:solidFill>
+                  <a:schemeClr val="tx1">
+                    <a:lumMod val="75000"/>
+                    <a:lumOff val="25000"/>
+                  </a:schemeClr>
+                </a:solidFill>
+                <a:latin typeface="Times New Roman" panose="02020603050405020304" pitchFamily="18" charset="0"/>
+                <a:ea typeface="+mn-ea"/>
+                <a:cs typeface="Times New Roman" panose="02020603050405020304" pitchFamily="18" charset="0"/>
+              </a:rPr>
+              <a:t>available to </a:t>
+            </a:r>
+            <a:r>
+              <a:rPr lang="en-US" sz="2000" dirty="0" smtClean="0">
+                <a:solidFill>
+                  <a:schemeClr val="tx1">
+                    <a:lumMod val="75000"/>
+                    <a:lumOff val="25000"/>
+                  </a:schemeClr>
+                </a:solidFill>
+                <a:latin typeface="Times New Roman" panose="02020603050405020304" pitchFamily="18" charset="0"/>
+                <a:ea typeface="+mn-ea"/>
+                <a:cs typeface="Times New Roman" panose="02020603050405020304" pitchFamily="18" charset="0"/>
+              </a:rPr>
+              <a:t>start the game</a:t>
             </a:r>
             <a:endParaRPr lang="en-US" sz="2000" dirty="0">
               <a:solidFill>
@@ -6701,6 +6505,13 @@
   <p:clrMapOvr>
     <a:masterClrMapping/>
   </p:clrMapOvr>
+  <p:timing>
+    <p:tnLst>
+      <p:par>
+        <p:cTn id="1" dur="indefinite" restart="never" nodeType="tmRoot"/>
+      </p:par>
+    </p:tnLst>
+  </p:timing>
 </p:sld>
 </file>
 
@@ -6745,7 +6556,7 @@
         </p:blipFill>
         <p:spPr>
           <a:xfrm>
-            <a:off x="4047839" y="2605684"/>
+            <a:off x="3280555" y="1837560"/>
             <a:ext cx="4096322" cy="2829320"/>
           </a:xfrm>
         </p:spPr>
@@ -6760,6 +6571,13 @@
   <p:clrMapOvr>
     <a:masterClrMapping/>
   </p:clrMapOvr>
+  <p:timing>
+    <p:tnLst>
+      <p:par>
+        <p:cTn id="1" dur="indefinite" restart="never" nodeType="tmRoot"/>
+      </p:par>
+    </p:tnLst>
+  </p:timing>
 </p:sld>
 </file>
 
@@ -6847,21 +6665,35 @@
                 <a:latin typeface="Times New Roman" panose="02020603050405020304" pitchFamily="18" charset="0"/>
                 <a:cs typeface="Times New Roman" panose="02020603050405020304" pitchFamily="18" charset="0"/>
               </a:rPr>
-              <a:t>  Rohith Reddy Avisakula                                                </a:t>
+              <a:t>  Rohith Reddy </a:t>
+            </a:r>
+            <a:r>
+              <a:rPr lang="en-US" dirty="0" err="1" smtClean="0">
+                <a:latin typeface="Times New Roman" panose="02020603050405020304" pitchFamily="18" charset="0"/>
+                <a:cs typeface="Times New Roman" panose="02020603050405020304" pitchFamily="18" charset="0"/>
+              </a:rPr>
+              <a:t>Avisakula</a:t>
             </a:r>
             <a:r>
               <a:rPr lang="en-US" dirty="0" smtClean="0">
                 <a:latin typeface="Times New Roman" panose="02020603050405020304" pitchFamily="18" charset="0"/>
                 <a:cs typeface="Times New Roman" panose="02020603050405020304" pitchFamily="18" charset="0"/>
               </a:rPr>
-              <a:t>Raju </a:t>
+              <a:t>                                             </a:t>
             </a:r>
             <a:r>
               <a:rPr lang="en-US" dirty="0" smtClean="0">
                 <a:latin typeface="Times New Roman" panose="02020603050405020304" pitchFamily="18" charset="0"/>
                 <a:cs typeface="Times New Roman" panose="02020603050405020304" pitchFamily="18" charset="0"/>
               </a:rPr>
-              <a:t>N, Boddu</a:t>
+              <a:t> </a:t>
+            </a:r>
+            <a:r>
+              <a:rPr lang="en-US" dirty="0" smtClean="0">
+                <a:latin typeface="Times New Roman" panose="02020603050405020304" pitchFamily="18" charset="0"/>
+                <a:cs typeface="Times New Roman" panose="02020603050405020304" pitchFamily="18" charset="0"/>
+              </a:rPr>
+              <a:t>Raju N, Boddu</a:t>
             </a:r>
           </a:p>
           <a:p>
@@ -6880,7 +6712,11 @@
             </a:r>
             <a:r>
               <a:rPr lang="en-US" dirty="0" smtClean="0"/>
-              <a:t>                                   </a:t>
+              <a:t>                                </a:t>
+            </a:r>
+            <a:r>
+              <a:rPr lang="en-US" dirty="0" smtClean="0"/>
+              <a:t> </a:t>
             </a:r>
             <a:r>
               <a:rPr lang="en-US" dirty="0" smtClean="0">
@@ -7013,7 +6849,7 @@
         </p:spPr>
         <p:txBody>
           <a:bodyPr>
-            <a:normAutofit/>
+            <a:normAutofit fontScale="90000"/>
           </a:bodyPr>
           <a:lstStyle/>
           <a:p>
@@ -7048,7 +6884,7 @@
         </p:spPr>
         <p:txBody>
           <a:bodyPr>
-            <a:normAutofit fontScale="85000" lnSpcReduction="20000"/>
+            <a:normAutofit/>
           </a:bodyPr>
           <a:lstStyle/>
           <a:p>
@@ -7108,6 +6944,13 @@
   <p:clrMapOvr>
     <a:masterClrMapping/>
   </p:clrMapOvr>
+  <p:timing>
+    <p:tnLst>
+      <p:par>
+        <p:cTn id="1" dur="indefinite" restart="never" nodeType="tmRoot"/>
+      </p:par>
+    </p:tnLst>
+  </p:timing>
 </p:sld>
 </file>
 
@@ -7146,7 +6989,7 @@
         </p:spPr>
         <p:txBody>
           <a:bodyPr>
-            <a:normAutofit/>
+            <a:normAutofit fontScale="90000"/>
           </a:bodyPr>
           <a:lstStyle/>
           <a:p>
@@ -7177,7 +7020,7 @@
         </p:spPr>
         <p:txBody>
           <a:bodyPr>
-            <a:normAutofit lnSpcReduction="10000"/>
+            <a:normAutofit/>
           </a:bodyPr>
           <a:lstStyle/>
           <a:p>
@@ -7274,6 +7117,13 @@
   <p:clrMapOvr>
     <a:masterClrMapping/>
   </p:clrMapOvr>
+  <p:timing>
+    <p:tnLst>
+      <p:par>
+        <p:cTn id="1" dur="indefinite" restart="never" nodeType="tmRoot"/>
+      </p:par>
+    </p:tnLst>
+  </p:timing>
 </p:sld>
 </file>
 
@@ -7418,6 +7268,13 @@
   <p:clrMapOvr>
     <a:masterClrMapping/>
   </p:clrMapOvr>
+  <p:timing>
+    <p:tnLst>
+      <p:par>
+        <p:cTn id="1" dur="indefinite" restart="never" nodeType="tmRoot"/>
+      </p:par>
+    </p:tnLst>
+  </p:timing>
 </p:sld>
 </file>
 
@@ -7541,6 +7398,13 @@
   <p:clrMapOvr>
     <a:masterClrMapping/>
   </p:clrMapOvr>
+  <p:timing>
+    <p:tnLst>
+      <p:par>
+        <p:cTn id="1" dur="indefinite" restart="never" nodeType="tmRoot"/>
+      </p:par>
+    </p:tnLst>
+  </p:timing>
 </p:sld>
 </file>
 
@@ -7649,6 +7513,13 @@
   <p:clrMapOvr>
     <a:masterClrMapping/>
   </p:clrMapOvr>
+  <p:timing>
+    <p:tnLst>
+      <p:par>
+        <p:cTn id="1" dur="indefinite" restart="never" nodeType="tmRoot"/>
+      </p:par>
+    </p:tnLst>
+  </p:timing>
 </p:sld>
 </file>
 
@@ -7681,7 +7552,7 @@
         </p:nvSpPr>
         <p:spPr>
           <a:xfrm>
-            <a:off x="1985553" y="1005840"/>
+            <a:off x="1201782" y="548640"/>
             <a:ext cx="9548949" cy="5251268"/>
           </a:xfrm>
         </p:spPr>
@@ -7756,7 +7627,7 @@
         </p:blipFill>
         <p:spPr>
           <a:xfrm>
-            <a:off x="2312123" y="2628493"/>
+            <a:off x="1397723" y="2079853"/>
             <a:ext cx="8895807" cy="3850682"/>
           </a:xfrm>
           <a:prstGeom prst="rect">
@@ -7774,6 +7645,13 @@
   <p:clrMapOvr>
     <a:masterClrMapping/>
   </p:clrMapOvr>
+  <p:timing>
+    <p:tnLst>
+      <p:par>
+        <p:cTn id="1" dur="indefinite" restart="never" nodeType="tmRoot"/>
+      </p:par>
+    </p:tnLst>
+  </p:timing>
 </p:sld>
 </file>
 
@@ -7909,13 +7787,20 @@
   <p:clrMapOvr>
     <a:masterClrMapping/>
   </p:clrMapOvr>
+  <p:timing>
+    <p:tnLst>
+      <p:par>
+        <p:cTn id="1" dur="indefinite" restart="never" nodeType="tmRoot"/>
+      </p:par>
+    </p:tnLst>
+  </p:timing>
 </p:sld>
 </file>
 
 <file path=ppt/theme/theme1.xml><?xml version="1.0" encoding="utf-8"?>
-<a:theme xmlns:a="http://schemas.openxmlformats.org/drawingml/2006/main" name="Droplet">
+<a:theme xmlns:a="http://schemas.openxmlformats.org/drawingml/2006/main" name="Ion">
   <a:themeElements>
-    <a:clrScheme name="Droplet">
+    <a:clrScheme name="Ion">
       <a:dk1>
         <a:sysClr val="windowText" lastClr="000000"/>
       </a:dk1>
@@ -7923,42 +7808,42 @@
         <a:sysClr val="window" lastClr="FFFFFF"/>
       </a:lt1>
       <a:dk2>
-        <a:srgbClr val="355071"/>
+        <a:srgbClr val="1E5155"/>
       </a:dk2>
       <a:lt2>
-        <a:srgbClr val="AABED7"/>
+        <a:srgbClr val="EBEBEB"/>
       </a:lt2>
       <a:accent1>
-        <a:srgbClr val="2FA3EE"/>
+        <a:srgbClr val="B01513"/>
       </a:accent1>
       <a:accent2>
-        <a:srgbClr val="4BCAAD"/>
+        <a:srgbClr val="EA6312"/>
       </a:accent2>
       <a:accent3>
-        <a:srgbClr val="86C157"/>
+        <a:srgbClr val="E6B729"/>
       </a:accent3>
       <a:accent4>
-        <a:srgbClr val="D99C3F"/>
+        <a:srgbClr val="6AAC90"/>
       </a:accent4>
       <a:accent5>
-        <a:srgbClr val="CE6633"/>
+        <a:srgbClr val="54849A"/>
       </a:accent5>
       <a:accent6>
-        <a:srgbClr val="A35DD1"/>
+        <a:srgbClr val="9E5E9B"/>
       </a:accent6>
       <a:hlink>
-        <a:srgbClr val="56BCFE"/>
+        <a:srgbClr val="58C1BA"/>
       </a:hlink>
       <a:folHlink>
-        <a:srgbClr val="97C5E3"/>
+        <a:srgbClr val="9DFFCB"/>
       </a:folHlink>
     </a:clrScheme>
-    <a:fontScheme name="Droplet">
+    <a:fontScheme name="Ion">
       <a:majorFont>
-        <a:latin typeface="Tw Cen MT" panose="020B0602020104020603"/>
+        <a:latin typeface="Century Gothic" panose="020B0502020202020204"/>
         <a:ea typeface=""/>
         <a:cs typeface=""/>
-        <a:font script="Jpan" typeface="ＭＳ Ｐゴシック"/>
+        <a:font script="Jpan" typeface="メイリオ"/>
         <a:font script="Hang" typeface="맑은 고딕"/>
         <a:font script="Hans" typeface="宋体"/>
         <a:font script="Hant" typeface="新細明體"/>
@@ -7990,10 +7875,10 @@
         <a:font script="Geor" typeface="Sylfaen"/>
       </a:majorFont>
       <a:minorFont>
-        <a:latin typeface="Tw Cen MT" panose="020B0602020104020603"/>
+        <a:latin typeface="Century Gothic" panose="020B0502020202020204"/>
         <a:ea typeface=""/>
         <a:cs typeface=""/>
-        <a:font script="Jpan" typeface="ＭＳ Ｐゴシック"/>
+        <a:font script="Jpan" typeface="メイリオ"/>
         <a:font script="Hang" typeface="맑은 고딕"/>
         <a:font script="Hans" typeface="宋体"/>
         <a:font script="Hant" typeface="新細明體"/>
@@ -8025,40 +7910,41 @@
         <a:font script="Geor" typeface="Sylfaen"/>
       </a:minorFont>
     </a:fontScheme>
-    <a:fmtScheme name="Droplet">
+    <a:fmtScheme name="Ion">
       <a:fillStyleLst>
         <a:solidFill>
           <a:schemeClr val="phClr"/>
-        </a:solidFill>
-        <a:solidFill>
-          <a:schemeClr val="phClr">
-            <a:tint val="69000"/>
-            <a:satMod val="105000"/>
-            <a:lumMod val="110000"/>
-          </a:schemeClr>
         </a:solidFill>
         <a:gradFill rotWithShape="1">
           <a:gsLst>
             <a:gs pos="0">
               <a:schemeClr val="phClr">
-                <a:tint val="94000"/>
-                <a:satMod val="100000"/>
-                <a:lumMod val="108000"/>
-              </a:schemeClr>
-            </a:gs>
-            <a:gs pos="50000">
-              <a:schemeClr val="phClr">
-                <a:tint val="98000"/>
-                <a:shade val="100000"/>
-                <a:satMod val="100000"/>
-                <a:lumMod val="100000"/>
+                <a:tint val="64000"/>
+                <a:lumMod val="118000"/>
               </a:schemeClr>
             </a:gs>
             <a:gs pos="100000">
               <a:schemeClr val="phClr">
-                <a:shade val="72000"/>
-                <a:satMod val="120000"/>
-                <a:lumMod val="100000"/>
+                <a:tint val="92000"/>
+                <a:alpha val="100000"/>
+                <a:lumMod val="110000"/>
+              </a:schemeClr>
+            </a:gs>
+          </a:gsLst>
+          <a:lin ang="5400000" scaled="0"/>
+        </a:gradFill>
+        <a:gradFill rotWithShape="1">
+          <a:gsLst>
+            <a:gs pos="0">
+              <a:schemeClr val="phClr">
+                <a:tint val="98000"/>
+                <a:lumMod val="114000"/>
+              </a:schemeClr>
+            </a:gs>
+            <a:gs pos="100000">
+              <a:schemeClr val="phClr">
+                <a:shade val="90000"/>
+                <a:lumMod val="84000"/>
               </a:schemeClr>
             </a:gs>
           </a:gsLst>
@@ -8066,21 +7952,19 @@
         </a:gradFill>
       </a:fillStyleLst>
       <a:lnStyleLst>
-        <a:ln w="9525" cap="flat" cmpd="sng" algn="ctr">
-          <a:solidFill>
-            <a:schemeClr val="phClr">
-              <a:shade val="60000"/>
-            </a:schemeClr>
-          </a:solidFill>
-          <a:prstDash val="solid"/>
-        </a:ln>
-        <a:ln w="15875" cap="flat" cmpd="sng" algn="ctr">
+        <a:ln w="9525" cap="rnd" cmpd="sng" algn="ctr">
           <a:solidFill>
             <a:schemeClr val="phClr"/>
           </a:solidFill>
           <a:prstDash val="solid"/>
         </a:ln>
-        <a:ln w="22225" cap="flat" cmpd="sng" algn="ctr">
+        <a:ln w="19050" cap="rnd" cmpd="sng" algn="ctr">
+          <a:solidFill>
+            <a:schemeClr val="phClr"/>
+          </a:solidFill>
+          <a:prstDash val="solid"/>
+        </a:ln>
+        <a:ln w="28575" cap="rnd" cmpd="sng" algn="ctr">
           <a:solidFill>
             <a:schemeClr val="phClr"/>
           </a:solidFill>
@@ -8093,18 +7977,18 @@
         </a:effectStyle>
         <a:effectStyle>
           <a:effectLst>
-            <a:outerShdw blurRad="50800" dist="25400" dir="5400000" rotWithShape="0">
+            <a:outerShdw blurRad="38100" dist="25400" dir="5400000" rotWithShape="0">
               <a:srgbClr val="000000">
-                <a:alpha val="28000"/>
+                <a:alpha val="45000"/>
               </a:srgbClr>
             </a:outerShdw>
           </a:effectLst>
         </a:effectStyle>
         <a:effectStyle>
           <a:effectLst>
-            <a:outerShdw blurRad="63500" dist="25400" dir="5400000" algn="ctr" rotWithShape="0">
+            <a:outerShdw blurRad="63500" dist="38100" dir="5400000" rotWithShape="0">
               <a:srgbClr val="000000">
-                <a:alpha val="69000"/>
+                <a:alpha val="60000"/>
               </a:srgbClr>
             </a:outerShdw>
           </a:effectLst>
@@ -8112,12 +7996,10 @@
             <a:camera prst="orthographicFront">
               <a:rot lat="0" lon="0" rev="0"/>
             </a:camera>
-            <a:lightRig rig="balanced" dir="t">
-              <a:rot lat="0" lon="0" rev="1200000"/>
-            </a:lightRig>
+            <a:lightRig rig="threePt" dir="tl"/>
           </a:scene3d>
           <a:sp3d prstMaterial="plastic">
-            <a:bevelT w="25400" h="25400"/>
+            <a:bevelT w="0" h="0"/>
           </a:sp3d>
         </a:effectStyle>
       </a:effectStyleLst>
@@ -8129,40 +8011,45 @@
           <a:gsLst>
             <a:gs pos="0">
               <a:schemeClr val="phClr">
-                <a:tint val="90000"/>
-                <a:lumMod val="110000"/>
+                <a:tint val="97000"/>
+                <a:hueMod val="88000"/>
+                <a:satMod val="130000"/>
+                <a:lumMod val="124000"/>
               </a:schemeClr>
             </a:gs>
             <a:gs pos="100000">
               <a:schemeClr val="phClr">
-                <a:shade val="64000"/>
-                <a:lumMod val="88000"/>
+                <a:tint val="96000"/>
+                <a:shade val="88000"/>
+                <a:hueMod val="108000"/>
+                <a:satMod val="164000"/>
+                <a:lumMod val="76000"/>
               </a:schemeClr>
             </a:gs>
           </a:gsLst>
-          <a:lin ang="5400000" scaled="0"/>
+          <a:path path="circle">
+            <a:fillToRect l="45000" t="65000" r="125000" b="100000"/>
+          </a:path>
         </a:gradFill>
-        <a:gradFill rotWithShape="1">
-          <a:gsLst>
-            <a:gs pos="0">
+        <a:blipFill rotWithShape="1">
+          <a:blip xmlns:r="http://schemas.openxmlformats.org/officeDocument/2006/relationships" r:embed="rId1">
+            <a:duotone>
               <a:schemeClr val="phClr">
-                <a:tint val="84000"/>
-                <a:shade val="100000"/>
-                <a:hueMod val="130000"/>
-                <a:satMod val="150000"/>
-                <a:lumMod val="112000"/>
+                <a:shade val="69000"/>
+                <a:hueMod val="108000"/>
+                <a:satMod val="164000"/>
+                <a:lumMod val="74000"/>
               </a:schemeClr>
-            </a:gs>
-            <a:gs pos="100000">
               <a:schemeClr val="phClr">
-                <a:shade val="92000"/>
+                <a:tint val="96000"/>
+                <a:hueMod val="88000"/>
                 <a:satMod val="140000"/>
-                <a:lumMod val="110000"/>
+                <a:lumMod val="132000"/>
               </a:schemeClr>
-            </a:gs>
-          </a:gsLst>
-          <a:lin ang="5400000" scaled="0"/>
-        </a:gradFill>
+            </a:duotone>
+          </a:blip>
+          <a:stretch/>
+        </a:blipFill>
       </a:bgFillStyleLst>
     </a:fmtScheme>
   </a:themeElements>
@@ -8170,7 +8057,7 @@
   <a:extraClrSchemeLst/>
   <a:extLst>
     <a:ext uri="{05A4C25C-085E-4340-85A3-A5531E510DB2}">
-      <thm15:themeFamily xmlns:thm15="http://schemas.microsoft.com/office/thememl/2012/main" name="Droplet" id="{8984A317-299A-4E50-B45D-BFC9EDE2337A}" vid="{A633B6A3-9E7F-4C10-9C98-2517A3134361}"/>
+      <thm15:themeFamily xmlns:thm15="http://schemas.microsoft.com/office/thememl/2012/main" name="Ion" id="{B8441ADB-2E43-4AF7-B97A-BD870242C6A8}" vid="{292E63A9-BB86-4E3D-B92A-7223C6510D2E}"/>
     </a:ext>
   </a:extLst>
 </a:theme>

--- a/Northwest hunt .pptx
+++ b/Northwest hunt .pptx
@@ -309,7 +309,7 @@
           <a:p>
             <a:fld id="{48A87A34-81AB-432B-8DAE-1953F412C126}" type="datetimeFigureOut">
               <a:rPr lang="en-US" smtClean="0"/>
-              <a:t>4/18/2021</a:t>
+              <a:t>4/19/2021</a:t>
             </a:fld>
             <a:endParaRPr lang="en-US" dirty="0"/>
           </a:p>
@@ -585,7 +585,7 @@
             <a:fld id="{48A87A34-81AB-432B-8DAE-1953F412C126}" type="datetimeFigureOut">
               <a:rPr lang="en-US" smtClean="0"/>
               <a:pPr/>
-              <a:t>4/18/2021</a:t>
+              <a:t>4/19/2021</a:t>
             </a:fld>
             <a:endParaRPr lang="en-US" dirty="0"/>
           </a:p>
@@ -781,7 +781,7 @@
             <a:fld id="{48A87A34-81AB-432B-8DAE-1953F412C126}" type="datetimeFigureOut">
               <a:rPr lang="en-US" smtClean="0"/>
               <a:pPr/>
-              <a:t>4/18/2021</a:t>
+              <a:t>4/19/2021</a:t>
             </a:fld>
             <a:endParaRPr lang="en-US" dirty="0"/>
           </a:p>
@@ -1056,7 +1056,7 @@
             <a:fld id="{48A87A34-81AB-432B-8DAE-1953F412C126}" type="datetimeFigureOut">
               <a:rPr lang="en-US" smtClean="0"/>
               <a:pPr/>
-              <a:t>4/18/2021</a:t>
+              <a:t>4/19/2021</a:t>
             </a:fld>
             <a:endParaRPr lang="en-US" dirty="0"/>
           </a:p>
@@ -1399,7 +1399,7 @@
             <a:fld id="{48A87A34-81AB-432B-8DAE-1953F412C126}" type="datetimeFigureOut">
               <a:rPr lang="en-US" smtClean="0"/>
               <a:pPr/>
-              <a:t>4/18/2021</a:t>
+              <a:t>4/19/2021</a:t>
             </a:fld>
             <a:endParaRPr lang="en-US" dirty="0"/>
           </a:p>
@@ -2024,7 +2024,7 @@
             <a:fld id="{48A87A34-81AB-432B-8DAE-1953F412C126}" type="datetimeFigureOut">
               <a:rPr lang="en-US" smtClean="0"/>
               <a:pPr/>
-              <a:t>4/18/2021</a:t>
+              <a:t>4/19/2021</a:t>
             </a:fld>
             <a:endParaRPr lang="en-US" dirty="0"/>
           </a:p>
@@ -2886,7 +2886,7 @@
             <a:fld id="{48A87A34-81AB-432B-8DAE-1953F412C126}" type="datetimeFigureOut">
               <a:rPr lang="en-US" smtClean="0"/>
               <a:pPr/>
-              <a:t>4/18/2021</a:t>
+              <a:t>4/19/2021</a:t>
             </a:fld>
             <a:endParaRPr lang="en-US" dirty="0"/>
           </a:p>
@@ -3058,7 +3058,7 @@
             <a:fld id="{48A87A34-81AB-432B-8DAE-1953F412C126}" type="datetimeFigureOut">
               <a:rPr lang="en-US" smtClean="0"/>
               <a:pPr/>
-              <a:t>4/18/2021</a:t>
+              <a:t>4/19/2021</a:t>
             </a:fld>
             <a:endParaRPr lang="en-US" dirty="0"/>
           </a:p>
@@ -3240,7 +3240,7 @@
             <a:fld id="{48A87A34-81AB-432B-8DAE-1953F412C126}" type="datetimeFigureOut">
               <a:rPr lang="en-US" smtClean="0"/>
               <a:pPr/>
-              <a:t>4/18/2021</a:t>
+              <a:t>4/19/2021</a:t>
             </a:fld>
             <a:endParaRPr lang="en-US" dirty="0"/>
           </a:p>
@@ -3412,7 +3412,7 @@
             <a:fld id="{48A87A34-81AB-432B-8DAE-1953F412C126}" type="datetimeFigureOut">
               <a:rPr lang="en-US" smtClean="0"/>
               <a:pPr/>
-              <a:t>4/18/2021</a:t>
+              <a:t>4/19/2021</a:t>
             </a:fld>
             <a:endParaRPr lang="en-US" dirty="0"/>
           </a:p>
@@ -3660,7 +3660,7 @@
           <a:p>
             <a:fld id="{48A87A34-81AB-432B-8DAE-1953F412C126}" type="datetimeFigureOut">
               <a:rPr lang="en-US" smtClean="0"/>
-              <a:t>4/18/2021</a:t>
+              <a:t>4/19/2021</a:t>
             </a:fld>
             <a:endParaRPr lang="en-US" dirty="0"/>
           </a:p>
@@ -3953,7 +3953,7 @@
             <a:fld id="{48A87A34-81AB-432B-8DAE-1953F412C126}" type="datetimeFigureOut">
               <a:rPr lang="en-US" smtClean="0"/>
               <a:pPr/>
-              <a:t>4/18/2021</a:t>
+              <a:t>4/19/2021</a:t>
             </a:fld>
             <a:endParaRPr lang="en-US" dirty="0"/>
           </a:p>
@@ -4399,7 +4399,7 @@
             <a:fld id="{48A87A34-81AB-432B-8DAE-1953F412C126}" type="datetimeFigureOut">
               <a:rPr lang="en-US" smtClean="0"/>
               <a:pPr/>
-              <a:t>4/18/2021</a:t>
+              <a:t>4/19/2021</a:t>
             </a:fld>
             <a:endParaRPr lang="en-US" dirty="0"/>
           </a:p>
@@ -4518,7 +4518,7 @@
           <a:p>
             <a:fld id="{48A87A34-81AB-432B-8DAE-1953F412C126}" type="datetimeFigureOut">
               <a:rPr lang="en-US" smtClean="0"/>
-              <a:t>4/18/2021</a:t>
+              <a:t>4/19/2021</a:t>
             </a:fld>
             <a:endParaRPr lang="en-US" dirty="0"/>
           </a:p>
@@ -4613,7 +4613,7 @@
           <a:p>
             <a:fld id="{48A87A34-81AB-432B-8DAE-1953F412C126}" type="datetimeFigureOut">
               <a:rPr lang="en-US" smtClean="0"/>
-              <a:t>4/18/2021</a:t>
+              <a:t>4/19/2021</a:t>
             </a:fld>
             <a:endParaRPr lang="en-US" dirty="0"/>
           </a:p>
@@ -4893,7 +4893,7 @@
             <a:fld id="{48A87A34-81AB-432B-8DAE-1953F412C126}" type="datetimeFigureOut">
               <a:rPr lang="en-US" smtClean="0"/>
               <a:pPr/>
-              <a:t>4/18/2021</a:t>
+              <a:t>4/19/2021</a:t>
             </a:fld>
             <a:endParaRPr lang="en-US" dirty="0"/>
           </a:p>
@@ -5170,7 +5170,7 @@
             <a:fld id="{48A87A34-81AB-432B-8DAE-1953F412C126}" type="datetimeFigureOut">
               <a:rPr lang="en-US" smtClean="0"/>
               <a:pPr/>
-              <a:t>4/18/2021</a:t>
+              <a:t>4/19/2021</a:t>
             </a:fld>
             <a:endParaRPr lang="en-US" dirty="0"/>
           </a:p>
@@ -5600,7 +5600,7 @@
             <a:fld id="{48A87A34-81AB-432B-8DAE-1953F412C126}" type="datetimeFigureOut">
               <a:rPr lang="en-US" smtClean="0"/>
               <a:pPr/>
-              <a:t>4/18/2021</a:t>
+              <a:t>4/19/2021</a:t>
             </a:fld>
             <a:endParaRPr lang="en-US" dirty="0"/>
           </a:p>
@@ -6377,7 +6377,7 @@
         </p:blipFill>
         <p:spPr>
           <a:xfrm>
-            <a:off x="1554480" y="2037851"/>
+            <a:off x="2133736" y="2207668"/>
             <a:ext cx="7283450" cy="3678237"/>
           </a:xfrm>
           <a:prstGeom prst="rect">
@@ -6397,7 +6397,7 @@
         </p:nvSpPr>
         <p:spPr>
           <a:xfrm>
-            <a:off x="1319349" y="440645"/>
+            <a:off x="1802675" y="701903"/>
             <a:ext cx="8912225" cy="1362075"/>
           </a:xfrm>
         </p:spPr>
@@ -6423,63 +6423,7 @@
                 <a:ea typeface="+mn-ea"/>
                 <a:cs typeface="Times New Roman" panose="02020603050405020304" pitchFamily="18" charset="0"/>
               </a:rPr>
-              <a:t>After the pop up shows, the right box will show </a:t>
-            </a:r>
-            <a:r>
-              <a:rPr lang="en-US" sz="2000" dirty="0" smtClean="0">
-                <a:solidFill>
-                  <a:schemeClr val="tx1">
-                    <a:lumMod val="75000"/>
-                    <a:lumOff val="25000"/>
-                  </a:schemeClr>
-                </a:solidFill>
-                <a:latin typeface="Times New Roman" panose="02020603050405020304" pitchFamily="18" charset="0"/>
-                <a:ea typeface="+mn-ea"/>
-                <a:cs typeface="Times New Roman" panose="02020603050405020304" pitchFamily="18" charset="0"/>
-              </a:rPr>
-              <a:t>the location </a:t>
-            </a:r>
-            <a:r>
-              <a:rPr lang="en-US" sz="2000" dirty="0" smtClean="0">
-                <a:solidFill>
-                  <a:schemeClr val="tx1">
-                    <a:lumMod val="75000"/>
-                    <a:lumOff val="25000"/>
-                  </a:schemeClr>
-                </a:solidFill>
-                <a:latin typeface="Times New Roman" panose="02020603050405020304" pitchFamily="18" charset="0"/>
-                <a:ea typeface="+mn-ea"/>
-                <a:cs typeface="Times New Roman" panose="02020603050405020304" pitchFamily="18" charset="0"/>
-              </a:rPr>
-              <a:t>coordinates and name. Reset button is </a:t>
-            </a:r>
-            <a:r>
-              <a:rPr lang="en-US" sz="2000" dirty="0" smtClean="0">
-                <a:solidFill>
-                  <a:schemeClr val="tx1">
-                    <a:lumMod val="75000"/>
-                    <a:lumOff val="25000"/>
-                  </a:schemeClr>
-                </a:solidFill>
-                <a:latin typeface="Times New Roman" panose="02020603050405020304" pitchFamily="18" charset="0"/>
-                <a:ea typeface="+mn-ea"/>
-                <a:cs typeface="Times New Roman" panose="02020603050405020304" pitchFamily="18" charset="0"/>
-              </a:rPr>
-              <a:t>available to </a:t>
-            </a:r>
-            <a:r>
-              <a:rPr lang="en-US" sz="2000" dirty="0" smtClean="0">
-                <a:solidFill>
-                  <a:schemeClr val="tx1">
-                    <a:lumMod val="75000"/>
-                    <a:lumOff val="25000"/>
-                  </a:schemeClr>
-                </a:solidFill>
-                <a:latin typeface="Times New Roman" panose="02020603050405020304" pitchFamily="18" charset="0"/>
-                <a:ea typeface="+mn-ea"/>
-                <a:cs typeface="Times New Roman" panose="02020603050405020304" pitchFamily="18" charset="0"/>
-              </a:rPr>
-              <a:t>start the game</a:t>
+              <a:t>After the pop up shows, the right box will show the location coordinates and name. Reset button is available to start the game</a:t>
             </a:r>
             <a:endParaRPr lang="en-US" sz="2000" dirty="0">
               <a:solidFill>
@@ -6679,21 +6623,7 @@
                 <a:latin typeface="Times New Roman" panose="02020603050405020304" pitchFamily="18" charset="0"/>
                 <a:cs typeface="Times New Roman" panose="02020603050405020304" pitchFamily="18" charset="0"/>
               </a:rPr>
-              <a:t>                                             </a:t>
-            </a:r>
-            <a:r>
-              <a:rPr lang="en-US" dirty="0" smtClean="0">
-                <a:latin typeface="Times New Roman" panose="02020603050405020304" pitchFamily="18" charset="0"/>
-                <a:cs typeface="Times New Roman" panose="02020603050405020304" pitchFamily="18" charset="0"/>
-              </a:rPr>
-              <a:t> </a:t>
-            </a:r>
-            <a:r>
-              <a:rPr lang="en-US" dirty="0" smtClean="0">
-                <a:latin typeface="Times New Roman" panose="02020603050405020304" pitchFamily="18" charset="0"/>
-                <a:cs typeface="Times New Roman" panose="02020603050405020304" pitchFamily="18" charset="0"/>
-              </a:rPr>
-              <a:t>Raju N, Boddu</a:t>
+              <a:t>                                              Raju N, Boddu</a:t>
             </a:r>
           </a:p>
           <a:p>
@@ -6712,11 +6642,7 @@
             </a:r>
             <a:r>
               <a:rPr lang="en-US" dirty="0" smtClean="0"/>
-              <a:t>                                </a:t>
-            </a:r>
-            <a:r>
-              <a:rPr lang="en-US" dirty="0" smtClean="0"/>
-              <a:t> </a:t>
+              <a:t>                                 </a:t>
             </a:r>
             <a:r>
               <a:rPr lang="en-US" dirty="0" smtClean="0">
@@ -6983,7 +6909,7 @@
         </p:nvSpPr>
         <p:spPr>
           <a:xfrm>
-            <a:off x="2592926" y="1107436"/>
+            <a:off x="2005097" y="1068247"/>
             <a:ext cx="7452412" cy="616861"/>
           </a:xfrm>
         </p:spPr>

--- a/Northwest hunt .pptx
+++ b/Northwest hunt .pptx
@@ -6623,8 +6623,33 @@
                 <a:latin typeface="Times New Roman" panose="02020603050405020304" pitchFamily="18" charset="0"/>
                 <a:cs typeface="Times New Roman" panose="02020603050405020304" pitchFamily="18" charset="0"/>
               </a:rPr>
-              <a:t>                                              Raju N, Boddu</a:t>
-            </a:r>
+              <a:t>                                              </a:t>
+            </a:r>
+            <a:r>
+              <a:rPr lang="en-US" dirty="0" smtClean="0">
+                <a:latin typeface="Times New Roman" panose="02020603050405020304" pitchFamily="18" charset="0"/>
+                <a:cs typeface="Times New Roman" panose="02020603050405020304" pitchFamily="18" charset="0"/>
+              </a:rPr>
+              <a:t>Nooka Raju</a:t>
+            </a:r>
+            <a:r>
+              <a:rPr lang="en-US" dirty="0">
+                <a:latin typeface="Times New Roman" panose="02020603050405020304" pitchFamily="18" charset="0"/>
+                <a:cs typeface="Times New Roman" panose="02020603050405020304" pitchFamily="18" charset="0"/>
+              </a:rPr>
+              <a:t> </a:t>
+            </a:r>
+            <a:r>
+              <a:rPr lang="en-US" dirty="0" smtClean="0">
+                <a:latin typeface="Times New Roman" panose="02020603050405020304" pitchFamily="18" charset="0"/>
+                <a:cs typeface="Times New Roman" panose="02020603050405020304" pitchFamily="18" charset="0"/>
+              </a:rPr>
+              <a:t>Boddu</a:t>
+            </a:r>
+            <a:endParaRPr lang="en-US" dirty="0" smtClean="0">
+              <a:latin typeface="Times New Roman" panose="02020603050405020304" pitchFamily="18" charset="0"/>
+              <a:cs typeface="Times New Roman" panose="02020603050405020304" pitchFamily="18" charset="0"/>
+            </a:endParaRPr>
           </a:p>
           <a:p>
             <a:pPr marL="0" indent="0">
@@ -6712,7 +6737,7 @@
         </p:blipFill>
         <p:spPr>
           <a:xfrm>
-            <a:off x="6962502" y="3278777"/>
+            <a:off x="7367450" y="3278777"/>
             <a:ext cx="2795452" cy="2628356"/>
           </a:xfrm>
           <a:prstGeom prst="rect">
